--- a/Présentation - Powerpoint.pptx
+++ b/Présentation - Powerpoint.pptx
@@ -5,10 +5,11 @@
     <p:sldMasterId id="2147483966" r:id="rId1"/>
   </p:sldMasterIdLst>
   <p:notesMasterIdLst>
-    <p:notesMasterId r:id="rId3"/>
+    <p:notesMasterId r:id="rId4"/>
   </p:notesMasterIdLst>
   <p:sldIdLst>
     <p:sldId id="256" r:id="rId2"/>
+    <p:sldId id="2572" r:id="rId3"/>
   </p:sldIdLst>
   <p:sldSz cx="24377650" cy="13716000"/>
   <p:notesSz cx="6858000" cy="9144000"/>
@@ -109,7 +110,18 @@
   </p:defaultTextStyle>
   <p:extLst>
     <p:ext uri="{EFAFB233-063F-42B5-8137-9DF3F51BA10A}">
-      <p15:sldGuideLst xmlns:p15="http://schemas.microsoft.com/office/powerpoint/2012/main"/>
+      <p15:sldGuideLst xmlns:p15="http://schemas.microsoft.com/office/powerpoint/2012/main">
+        <p15:guide id="1" orient="horz" pos="4320" userDrawn="1">
+          <p15:clr>
+            <a:srgbClr val="A4A3A4"/>
+          </p15:clr>
+        </p15:guide>
+        <p15:guide id="2" pos="7678" userDrawn="1">
+          <p15:clr>
+            <a:srgbClr val="A4A3A4"/>
+          </p15:clr>
+        </p15:guide>
+      </p15:sldGuideLst>
     </p:ext>
     <p:ext uri="{2D200454-40CA-4A62-9FC3-DE9A4176ACB9}">
       <p15:notesGuideLst xmlns:p15="http://schemas.microsoft.com/office/powerpoint/2012/main"/>
@@ -1041,6 +1053,37 @@
 </p:sldLayout>
 </file>
 
+<file path=ppt/slideLayouts/slideLayout5.xml><?xml version="1.0" encoding="utf-8"?>
+<p:sldLayout xmlns:a="http://schemas.openxmlformats.org/drawingml/2006/main" xmlns:r="http://schemas.openxmlformats.org/officeDocument/2006/relationships" xmlns:p="http://schemas.openxmlformats.org/presentationml/2006/main" userDrawn="1">
+  <p:cSld name="General Slide">
+    <p:spTree>
+      <p:nvGrpSpPr>
+        <p:cNvPr id="1" name=""/>
+        <p:cNvGrpSpPr/>
+        <p:nvPr/>
+      </p:nvGrpSpPr>
+      <p:grpSpPr>
+        <a:xfrm>
+          <a:off x="0" y="0"/>
+          <a:ext cx="0" cy="0"/>
+          <a:chOff x="0" y="0"/>
+          <a:chExt cx="0" cy="0"/>
+        </a:xfrm>
+      </p:grpSpPr>
+    </p:spTree>
+    <p:extLst>
+      <p:ext uri="{BB962C8B-B14F-4D97-AF65-F5344CB8AC3E}">
+        <p14:creationId xmlns:p14="http://schemas.microsoft.com/office/powerpoint/2010/main" val="682623095"/>
+      </p:ext>
+    </p:extLst>
+  </p:cSld>
+  <p:clrMapOvr>
+    <a:masterClrMapping/>
+  </p:clrMapOvr>
+  <p:transition/>
+</p:sldLayout>
+</file>
+
 <file path=ppt/slideMasters/slideMaster1.xml><?xml version="1.0" encoding="utf-8"?>
 <p:sldMaster xmlns:a="http://schemas.openxmlformats.org/drawingml/2006/main" xmlns:r="http://schemas.openxmlformats.org/officeDocument/2006/relationships" xmlns:p="http://schemas.openxmlformats.org/presentationml/2006/main">
   <p:cSld>
@@ -1252,8 +1295,9 @@
     <p:sldLayoutId id="2147483988" r:id="rId2"/>
     <p:sldLayoutId id="2147484002" r:id="rId3"/>
     <p:sldLayoutId id="2147483998" r:id="rId4"/>
+    <p:sldLayoutId id="2147484003" r:id="rId5"/>
   </p:sldLayoutIdLst>
-  <p:hf hdr="0" ftr="0" dt="0"/>
+  <p:hf hdr="0" ftr="0"/>
   <p:txStyles>
     <p:titleStyle>
       <a:lvl1pPr algn="l" defTabSz="1828343" rtl="0" eaLnBrk="1" latinLnBrk="0" hangingPunct="1">
@@ -1583,7 +1627,12 @@
             <a:fillRect/>
           </a:stretch>
         </p:blipFill>
-        <p:spPr/>
+        <p:spPr>
+          <a:xfrm>
+            <a:off x="0" y="1"/>
+            <a:ext cx="19393999" cy="13715999"/>
+          </a:xfrm>
+        </p:spPr>
       </p:pic>
       <p:sp>
         <p:nvSpPr>
@@ -1599,8 +1648,8 @@
         </p:nvSpPr>
         <p:spPr>
           <a:xfrm>
-            <a:off x="17955491" y="5220393"/>
-            <a:ext cx="5469774" cy="646331"/>
+            <a:off x="17766303" y="7721821"/>
+            <a:ext cx="6544123" cy="2800767"/>
           </a:xfrm>
           <a:prstGeom prst="rect">
             <a:avLst/>
@@ -1613,25 +1662,201 @@
           </a:bodyPr>
           <a:lstStyle/>
           <a:p>
+            <a:pPr algn="just"/>
             <a:r>
-              <a:rPr lang="en-GB" dirty="0" err="1"/>
-              <a:t>Présentation</a:t>
+              <a:rPr lang="fr-FR" sz="8800" b="1" dirty="0">
+                <a:latin typeface="Poppins Bold" panose="02000000000000000000"/>
+              </a:rPr>
+              <a:t>Présentation du projet 632</a:t>
             </a:r>
+          </a:p>
+        </p:txBody>
+      </p:sp>
+      <p:sp>
+        <p:nvSpPr>
+          <p:cNvPr id="2" name="Rectangle 1">
+            <a:extLst>
+              <a:ext uri="{FF2B5EF4-FFF2-40B4-BE49-F238E27FC236}">
+                <a16:creationId xmlns:a16="http://schemas.microsoft.com/office/drawing/2014/main" id="{8905063E-7A8B-48F1-957B-876BAF43198F}"/>
+              </a:ext>
+            </a:extLst>
+          </p:cNvPr>
+          <p:cNvSpPr/>
+          <p:nvPr/>
+        </p:nvSpPr>
+        <p:spPr>
+          <a:xfrm>
+            <a:off x="17766304" y="10471579"/>
+            <a:ext cx="5469774" cy="646331"/>
+          </a:xfrm>
+          <a:prstGeom prst="rect">
+            <a:avLst/>
+          </a:prstGeom>
+        </p:spPr>
+        <p:txBody>
+          <a:bodyPr wrap="square">
+            <a:spAutoFit/>
+          </a:bodyPr>
+          <a:lstStyle/>
+          <a:p>
+            <a:pPr algn="just"/>
             <a:r>
-              <a:rPr lang="en-GB" dirty="0"/>
-              <a:t> du </a:t>
+              <a:rPr lang="fr-FR" b="1" dirty="0">
+                <a:solidFill>
+                  <a:schemeClr val="bg1">
+                    <a:lumMod val="65000"/>
+                  </a:schemeClr>
+                </a:solidFill>
+                <a:latin typeface="Poppins Bold" panose="02000000000000000000" pitchFamily="2" charset="77"/>
+                <a:ea typeface="Roboto" charset="0"/>
+                <a:cs typeface="Poppins Bold" panose="02000000000000000000" pitchFamily="2" charset="77"/>
+              </a:rPr>
+              <a:t>Algorithme de Huffman</a:t>
             </a:r>
+          </a:p>
+        </p:txBody>
+      </p:sp>
+      <p:pic>
+        <p:nvPicPr>
+          <p:cNvPr id="1026" name="Picture 2" descr="RÃ©sultat de recherche d'images pour &quot;java  image&quot;">
+            <a:extLst>
+              <a:ext uri="{FF2B5EF4-FFF2-40B4-BE49-F238E27FC236}">
+                <a16:creationId xmlns:a16="http://schemas.microsoft.com/office/drawing/2014/main" id="{DB663638-4EAA-4E1A-AAF5-78BC9AD11289}"/>
+              </a:ext>
+            </a:extLst>
+          </p:cNvPr>
+          <p:cNvPicPr>
+            <a:picLocks noChangeAspect="1" noChangeArrowheads="1"/>
+          </p:cNvPicPr>
+          <p:nvPr/>
+        </p:nvPicPr>
+        <p:blipFill>
+          <a:blip r:embed="rId3" cstate="email">
+            <a:extLst>
+              <a:ext uri="{28A0092B-C50C-407E-A947-70E740481C1C}">
+                <a14:useLocalDpi xmlns:a14="http://schemas.microsoft.com/office/drawing/2010/main" val="0"/>
+              </a:ext>
+            </a:extLst>
+          </a:blip>
+          <a:srcRect/>
+          <a:stretch>
+            <a:fillRect/>
+          </a:stretch>
+        </p:blipFill>
+        <p:spPr bwMode="auto">
+          <a:xfrm>
+            <a:off x="11295278" y="7383188"/>
+            <a:ext cx="8712309" cy="4398862"/>
+          </a:xfrm>
+          <a:prstGeom prst="rect">
+            <a:avLst/>
+          </a:prstGeom>
+          <a:noFill/>
+          <a:extLst>
+            <a:ext uri="{909E8E84-426E-40DD-AFC4-6F175D3DCCD1}">
+              <a14:hiddenFill xmlns:a14="http://schemas.microsoft.com/office/drawing/2010/main">
+                <a:solidFill>
+                  <a:srgbClr val="FFFFFF"/>
+                </a:solidFill>
+              </a14:hiddenFill>
+            </a:ext>
+          </a:extLst>
+        </p:spPr>
+      </p:pic>
+      <p:sp>
+        <p:nvSpPr>
+          <p:cNvPr id="6" name="TextBox 16">
+            <a:extLst>
+              <a:ext uri="{FF2B5EF4-FFF2-40B4-BE49-F238E27FC236}">
+                <a16:creationId xmlns:a16="http://schemas.microsoft.com/office/drawing/2014/main" id="{35C16F0B-20AD-4776-AC78-A1B37DDD20DD}"/>
+              </a:ext>
+            </a:extLst>
+          </p:cNvPr>
+          <p:cNvSpPr txBox="1"/>
+          <p:nvPr/>
+        </p:nvSpPr>
+        <p:spPr>
+          <a:xfrm>
+            <a:off x="1113882" y="12712366"/>
+            <a:ext cx="5698163" cy="596766"/>
+          </a:xfrm>
+          <a:prstGeom prst="rect">
+            <a:avLst/>
+          </a:prstGeom>
+          <a:noFill/>
+        </p:spPr>
+        <p:txBody>
+          <a:bodyPr wrap="none" rtlCol="0">
+            <a:spAutoFit/>
+          </a:bodyPr>
+          <a:lstStyle/>
+          <a:p>
+            <a:pPr algn="ctr">
+              <a:lnSpc>
+                <a:spcPts val="4440"/>
+              </a:lnSpc>
+            </a:pPr>
             <a:r>
-              <a:rPr lang="en-GB" dirty="0" err="1"/>
-              <a:t>projet</a:t>
+              <a:rPr lang="fr-FR" sz="2400" spc="300" dirty="0">
+                <a:solidFill>
+                  <a:schemeClr val="bg1"/>
+                </a:solidFill>
+                <a:latin typeface="Poppins" panose="02000000000000000000" pitchFamily="2" charset="77"/>
+                <a:ea typeface="Lato" charset="0"/>
+                <a:cs typeface="Poppins" panose="02000000000000000000" pitchFamily="2" charset="77"/>
+              </a:rPr>
+              <a:t>Présenté Par : Maxence Personnaz</a:t>
             </a:r>
-            <a:r>
-              <a:rPr lang="en-GB"/>
-              <a:t> 632</a:t>
-            </a:r>
-          </a:p>
-        </p:txBody>
-      </p:sp>
+          </a:p>
+        </p:txBody>
+      </p:sp>
+      <p:pic>
+        <p:nvPicPr>
+          <p:cNvPr id="1028" name="Picture 4" descr="RÃ©sultat de recherche d'images pour &quot;Polytech image&quot;">
+            <a:extLst>
+              <a:ext uri="{FF2B5EF4-FFF2-40B4-BE49-F238E27FC236}">
+                <a16:creationId xmlns:a16="http://schemas.microsoft.com/office/drawing/2014/main" id="{D6D39D65-D542-4F17-81CC-E4CED511B781}"/>
+              </a:ext>
+            </a:extLst>
+          </p:cNvPr>
+          <p:cNvPicPr>
+            <a:picLocks noChangeAspect="1" noChangeArrowheads="1"/>
+          </p:cNvPicPr>
+          <p:nvPr/>
+        </p:nvPicPr>
+        <p:blipFill>
+          <a:blip r:embed="rId4" cstate="email">
+            <a:extLst>
+              <a:ext uri="{28A0092B-C50C-407E-A947-70E740481C1C}">
+                <a14:useLocalDpi xmlns:a14="http://schemas.microsoft.com/office/drawing/2010/main" val="0"/>
+              </a:ext>
+            </a:extLst>
+          </a:blip>
+          <a:srcRect/>
+          <a:stretch>
+            <a:fillRect/>
+          </a:stretch>
+        </p:blipFill>
+        <p:spPr bwMode="auto">
+          <a:xfrm>
+            <a:off x="20501191" y="293370"/>
+            <a:ext cx="3247296" cy="2067445"/>
+          </a:xfrm>
+          <a:prstGeom prst="rect">
+            <a:avLst/>
+          </a:prstGeom>
+          <a:noFill/>
+          <a:extLst>
+            <a:ext uri="{909E8E84-426E-40DD-AFC4-6F175D3DCCD1}">
+              <a14:hiddenFill xmlns:a14="http://schemas.microsoft.com/office/drawing/2010/main">
+                <a:solidFill>
+                  <a:srgbClr val="FFFFFF"/>
+                </a:solidFill>
+              </a14:hiddenFill>
+            </a:ext>
+          </a:extLst>
+        </p:spPr>
+      </p:pic>
     </p:spTree>
     <p:extLst>
       <p:ext uri="{BB962C8B-B14F-4D97-AF65-F5344CB8AC3E}">
@@ -1652,6 +1877,772 @@
       <p:transition xmlns:p14="http://schemas.microsoft.com/office/powerpoint/2010/main" spd="slow">
         <p:fade/>
       </p:transition>
+    </mc:Fallback>
+  </mc:AlternateContent>
+</p:sld>
+</file>
+
+<file path=ppt/slides/slide2.xml><?xml version="1.0" encoding="utf-8"?>
+<p:sld xmlns:a="http://schemas.openxmlformats.org/drawingml/2006/main" xmlns:r="http://schemas.openxmlformats.org/officeDocument/2006/relationships" xmlns:p="http://schemas.openxmlformats.org/presentationml/2006/main">
+  <p:cSld>
+    <p:spTree>
+      <p:nvGrpSpPr>
+        <p:cNvPr id="1" name=""/>
+        <p:cNvGrpSpPr/>
+        <p:nvPr/>
+      </p:nvGrpSpPr>
+      <p:grpSpPr>
+        <a:xfrm>
+          <a:off x="0" y="0"/>
+          <a:ext cx="0" cy="0"/>
+          <a:chOff x="0" y="0"/>
+          <a:chExt cx="0" cy="0"/>
+        </a:xfrm>
+      </p:grpSpPr>
+      <p:sp>
+        <p:nvSpPr>
+          <p:cNvPr id="50" name="Rectangle 49"/>
+          <p:cNvSpPr/>
+          <p:nvPr/>
+        </p:nvSpPr>
+        <p:spPr>
+          <a:xfrm>
+            <a:off x="2479462" y="10872367"/>
+            <a:ext cx="1141144" cy="1141144"/>
+          </a:xfrm>
+          <a:prstGeom prst="rect">
+            <a:avLst/>
+          </a:prstGeom>
+          <a:solidFill>
+            <a:schemeClr val="accent4"/>
+          </a:solidFill>
+          <a:ln>
+            <a:noFill/>
+          </a:ln>
+        </p:spPr>
+        <p:style>
+          <a:lnRef idx="2">
+            <a:schemeClr val="accent1">
+              <a:shade val="50000"/>
+            </a:schemeClr>
+          </a:lnRef>
+          <a:fillRef idx="1">
+            <a:schemeClr val="accent1"/>
+          </a:fillRef>
+          <a:effectRef idx="0">
+            <a:schemeClr val="accent1"/>
+          </a:effectRef>
+          <a:fontRef idx="minor">
+            <a:schemeClr val="lt1"/>
+          </a:fontRef>
+        </p:style>
+        <p:txBody>
+          <a:bodyPr rtlCol="0" anchor="ctr"/>
+          <a:lstStyle/>
+          <a:p>
+            <a:pPr algn="ctr"/>
+            <a:endParaRPr lang="en-US"/>
+          </a:p>
+        </p:txBody>
+      </p:sp>
+      <p:sp>
+        <p:nvSpPr>
+          <p:cNvPr id="51" name="TextBox 50"/>
+          <p:cNvSpPr txBox="1"/>
+          <p:nvPr/>
+        </p:nvSpPr>
+        <p:spPr>
+          <a:xfrm>
+            <a:off x="4179698" y="11086795"/>
+            <a:ext cx="3483646" cy="738664"/>
+          </a:xfrm>
+          <a:prstGeom prst="rect">
+            <a:avLst/>
+          </a:prstGeom>
+          <a:noFill/>
+        </p:spPr>
+        <p:txBody>
+          <a:bodyPr wrap="none" rtlCol="0">
+            <a:spAutoFit/>
+          </a:bodyPr>
+          <a:lstStyle/>
+          <a:p>
+            <a:r>
+              <a:rPr lang="en-US" sz="4200" b="1" dirty="0">
+                <a:solidFill>
+                  <a:schemeClr val="tx2"/>
+                </a:solidFill>
+                <a:latin typeface="Poppins Bold" panose="02000000000000000000" pitchFamily="2" charset="77"/>
+                <a:ea typeface="Roboto" charset="0"/>
+                <a:cs typeface="Poppins Bold" panose="02000000000000000000" pitchFamily="2" charset="77"/>
+              </a:rPr>
+              <a:t>ELEMENT 05</a:t>
+            </a:r>
+          </a:p>
+        </p:txBody>
+      </p:sp>
+      <p:sp>
+        <p:nvSpPr>
+          <p:cNvPr id="54" name="Rectangle 53"/>
+          <p:cNvSpPr/>
+          <p:nvPr/>
+        </p:nvSpPr>
+        <p:spPr>
+          <a:xfrm>
+            <a:off x="2479462" y="8902100"/>
+            <a:ext cx="1141144" cy="1141144"/>
+          </a:xfrm>
+          <a:prstGeom prst="rect">
+            <a:avLst/>
+          </a:prstGeom>
+          <a:solidFill>
+            <a:schemeClr val="accent2"/>
+          </a:solidFill>
+          <a:ln>
+            <a:noFill/>
+          </a:ln>
+        </p:spPr>
+        <p:style>
+          <a:lnRef idx="2">
+            <a:schemeClr val="accent1">
+              <a:shade val="50000"/>
+            </a:schemeClr>
+          </a:lnRef>
+          <a:fillRef idx="1">
+            <a:schemeClr val="accent1"/>
+          </a:fillRef>
+          <a:effectRef idx="0">
+            <a:schemeClr val="accent1"/>
+          </a:effectRef>
+          <a:fontRef idx="minor">
+            <a:schemeClr val="lt1"/>
+          </a:fontRef>
+        </p:style>
+        <p:txBody>
+          <a:bodyPr rtlCol="0" anchor="ctr"/>
+          <a:lstStyle/>
+          <a:p>
+            <a:pPr algn="ctr"/>
+            <a:endParaRPr lang="en-US"/>
+          </a:p>
+        </p:txBody>
+      </p:sp>
+      <p:sp>
+        <p:nvSpPr>
+          <p:cNvPr id="55" name="TextBox 54"/>
+          <p:cNvSpPr txBox="1"/>
+          <p:nvPr/>
+        </p:nvSpPr>
+        <p:spPr>
+          <a:xfrm>
+            <a:off x="4179698" y="9116528"/>
+            <a:ext cx="3498073" cy="738664"/>
+          </a:xfrm>
+          <a:prstGeom prst="rect">
+            <a:avLst/>
+          </a:prstGeom>
+          <a:noFill/>
+        </p:spPr>
+        <p:txBody>
+          <a:bodyPr wrap="none" rtlCol="0">
+            <a:spAutoFit/>
+          </a:bodyPr>
+          <a:lstStyle/>
+          <a:p>
+            <a:r>
+              <a:rPr lang="en-US" sz="4200" b="1" dirty="0">
+                <a:solidFill>
+                  <a:schemeClr val="tx2"/>
+                </a:solidFill>
+                <a:latin typeface="Poppins Bold" panose="02000000000000000000" pitchFamily="2" charset="77"/>
+                <a:ea typeface="Roboto" charset="0"/>
+                <a:cs typeface="Poppins Bold" panose="02000000000000000000" pitchFamily="2" charset="77"/>
+              </a:rPr>
+              <a:t>ELEMENT 04</a:t>
+            </a:r>
+          </a:p>
+        </p:txBody>
+      </p:sp>
+      <p:sp>
+        <p:nvSpPr>
+          <p:cNvPr id="62" name="Rectangle 61"/>
+          <p:cNvSpPr/>
+          <p:nvPr/>
+        </p:nvSpPr>
+        <p:spPr>
+          <a:xfrm>
+            <a:off x="2495266" y="6996388"/>
+            <a:ext cx="1141144" cy="1141144"/>
+          </a:xfrm>
+          <a:prstGeom prst="rect">
+            <a:avLst/>
+          </a:prstGeom>
+          <a:solidFill>
+            <a:schemeClr val="accent5"/>
+          </a:solidFill>
+          <a:ln>
+            <a:noFill/>
+          </a:ln>
+        </p:spPr>
+        <p:style>
+          <a:lnRef idx="2">
+            <a:schemeClr val="accent1">
+              <a:shade val="50000"/>
+            </a:schemeClr>
+          </a:lnRef>
+          <a:fillRef idx="1">
+            <a:schemeClr val="accent1"/>
+          </a:fillRef>
+          <a:effectRef idx="0">
+            <a:schemeClr val="accent1"/>
+          </a:effectRef>
+          <a:fontRef idx="minor">
+            <a:schemeClr val="lt1"/>
+          </a:fontRef>
+        </p:style>
+        <p:txBody>
+          <a:bodyPr rtlCol="0" anchor="ctr"/>
+          <a:lstStyle/>
+          <a:p>
+            <a:pPr algn="ctr"/>
+            <a:endParaRPr lang="en-US"/>
+          </a:p>
+        </p:txBody>
+      </p:sp>
+      <p:sp>
+        <p:nvSpPr>
+          <p:cNvPr id="63" name="TextBox 62"/>
+          <p:cNvSpPr txBox="1"/>
+          <p:nvPr/>
+        </p:nvSpPr>
+        <p:spPr>
+          <a:xfrm>
+            <a:off x="4112379" y="7186034"/>
+            <a:ext cx="3459601" cy="738664"/>
+          </a:xfrm>
+          <a:prstGeom prst="rect">
+            <a:avLst/>
+          </a:prstGeom>
+          <a:noFill/>
+        </p:spPr>
+        <p:txBody>
+          <a:bodyPr wrap="none" rtlCol="0">
+            <a:spAutoFit/>
+          </a:bodyPr>
+          <a:lstStyle/>
+          <a:p>
+            <a:r>
+              <a:rPr lang="en-US" sz="4200" b="1" dirty="0">
+                <a:solidFill>
+                  <a:schemeClr val="tx2"/>
+                </a:solidFill>
+                <a:latin typeface="Poppins Bold" panose="02000000000000000000" pitchFamily="2" charset="77"/>
+                <a:ea typeface="Roboto" charset="0"/>
+                <a:cs typeface="Poppins Bold" panose="02000000000000000000" pitchFamily="2" charset="77"/>
+              </a:rPr>
+              <a:t>ELEMENT 03</a:t>
+            </a:r>
+          </a:p>
+        </p:txBody>
+      </p:sp>
+      <p:sp>
+        <p:nvSpPr>
+          <p:cNvPr id="66" name="Rectangle 65"/>
+          <p:cNvSpPr/>
+          <p:nvPr/>
+        </p:nvSpPr>
+        <p:spPr>
+          <a:xfrm>
+            <a:off x="2495266" y="4973787"/>
+            <a:ext cx="1141144" cy="1141144"/>
+          </a:xfrm>
+          <a:prstGeom prst="rect">
+            <a:avLst/>
+          </a:prstGeom>
+          <a:solidFill>
+            <a:schemeClr val="accent3"/>
+          </a:solidFill>
+          <a:ln>
+            <a:noFill/>
+          </a:ln>
+        </p:spPr>
+        <p:style>
+          <a:lnRef idx="2">
+            <a:schemeClr val="accent1">
+              <a:shade val="50000"/>
+            </a:schemeClr>
+          </a:lnRef>
+          <a:fillRef idx="1">
+            <a:schemeClr val="accent1"/>
+          </a:fillRef>
+          <a:effectRef idx="0">
+            <a:schemeClr val="accent1"/>
+          </a:effectRef>
+          <a:fontRef idx="minor">
+            <a:schemeClr val="lt1"/>
+          </a:fontRef>
+        </p:style>
+        <p:txBody>
+          <a:bodyPr rtlCol="0" anchor="ctr"/>
+          <a:lstStyle/>
+          <a:p>
+            <a:pPr algn="ctr"/>
+            <a:endParaRPr lang="en-US"/>
+          </a:p>
+        </p:txBody>
+      </p:sp>
+      <p:sp>
+        <p:nvSpPr>
+          <p:cNvPr id="67" name="TextBox 66"/>
+          <p:cNvSpPr txBox="1"/>
+          <p:nvPr/>
+        </p:nvSpPr>
+        <p:spPr>
+          <a:xfrm>
+            <a:off x="4112379" y="5163433"/>
+            <a:ext cx="3441968" cy="738664"/>
+          </a:xfrm>
+          <a:prstGeom prst="rect">
+            <a:avLst/>
+          </a:prstGeom>
+          <a:noFill/>
+        </p:spPr>
+        <p:txBody>
+          <a:bodyPr wrap="none" rtlCol="0">
+            <a:spAutoFit/>
+          </a:bodyPr>
+          <a:lstStyle/>
+          <a:p>
+            <a:r>
+              <a:rPr lang="en-US" sz="4200" b="1" dirty="0">
+                <a:solidFill>
+                  <a:schemeClr val="tx2"/>
+                </a:solidFill>
+                <a:latin typeface="Poppins Bold" panose="02000000000000000000" pitchFamily="2" charset="77"/>
+                <a:ea typeface="Roboto" charset="0"/>
+                <a:cs typeface="Poppins Bold" panose="02000000000000000000" pitchFamily="2" charset="77"/>
+              </a:rPr>
+              <a:t>ELEMENT 02</a:t>
+            </a:r>
+          </a:p>
+        </p:txBody>
+      </p:sp>
+      <p:sp>
+        <p:nvSpPr>
+          <p:cNvPr id="70" name="Rectangle 69"/>
+          <p:cNvSpPr/>
+          <p:nvPr/>
+        </p:nvSpPr>
+        <p:spPr>
+          <a:xfrm>
+            <a:off x="2495266" y="3001635"/>
+            <a:ext cx="1141144" cy="1141144"/>
+          </a:xfrm>
+          <a:prstGeom prst="rect">
+            <a:avLst/>
+          </a:prstGeom>
+          <a:ln>
+            <a:noFill/>
+          </a:ln>
+        </p:spPr>
+        <p:style>
+          <a:lnRef idx="2">
+            <a:schemeClr val="accent1">
+              <a:shade val="50000"/>
+            </a:schemeClr>
+          </a:lnRef>
+          <a:fillRef idx="1">
+            <a:schemeClr val="accent1"/>
+          </a:fillRef>
+          <a:effectRef idx="0">
+            <a:schemeClr val="accent1"/>
+          </a:effectRef>
+          <a:fontRef idx="minor">
+            <a:schemeClr val="lt1"/>
+          </a:fontRef>
+        </p:style>
+        <p:txBody>
+          <a:bodyPr rtlCol="0" anchor="ctr"/>
+          <a:lstStyle/>
+          <a:p>
+            <a:pPr algn="ctr"/>
+            <a:endParaRPr lang="en-US"/>
+          </a:p>
+        </p:txBody>
+      </p:sp>
+      <p:sp>
+        <p:nvSpPr>
+          <p:cNvPr id="71" name="TextBox 70"/>
+          <p:cNvSpPr txBox="1"/>
+          <p:nvPr/>
+        </p:nvSpPr>
+        <p:spPr>
+          <a:xfrm>
+            <a:off x="4112379" y="3191281"/>
+            <a:ext cx="3360215" cy="738664"/>
+          </a:xfrm>
+          <a:prstGeom prst="rect">
+            <a:avLst/>
+          </a:prstGeom>
+          <a:noFill/>
+        </p:spPr>
+        <p:txBody>
+          <a:bodyPr wrap="none" rtlCol="0">
+            <a:spAutoFit/>
+          </a:bodyPr>
+          <a:lstStyle/>
+          <a:p>
+            <a:r>
+              <a:rPr lang="en-US" sz="4200" b="1" dirty="0">
+                <a:solidFill>
+                  <a:schemeClr val="tx2"/>
+                </a:solidFill>
+                <a:latin typeface="Poppins Bold" panose="02000000000000000000" pitchFamily="2" charset="77"/>
+                <a:ea typeface="Roboto" charset="0"/>
+                <a:cs typeface="Poppins Bold" panose="02000000000000000000" pitchFamily="2" charset="77"/>
+              </a:rPr>
+              <a:t>ELEMENT 01</a:t>
+            </a:r>
+          </a:p>
+        </p:txBody>
+      </p:sp>
+      <p:sp>
+        <p:nvSpPr>
+          <p:cNvPr id="31" name="Rectangle 30">
+            <a:extLst>
+              <a:ext uri="{FF2B5EF4-FFF2-40B4-BE49-F238E27FC236}">
+                <a16:creationId xmlns:a16="http://schemas.microsoft.com/office/drawing/2014/main" id="{4433C8A0-F519-E742-9734-21D7C8FB03A9}"/>
+              </a:ext>
+            </a:extLst>
+          </p:cNvPr>
+          <p:cNvSpPr>
+            <a:spLocks/>
+          </p:cNvSpPr>
+          <p:nvPr/>
+        </p:nvSpPr>
+        <p:spPr bwMode="auto">
+          <a:xfrm>
+            <a:off x="2492593" y="974936"/>
+            <a:ext cx="5253041" cy="1231106"/>
+          </a:xfrm>
+          <a:prstGeom prst="rect">
+            <a:avLst/>
+          </a:prstGeom>
+          <a:noFill/>
+          <a:ln>
+            <a:noFill/>
+          </a:ln>
+          <a:extLst>
+            <a:ext uri="{909E8E84-426E-40dd-AFC4-6F175D3DCCD1}">
+              <a14:hiddenFill xmlns="" xmlns:a14="http://schemas.microsoft.com/office/drawing/2010/main">
+                <a:solidFill>
+                  <a:srgbClr val="FFFFFF"/>
+                </a:solidFill>
+              </a14:hiddenFill>
+            </a:ext>
+            <a:ext uri="{91240B29-F687-4f45-9708-019B960494DF}">
+              <a14:hiddenLine xmlns="" xmlns:a14="http://schemas.microsoft.com/office/drawing/2010/main" w="12700">
+                <a:solidFill>
+                  <a:schemeClr val="tx1"/>
+                </a:solidFill>
+                <a:miter lim="800000"/>
+                <a:headEnd/>
+                <a:tailEnd/>
+              </a14:hiddenLine>
+            </a:ext>
+          </a:extLst>
+        </p:spPr>
+        <p:txBody>
+          <a:bodyPr wrap="none" lIns="0" tIns="0" rIns="0" bIns="0" anchor="ctr">
+            <a:spAutoFit/>
+          </a:bodyPr>
+          <a:lstStyle/>
+          <a:p>
+            <a:pPr algn="ctr"/>
+            <a:r>
+              <a:rPr lang="en-US" sz="8000" b="1" spc="300" dirty="0">
+                <a:solidFill>
+                  <a:schemeClr val="tx2"/>
+                </a:solidFill>
+                <a:latin typeface="Poppins Bold" panose="02000000000000000000" pitchFamily="2" charset="77"/>
+                <a:ea typeface="Roboto" charset="0"/>
+                <a:cs typeface="Poppins Bold" panose="02000000000000000000" pitchFamily="2" charset="77"/>
+                <a:sym typeface="Bebas Neue" charset="0"/>
+              </a:rPr>
+              <a:t>SOMMAIRE</a:t>
+            </a:r>
+            <a:endParaRPr lang="en-US" sz="8000" b="1" spc="300" dirty="0">
+              <a:solidFill>
+                <a:schemeClr val="accent2"/>
+              </a:solidFill>
+              <a:latin typeface="Poppins Bold" panose="02000000000000000000" pitchFamily="2" charset="77"/>
+              <a:ea typeface="Roboto" charset="0"/>
+              <a:cs typeface="Poppins Bold" panose="02000000000000000000" pitchFamily="2" charset="77"/>
+              <a:sym typeface="Bebas Neue" charset="0"/>
+            </a:endParaRPr>
+          </a:p>
+        </p:txBody>
+      </p:sp>
+      <p:sp>
+        <p:nvSpPr>
+          <p:cNvPr id="2" name="ZoneTexte 1">
+            <a:extLst>
+              <a:ext uri="{FF2B5EF4-FFF2-40B4-BE49-F238E27FC236}">
+                <a16:creationId xmlns:a16="http://schemas.microsoft.com/office/drawing/2014/main" id="{651F2532-01D2-4FBC-85C2-B3D12D1EAC5E}"/>
+              </a:ext>
+            </a:extLst>
+          </p:cNvPr>
+          <p:cNvSpPr txBox="1"/>
+          <p:nvPr/>
+        </p:nvSpPr>
+        <p:spPr>
+          <a:xfrm>
+            <a:off x="2787362" y="3239832"/>
+            <a:ext cx="555548" cy="646331"/>
+          </a:xfrm>
+          <a:prstGeom prst="rect">
+            <a:avLst/>
+          </a:prstGeom>
+          <a:noFill/>
+        </p:spPr>
+        <p:txBody>
+          <a:bodyPr wrap="square" rtlCol="0">
+            <a:spAutoFit/>
+          </a:bodyPr>
+          <a:lstStyle/>
+          <a:p>
+            <a:pPr algn="ctr"/>
+            <a:r>
+              <a:rPr lang="en-GB" b="1" dirty="0">
+                <a:solidFill>
+                  <a:schemeClr val="bg1"/>
+                </a:solidFill>
+                <a:latin typeface="Poppins Bold" panose="02000000000000000000"/>
+              </a:rPr>
+              <a:t>1</a:t>
+            </a:r>
+          </a:p>
+        </p:txBody>
+      </p:sp>
+      <p:sp>
+        <p:nvSpPr>
+          <p:cNvPr id="28" name="ZoneTexte 27">
+            <a:extLst>
+              <a:ext uri="{FF2B5EF4-FFF2-40B4-BE49-F238E27FC236}">
+                <a16:creationId xmlns:a16="http://schemas.microsoft.com/office/drawing/2014/main" id="{D7CECE7E-280A-4B54-BB47-D1A53A4D7CAD}"/>
+              </a:ext>
+            </a:extLst>
+          </p:cNvPr>
+          <p:cNvSpPr txBox="1"/>
+          <p:nvPr/>
+        </p:nvSpPr>
+        <p:spPr>
+          <a:xfrm>
+            <a:off x="2801739" y="5203776"/>
+            <a:ext cx="555548" cy="646331"/>
+          </a:xfrm>
+          <a:prstGeom prst="rect">
+            <a:avLst/>
+          </a:prstGeom>
+          <a:noFill/>
+        </p:spPr>
+        <p:txBody>
+          <a:bodyPr wrap="square" rtlCol="0">
+            <a:spAutoFit/>
+          </a:bodyPr>
+          <a:lstStyle/>
+          <a:p>
+            <a:pPr algn="ctr"/>
+            <a:r>
+              <a:rPr lang="en-GB" b="1" dirty="0">
+                <a:solidFill>
+                  <a:schemeClr val="bg1"/>
+                </a:solidFill>
+                <a:latin typeface="Poppins Bold" panose="02000000000000000000"/>
+              </a:rPr>
+              <a:t>2</a:t>
+            </a:r>
+          </a:p>
+        </p:txBody>
+      </p:sp>
+      <p:sp>
+        <p:nvSpPr>
+          <p:cNvPr id="29" name="ZoneTexte 28">
+            <a:extLst>
+              <a:ext uri="{FF2B5EF4-FFF2-40B4-BE49-F238E27FC236}">
+                <a16:creationId xmlns:a16="http://schemas.microsoft.com/office/drawing/2014/main" id="{CD642024-8AC6-49A5-9655-212E5111F8C3}"/>
+              </a:ext>
+            </a:extLst>
+          </p:cNvPr>
+          <p:cNvSpPr txBox="1"/>
+          <p:nvPr/>
+        </p:nvSpPr>
+        <p:spPr>
+          <a:xfrm>
+            <a:off x="2784485" y="7274117"/>
+            <a:ext cx="555548" cy="646331"/>
+          </a:xfrm>
+          <a:prstGeom prst="rect">
+            <a:avLst/>
+          </a:prstGeom>
+          <a:noFill/>
+        </p:spPr>
+        <p:txBody>
+          <a:bodyPr wrap="square" rtlCol="0">
+            <a:spAutoFit/>
+          </a:bodyPr>
+          <a:lstStyle/>
+          <a:p>
+            <a:pPr algn="ctr"/>
+            <a:r>
+              <a:rPr lang="en-GB" b="1" dirty="0">
+                <a:solidFill>
+                  <a:schemeClr val="bg1"/>
+                </a:solidFill>
+                <a:latin typeface="Poppins Bold" panose="02000000000000000000"/>
+              </a:rPr>
+              <a:t>3</a:t>
+            </a:r>
+          </a:p>
+        </p:txBody>
+      </p:sp>
+      <p:sp>
+        <p:nvSpPr>
+          <p:cNvPr id="30" name="ZoneTexte 29">
+            <a:extLst>
+              <a:ext uri="{FF2B5EF4-FFF2-40B4-BE49-F238E27FC236}">
+                <a16:creationId xmlns:a16="http://schemas.microsoft.com/office/drawing/2014/main" id="{5AC7D2DC-15BD-4081-84F2-3785FE59DC6C}"/>
+              </a:ext>
+            </a:extLst>
+          </p:cNvPr>
+          <p:cNvSpPr txBox="1"/>
+          <p:nvPr/>
+        </p:nvSpPr>
+        <p:spPr>
+          <a:xfrm>
+            <a:off x="2781610" y="11118614"/>
+            <a:ext cx="555548" cy="646331"/>
+          </a:xfrm>
+          <a:prstGeom prst="rect">
+            <a:avLst/>
+          </a:prstGeom>
+          <a:noFill/>
+        </p:spPr>
+        <p:txBody>
+          <a:bodyPr wrap="square" rtlCol="0">
+            <a:spAutoFit/>
+          </a:bodyPr>
+          <a:lstStyle/>
+          <a:p>
+            <a:pPr algn="ctr"/>
+            <a:r>
+              <a:rPr lang="en-GB" b="1" dirty="0">
+                <a:solidFill>
+                  <a:schemeClr val="bg1"/>
+                </a:solidFill>
+                <a:latin typeface="Poppins Bold" panose="02000000000000000000"/>
+              </a:rPr>
+              <a:t>5</a:t>
+            </a:r>
+          </a:p>
+        </p:txBody>
+      </p:sp>
+      <p:sp>
+        <p:nvSpPr>
+          <p:cNvPr id="32" name="ZoneTexte 31">
+            <a:extLst>
+              <a:ext uri="{FF2B5EF4-FFF2-40B4-BE49-F238E27FC236}">
+                <a16:creationId xmlns:a16="http://schemas.microsoft.com/office/drawing/2014/main" id="{E78B6AD7-150A-42E3-8C69-7773159629D9}"/>
+              </a:ext>
+            </a:extLst>
+          </p:cNvPr>
+          <p:cNvSpPr txBox="1"/>
+          <p:nvPr/>
+        </p:nvSpPr>
+        <p:spPr>
+          <a:xfrm>
+            <a:off x="2778737" y="9131665"/>
+            <a:ext cx="555548" cy="646331"/>
+          </a:xfrm>
+          <a:prstGeom prst="rect">
+            <a:avLst/>
+          </a:prstGeom>
+          <a:noFill/>
+        </p:spPr>
+        <p:txBody>
+          <a:bodyPr wrap="square" rtlCol="0">
+            <a:spAutoFit/>
+          </a:bodyPr>
+          <a:lstStyle/>
+          <a:p>
+            <a:pPr algn="ctr"/>
+            <a:r>
+              <a:rPr lang="en-GB" b="1" dirty="0">
+                <a:solidFill>
+                  <a:schemeClr val="bg1"/>
+                </a:solidFill>
+                <a:latin typeface="Poppins Bold" panose="02000000000000000000"/>
+              </a:rPr>
+              <a:t>4</a:t>
+            </a:r>
+          </a:p>
+        </p:txBody>
+      </p:sp>
+      <p:pic>
+        <p:nvPicPr>
+          <p:cNvPr id="6" name="Graphique 5" descr="Liste">
+            <a:extLst>
+              <a:ext uri="{FF2B5EF4-FFF2-40B4-BE49-F238E27FC236}">
+                <a16:creationId xmlns:a16="http://schemas.microsoft.com/office/drawing/2014/main" id="{E138761E-2871-49CF-B3BE-0296CE8BDEB9}"/>
+              </a:ext>
+            </a:extLst>
+          </p:cNvPr>
+          <p:cNvPicPr>
+            <a:picLocks noChangeAspect="1"/>
+          </p:cNvPicPr>
+          <p:nvPr/>
+        </p:nvPicPr>
+        <p:blipFill>
+          <a:blip r:embed="rId2">
+            <a:extLst>
+              <a:ext uri="{28A0092B-C50C-407E-A947-70E740481C1C}">
+                <a14:useLocalDpi xmlns:a14="http://schemas.microsoft.com/office/drawing/2010/main" val="0"/>
+              </a:ext>
+              <a:ext uri="{96DAC541-7B7A-43D3-8B79-37D633B846F1}">
+                <asvg:svgBlip xmlns:asvg="http://schemas.microsoft.com/office/drawing/2016/SVG/main" r:embed="rId3"/>
+              </a:ext>
+            </a:extLst>
+          </a:blip>
+          <a:stretch>
+            <a:fillRect/>
+          </a:stretch>
+        </p:blipFill>
+        <p:spPr>
+          <a:xfrm>
+            <a:off x="15087701" y="3745094"/>
+            <a:ext cx="6502587" cy="6502587"/>
+          </a:xfrm>
+          <a:prstGeom prst="rect">
+            <a:avLst/>
+          </a:prstGeom>
+        </p:spPr>
+      </p:pic>
+    </p:spTree>
+    <p:extLst>
+      <p:ext uri="{BB962C8B-B14F-4D97-AF65-F5344CB8AC3E}">
+        <p14:creationId xmlns:p14="http://schemas.microsoft.com/office/powerpoint/2010/main" val="869641350"/>
+      </p:ext>
+    </p:extLst>
+  </p:cSld>
+  <p:clrMapOvr>
+    <a:masterClrMapping/>
+  </p:clrMapOvr>
+  <mc:AlternateContent xmlns:mc="http://schemas.openxmlformats.org/markup-compatibility/2006" xmlns:p14="http://schemas.microsoft.com/office/powerpoint/2010/main">
+    <mc:Choice Requires="p14">
+      <p:transition p14:dur="0"/>
+    </mc:Choice>
+    <mc:Fallback xmlns="">
+      <p:transition/>
     </mc:Fallback>
   </mc:AlternateContent>
 </p:sld>

--- a/Présentation - Powerpoint.pptx
+++ b/Présentation - Powerpoint.pptx
@@ -1648,8 +1648,8 @@
         </p:nvSpPr>
         <p:spPr>
           <a:xfrm>
-            <a:off x="17766303" y="7721821"/>
-            <a:ext cx="6544123" cy="2800767"/>
+            <a:off x="17317725" y="7997869"/>
+            <a:ext cx="7181289" cy="2308324"/>
           </a:xfrm>
           <a:prstGeom prst="rect">
             <a:avLst/>
@@ -1664,7 +1664,7 @@
           <a:p>
             <a:pPr algn="just"/>
             <a:r>
-              <a:rPr lang="fr-FR" sz="8800" b="1" dirty="0">
+              <a:rPr lang="fr-FR" sz="7200" b="1" dirty="0">
                 <a:latin typeface="Poppins Bold" panose="02000000000000000000"/>
               </a:rPr>
               <a:t>Présentation du projet 632</a:t>
@@ -1686,8 +1686,8 @@
         </p:nvSpPr>
         <p:spPr>
           <a:xfrm>
-            <a:off x="17766304" y="10471579"/>
-            <a:ext cx="5469774" cy="646331"/>
+            <a:off x="17421244" y="10471579"/>
+            <a:ext cx="5714802" cy="646331"/>
           </a:xfrm>
           <a:prstGeom prst="rect">
             <a:avLst/>
@@ -1745,7 +1745,7 @@
         </p:blipFill>
         <p:spPr bwMode="auto">
           <a:xfrm>
-            <a:off x="11295278" y="7383188"/>
+            <a:off x="11209013" y="7383188"/>
             <a:ext cx="8712309" cy="4398862"/>
           </a:xfrm>
           <a:prstGeom prst="rect">
@@ -1777,8 +1777,8 @@
         </p:nvSpPr>
         <p:spPr>
           <a:xfrm>
-            <a:off x="1113882" y="12712366"/>
-            <a:ext cx="5698163" cy="596766"/>
+            <a:off x="1039503" y="12850388"/>
+            <a:ext cx="5846922" cy="568682"/>
           </a:xfrm>
           <a:prstGeom prst="rect">
             <a:avLst/>
@@ -1797,9 +1797,11 @@
               </a:lnSpc>
             </a:pPr>
             <a:r>
-              <a:rPr lang="fr-FR" sz="2400" spc="300" dirty="0">
-                <a:solidFill>
-                  <a:schemeClr val="bg1"/>
+              <a:rPr lang="fr-FR" sz="2000" spc="300" dirty="0">
+                <a:solidFill>
+                  <a:schemeClr val="bg1">
+                    <a:lumMod val="95000"/>
+                  </a:schemeClr>
                 </a:solidFill>
                 <a:latin typeface="Poppins" panose="02000000000000000000" pitchFamily="2" charset="77"/>
                 <a:ea typeface="Lato" charset="0"/>
@@ -1879,6 +1881,13 @@
       </p:transition>
     </mc:Fallback>
   </mc:AlternateContent>
+  <p:timing>
+    <p:tnLst>
+      <p:par>
+        <p:cTn id="1" dur="indefinite" restart="never" nodeType="tmRoot"/>
+      </p:par>
+    </p:tnLst>
+  </p:timing>
 </p:sld>
 </file>
 
@@ -1954,7 +1963,7 @@
         <p:spPr>
           <a:xfrm>
             <a:off x="4179698" y="11086795"/>
-            <a:ext cx="3483646" cy="738664"/>
+            <a:ext cx="1771639" cy="738664"/>
           </a:xfrm>
           <a:prstGeom prst="rect">
             <a:avLst/>
@@ -1968,7 +1977,7 @@
           <a:lstStyle/>
           <a:p>
             <a:r>
-              <a:rPr lang="en-US" sz="4200" b="1" dirty="0">
+              <a:rPr lang="en-US" sz="4200" b="1" dirty="0" err="1" smtClean="0">
                 <a:solidFill>
                   <a:schemeClr val="tx2"/>
                 </a:solidFill>
@@ -1976,8 +1985,16 @@
                 <a:ea typeface="Roboto" charset="0"/>
                 <a:cs typeface="Poppins Bold" panose="02000000000000000000" pitchFamily="2" charset="77"/>
               </a:rPr>
-              <a:t>ELEMENT 05</a:t>
-            </a:r>
+              <a:t>Démo</a:t>
+            </a:r>
+            <a:endParaRPr lang="en-US" sz="4200" b="1" dirty="0">
+              <a:solidFill>
+                <a:schemeClr val="tx2"/>
+              </a:solidFill>
+              <a:latin typeface="Poppins Bold" panose="02000000000000000000" pitchFamily="2" charset="77"/>
+              <a:ea typeface="Roboto" charset="0"/>
+              <a:cs typeface="Poppins Bold" panose="02000000000000000000" pitchFamily="2" charset="77"/>
+            </a:endParaRPr>
           </a:p>
         </p:txBody>
       </p:sp>
@@ -2036,7 +2053,7 @@
         <p:spPr>
           <a:xfrm>
             <a:off x="4179698" y="9116528"/>
-            <a:ext cx="3498073" cy="738664"/>
+            <a:ext cx="12558246" cy="738664"/>
           </a:xfrm>
           <a:prstGeom prst="rect">
             <a:avLst/>
@@ -2050,7 +2067,7 @@
           <a:lstStyle/>
           <a:p>
             <a:r>
-              <a:rPr lang="en-US" sz="4200" b="1" dirty="0">
+              <a:rPr lang="fr-FR" sz="4200" b="1" dirty="0" smtClean="0">
                 <a:solidFill>
                   <a:schemeClr val="tx2"/>
                 </a:solidFill>
@@ -2058,8 +2075,16 @@
                 <a:ea typeface="Roboto" charset="0"/>
                 <a:cs typeface="Poppins Bold" panose="02000000000000000000" pitchFamily="2" charset="77"/>
               </a:rPr>
-              <a:t>ELEMENT 04</a:t>
-            </a:r>
+              <a:t>Compression et décompression fonctionnelles</a:t>
+            </a:r>
+            <a:endParaRPr lang="fr-FR" sz="4200" b="1" dirty="0">
+              <a:solidFill>
+                <a:schemeClr val="tx2"/>
+              </a:solidFill>
+              <a:latin typeface="Poppins Bold" panose="02000000000000000000" pitchFamily="2" charset="77"/>
+              <a:ea typeface="Roboto" charset="0"/>
+              <a:cs typeface="Poppins Bold" panose="02000000000000000000" pitchFamily="2" charset="77"/>
+            </a:endParaRPr>
           </a:p>
         </p:txBody>
       </p:sp>
@@ -2118,7 +2143,7 @@
         <p:spPr>
           <a:xfrm>
             <a:off x="4112379" y="7186034"/>
-            <a:ext cx="3459601" cy="738664"/>
+            <a:ext cx="14098347" cy="738664"/>
           </a:xfrm>
           <a:prstGeom prst="rect">
             <a:avLst/>
@@ -2132,7 +2157,7 @@
           <a:lstStyle/>
           <a:p>
             <a:r>
-              <a:rPr lang="en-US" sz="4200" b="1" dirty="0">
+              <a:rPr lang="en-US" sz="4200" b="1" dirty="0" err="1" smtClean="0">
                 <a:solidFill>
                   <a:schemeClr val="tx2"/>
                 </a:solidFill>
@@ -2140,8 +2165,93 @@
                 <a:ea typeface="Roboto" charset="0"/>
                 <a:cs typeface="Poppins Bold" panose="02000000000000000000" pitchFamily="2" charset="77"/>
               </a:rPr>
-              <a:t>ELEMENT 03</a:t>
-            </a:r>
+              <a:t>Gestion</a:t>
+            </a:r>
+            <a:r>
+              <a:rPr lang="en-US" sz="4200" b="1" dirty="0" smtClean="0">
+                <a:solidFill>
+                  <a:schemeClr val="tx2"/>
+                </a:solidFill>
+                <a:latin typeface="Poppins Bold" panose="02000000000000000000" pitchFamily="2" charset="77"/>
+                <a:ea typeface="Roboto" charset="0"/>
+                <a:cs typeface="Poppins Bold" panose="02000000000000000000" pitchFamily="2" charset="77"/>
+              </a:rPr>
+              <a:t> du </a:t>
+            </a:r>
+            <a:r>
+              <a:rPr lang="en-US" sz="4200" b="1" dirty="0" err="1" smtClean="0">
+                <a:solidFill>
+                  <a:schemeClr val="tx2"/>
+                </a:solidFill>
+                <a:latin typeface="Poppins Bold" panose="02000000000000000000" pitchFamily="2" charset="77"/>
+                <a:ea typeface="Roboto" charset="0"/>
+                <a:cs typeface="Poppins Bold" panose="02000000000000000000" pitchFamily="2" charset="77"/>
+              </a:rPr>
+              <a:t>projet</a:t>
+            </a:r>
+            <a:r>
+              <a:rPr lang="en-US" sz="4200" b="1" dirty="0" smtClean="0">
+                <a:solidFill>
+                  <a:schemeClr val="tx2"/>
+                </a:solidFill>
+                <a:latin typeface="Poppins Bold" panose="02000000000000000000" pitchFamily="2" charset="77"/>
+                <a:ea typeface="Roboto" charset="0"/>
+                <a:cs typeface="Poppins Bold" panose="02000000000000000000" pitchFamily="2" charset="77"/>
+              </a:rPr>
+              <a:t> avec </a:t>
+            </a:r>
+            <a:r>
+              <a:rPr lang="en-US" sz="4200" b="1" dirty="0" err="1" smtClean="0">
+                <a:solidFill>
+                  <a:schemeClr val="tx2"/>
+                </a:solidFill>
+                <a:latin typeface="Poppins Bold" panose="02000000000000000000" pitchFamily="2" charset="77"/>
+                <a:ea typeface="Roboto" charset="0"/>
+                <a:cs typeface="Poppins Bold" panose="02000000000000000000" pitchFamily="2" charset="77"/>
+              </a:rPr>
+              <a:t>Github</a:t>
+            </a:r>
+            <a:r>
+              <a:rPr lang="en-US" sz="4200" b="1" dirty="0" smtClean="0">
+                <a:solidFill>
+                  <a:schemeClr val="tx2"/>
+                </a:solidFill>
+                <a:latin typeface="Poppins Bold" panose="02000000000000000000" pitchFamily="2" charset="77"/>
+                <a:ea typeface="Roboto" charset="0"/>
+                <a:cs typeface="Poppins Bold" panose="02000000000000000000" pitchFamily="2" charset="77"/>
+              </a:rPr>
+              <a:t> (Déjà 1 fork, </a:t>
+            </a:r>
+            <a:r>
+              <a:rPr lang="en-US" sz="4200" b="1" dirty="0" err="1" smtClean="0">
+                <a:solidFill>
+                  <a:schemeClr val="tx2"/>
+                </a:solidFill>
+                <a:latin typeface="Poppins Bold" panose="02000000000000000000" pitchFamily="2" charset="77"/>
+                <a:ea typeface="Roboto" charset="0"/>
+                <a:cs typeface="Poppins Bold" panose="02000000000000000000" pitchFamily="2" charset="77"/>
+              </a:rPr>
+              <a:t>woaw</a:t>
+            </a:r>
+            <a:r>
+              <a:rPr lang="en-US" sz="4200" b="1" dirty="0" smtClean="0">
+                <a:solidFill>
+                  <a:schemeClr val="tx2"/>
+                </a:solidFill>
+                <a:latin typeface="Poppins Bold" panose="02000000000000000000" pitchFamily="2" charset="77"/>
+                <a:ea typeface="Roboto" charset="0"/>
+                <a:cs typeface="Poppins Bold" panose="02000000000000000000" pitchFamily="2" charset="77"/>
+              </a:rPr>
+              <a:t>!)</a:t>
+            </a:r>
+            <a:endParaRPr lang="en-US" sz="4200" b="1" dirty="0">
+              <a:solidFill>
+                <a:schemeClr val="tx2"/>
+              </a:solidFill>
+              <a:latin typeface="Poppins Bold" panose="02000000000000000000" pitchFamily="2" charset="77"/>
+              <a:ea typeface="Roboto" charset="0"/>
+              <a:cs typeface="Poppins Bold" panose="02000000000000000000" pitchFamily="2" charset="77"/>
+            </a:endParaRPr>
           </a:p>
         </p:txBody>
       </p:sp>
@@ -2200,7 +2310,7 @@
         <p:spPr>
           <a:xfrm>
             <a:off x="4112379" y="5163433"/>
-            <a:ext cx="3441968" cy="738664"/>
+            <a:ext cx="16389871" cy="738664"/>
           </a:xfrm>
           <a:prstGeom prst="rect">
             <a:avLst/>
@@ -2214,7 +2324,7 @@
           <a:lstStyle/>
           <a:p>
             <a:r>
-              <a:rPr lang="en-US" sz="4200" b="1" dirty="0">
+              <a:rPr lang="en-US" sz="4200" b="1" dirty="0" err="1" smtClean="0">
                 <a:solidFill>
                   <a:schemeClr val="tx2"/>
                 </a:solidFill>
@@ -2222,8 +2332,82 @@
                 <a:ea typeface="Roboto" charset="0"/>
                 <a:cs typeface="Poppins Bold" panose="02000000000000000000" pitchFamily="2" charset="77"/>
               </a:rPr>
-              <a:t>ELEMENT 02</a:t>
-            </a:r>
+              <a:t>Utilisation</a:t>
+            </a:r>
+            <a:r>
+              <a:rPr lang="en-US" sz="4200" b="1" dirty="0" smtClean="0">
+                <a:solidFill>
+                  <a:schemeClr val="tx2"/>
+                </a:solidFill>
+                <a:latin typeface="Poppins Bold" panose="02000000000000000000" pitchFamily="2" charset="77"/>
+                <a:ea typeface="Roboto" charset="0"/>
+                <a:cs typeface="Poppins Bold" panose="02000000000000000000" pitchFamily="2" charset="77"/>
+              </a:rPr>
+              <a:t> des </a:t>
+            </a:r>
+            <a:r>
+              <a:rPr lang="en-US" sz="4200" b="1" dirty="0" err="1" smtClean="0">
+                <a:solidFill>
+                  <a:schemeClr val="tx2"/>
+                </a:solidFill>
+                <a:latin typeface="Poppins Bold" panose="02000000000000000000" pitchFamily="2" charset="77"/>
+                <a:ea typeface="Roboto" charset="0"/>
+                <a:cs typeface="Poppins Bold" panose="02000000000000000000" pitchFamily="2" charset="77"/>
+              </a:rPr>
+              <a:t>librairies</a:t>
+            </a:r>
+            <a:r>
+              <a:rPr lang="en-US" sz="4200" b="1" dirty="0" smtClean="0">
+                <a:solidFill>
+                  <a:schemeClr val="tx2"/>
+                </a:solidFill>
+                <a:latin typeface="Poppins Bold" panose="02000000000000000000" pitchFamily="2" charset="77"/>
+                <a:ea typeface="Roboto" charset="0"/>
+                <a:cs typeface="Poppins Bold" panose="02000000000000000000" pitchFamily="2" charset="77"/>
+              </a:rPr>
+              <a:t> : java.io, </a:t>
+            </a:r>
+            <a:r>
+              <a:rPr lang="en-US" sz="4200" b="1" dirty="0" err="1" smtClean="0">
+                <a:solidFill>
+                  <a:schemeClr val="tx2"/>
+                </a:solidFill>
+                <a:latin typeface="Poppins Bold" panose="02000000000000000000" pitchFamily="2" charset="77"/>
+                <a:ea typeface="Roboto" charset="0"/>
+                <a:cs typeface="Poppins Bold" panose="02000000000000000000" pitchFamily="2" charset="77"/>
+              </a:rPr>
+              <a:t>java.util</a:t>
+            </a:r>
+            <a:r>
+              <a:rPr lang="en-US" sz="4200" b="1" dirty="0">
+                <a:solidFill>
+                  <a:schemeClr val="tx2"/>
+                </a:solidFill>
+                <a:latin typeface="Poppins Bold" panose="02000000000000000000" pitchFamily="2" charset="77"/>
+                <a:ea typeface="Roboto" charset="0"/>
+                <a:cs typeface="Poppins Bold" panose="02000000000000000000" pitchFamily="2" charset="77"/>
+              </a:rPr>
+              <a:t>, </a:t>
+            </a:r>
+            <a:r>
+              <a:rPr lang="en-US" sz="4200" b="1" dirty="0" err="1" smtClean="0">
+                <a:solidFill>
+                  <a:schemeClr val="tx2"/>
+                </a:solidFill>
+                <a:latin typeface="Poppins Bold" panose="02000000000000000000" pitchFamily="2" charset="77"/>
+                <a:ea typeface="Roboto" charset="0"/>
+                <a:cs typeface="Poppins Bold" panose="02000000000000000000" pitchFamily="2" charset="77"/>
+              </a:rPr>
+              <a:t>java.nio.charset</a:t>
+            </a:r>
+            <a:endParaRPr lang="en-US" sz="4200" b="1" dirty="0">
+              <a:solidFill>
+                <a:schemeClr val="tx2"/>
+              </a:solidFill>
+              <a:latin typeface="Poppins Bold" panose="02000000000000000000" pitchFamily="2" charset="77"/>
+              <a:ea typeface="Roboto" charset="0"/>
+              <a:cs typeface="Poppins Bold" panose="02000000000000000000" pitchFamily="2" charset="77"/>
+            </a:endParaRPr>
           </a:p>
         </p:txBody>
       </p:sp>
@@ -2279,7 +2463,7 @@
         <p:spPr>
           <a:xfrm>
             <a:off x="4112379" y="3191281"/>
-            <a:ext cx="3360215" cy="738664"/>
+            <a:ext cx="19308491" cy="738664"/>
           </a:xfrm>
           <a:prstGeom prst="rect">
             <a:avLst/>
@@ -2293,7 +2477,7 @@
           <a:lstStyle/>
           <a:p>
             <a:r>
-              <a:rPr lang="en-US" sz="4200" b="1" dirty="0">
+              <a:rPr lang="en-US" sz="4200" b="1" dirty="0" err="1" smtClean="0">
                 <a:solidFill>
                   <a:schemeClr val="tx2"/>
                 </a:solidFill>
@@ -2301,8 +2485,104 @@
                 <a:ea typeface="Roboto" charset="0"/>
                 <a:cs typeface="Poppins Bold" panose="02000000000000000000" pitchFamily="2" charset="77"/>
               </a:rPr>
-              <a:t>ELEMENT 01</a:t>
-            </a:r>
+              <a:t>Découpage</a:t>
+            </a:r>
+            <a:r>
+              <a:rPr lang="en-US" sz="4200" b="1" dirty="0" smtClean="0">
+                <a:solidFill>
+                  <a:schemeClr val="tx2"/>
+                </a:solidFill>
+                <a:latin typeface="Poppins Bold" panose="02000000000000000000" pitchFamily="2" charset="77"/>
+                <a:ea typeface="Roboto" charset="0"/>
+                <a:cs typeface="Poppins Bold" panose="02000000000000000000" pitchFamily="2" charset="77"/>
+              </a:rPr>
+              <a:t> du </a:t>
+            </a:r>
+            <a:r>
+              <a:rPr lang="en-US" sz="4200" b="1" dirty="0" err="1" smtClean="0">
+                <a:solidFill>
+                  <a:schemeClr val="tx2"/>
+                </a:solidFill>
+                <a:latin typeface="Poppins Bold" panose="02000000000000000000" pitchFamily="2" charset="77"/>
+                <a:ea typeface="Roboto" charset="0"/>
+                <a:cs typeface="Poppins Bold" panose="02000000000000000000" pitchFamily="2" charset="77"/>
+              </a:rPr>
+              <a:t>projet</a:t>
+            </a:r>
+            <a:r>
+              <a:rPr lang="en-US" sz="4200" b="1" dirty="0" smtClean="0">
+                <a:solidFill>
+                  <a:schemeClr val="tx2"/>
+                </a:solidFill>
+                <a:latin typeface="Poppins Bold" panose="02000000000000000000" pitchFamily="2" charset="77"/>
+                <a:ea typeface="Roboto" charset="0"/>
+                <a:cs typeface="Poppins Bold" panose="02000000000000000000" pitchFamily="2" charset="77"/>
+              </a:rPr>
+              <a:t> </a:t>
+            </a:r>
+            <a:r>
+              <a:rPr lang="en-US" sz="4200" b="1" dirty="0" err="1" smtClean="0">
+                <a:solidFill>
+                  <a:schemeClr val="tx2"/>
+                </a:solidFill>
+                <a:latin typeface="Poppins Bold" panose="02000000000000000000" pitchFamily="2" charset="77"/>
+                <a:ea typeface="Roboto" charset="0"/>
+                <a:cs typeface="Poppins Bold" panose="02000000000000000000" pitchFamily="2" charset="77"/>
+              </a:rPr>
+              <a:t>en</a:t>
+            </a:r>
+            <a:r>
+              <a:rPr lang="en-US" sz="4200" b="1" dirty="0" smtClean="0">
+                <a:solidFill>
+                  <a:schemeClr val="tx2"/>
+                </a:solidFill>
+                <a:latin typeface="Poppins Bold" panose="02000000000000000000" pitchFamily="2" charset="77"/>
+                <a:ea typeface="Roboto" charset="0"/>
+                <a:cs typeface="Poppins Bold" panose="02000000000000000000" pitchFamily="2" charset="77"/>
+              </a:rPr>
+              <a:t> 4 classes : Main, Huffman, </a:t>
+            </a:r>
+            <a:r>
+              <a:rPr lang="en-US" sz="4200" b="1" dirty="0" err="1">
+                <a:solidFill>
+                  <a:schemeClr val="tx2"/>
+                </a:solidFill>
+                <a:latin typeface="Poppins Bold" panose="02000000000000000000" pitchFamily="2" charset="77"/>
+                <a:ea typeface="Roboto" charset="0"/>
+                <a:cs typeface="Poppins Bold" panose="02000000000000000000" pitchFamily="2" charset="77"/>
+              </a:rPr>
+              <a:t>P</a:t>
+            </a:r>
+            <a:r>
+              <a:rPr lang="en-US" sz="4200" b="1" dirty="0" err="1" smtClean="0">
+                <a:solidFill>
+                  <a:schemeClr val="tx2"/>
+                </a:solidFill>
+                <a:latin typeface="Poppins Bold" panose="02000000000000000000" pitchFamily="2" charset="77"/>
+                <a:ea typeface="Roboto" charset="0"/>
+                <a:cs typeface="Poppins Bold" panose="02000000000000000000" pitchFamily="2" charset="77"/>
+              </a:rPr>
+              <a:t>arseFreq</a:t>
+            </a:r>
+            <a:r>
+              <a:rPr lang="en-US" sz="4200" b="1" dirty="0" smtClean="0">
+                <a:solidFill>
+                  <a:schemeClr val="tx2"/>
+                </a:solidFill>
+                <a:latin typeface="Poppins Bold" panose="02000000000000000000" pitchFamily="2" charset="77"/>
+                <a:ea typeface="Roboto" charset="0"/>
+                <a:cs typeface="Poppins Bold" panose="02000000000000000000" pitchFamily="2" charset="77"/>
+              </a:rPr>
+              <a:t> et Node</a:t>
+            </a:r>
+            <a:endParaRPr lang="en-US" sz="4200" b="1" dirty="0">
+              <a:solidFill>
+                <a:schemeClr val="tx2"/>
+              </a:solidFill>
+              <a:latin typeface="Poppins Bold" panose="02000000000000000000" pitchFamily="2" charset="77"/>
+              <a:ea typeface="Roboto" charset="0"/>
+              <a:cs typeface="Poppins Bold" panose="02000000000000000000" pitchFamily="2" charset="77"/>
+            </a:endParaRPr>
           </a:p>
         </p:txBody>
       </p:sp>
@@ -2322,8 +2602,8 @@
         </p:nvSpPr>
         <p:spPr bwMode="auto">
           <a:xfrm>
-            <a:off x="2492593" y="974936"/>
-            <a:ext cx="5253041" cy="1231106"/>
+            <a:off x="2241725" y="974936"/>
+            <a:ext cx="5754781" cy="1231106"/>
           </a:xfrm>
           <a:prstGeom prst="rect">
             <a:avLst/>
@@ -2334,14 +2614,14 @@
           </a:ln>
           <a:extLst>
             <a:ext uri="{909E8E84-426E-40dd-AFC4-6F175D3DCCD1}">
-              <a14:hiddenFill xmlns="" xmlns:a14="http://schemas.microsoft.com/office/drawing/2010/main">
+              <a14:hiddenFill xmlns:a14="http://schemas.microsoft.com/office/drawing/2010/main" xmlns="">
                 <a:solidFill>
                   <a:srgbClr val="FFFFFF"/>
                 </a:solidFill>
               </a14:hiddenFill>
             </a:ext>
             <a:ext uri="{91240B29-F687-4f45-9708-019B960494DF}">
-              <a14:hiddenLine xmlns="" xmlns:a14="http://schemas.microsoft.com/office/drawing/2010/main" w="12700">
+              <a14:hiddenLine xmlns:a14="http://schemas.microsoft.com/office/drawing/2010/main" xmlns="" w="12700">
                 <a:solidFill>
                   <a:schemeClr val="tx1"/>
                 </a:solidFill>
@@ -2360,7 +2640,7 @@
           <a:p>
             <a:pPr algn="ctr"/>
             <a:r>
-              <a:rPr lang="en-US" sz="8000" b="1" spc="300" dirty="0">
+              <a:rPr lang="fr-FR" sz="8000" b="1" spc="300" dirty="0" smtClean="0">
                 <a:solidFill>
                   <a:schemeClr val="tx2"/>
                 </a:solidFill>
@@ -2369,7 +2649,19 @@
                 <a:cs typeface="Poppins Bold" panose="02000000000000000000" pitchFamily="2" charset="77"/>
                 <a:sym typeface="Bebas Neue" charset="0"/>
               </a:rPr>
-              <a:t>SOMMAIRE</a:t>
+              <a:t>Projet</a:t>
+            </a:r>
+            <a:r>
+              <a:rPr lang="en-US" sz="8000" b="1" spc="300" dirty="0" smtClean="0">
+                <a:solidFill>
+                  <a:schemeClr val="tx2"/>
+                </a:solidFill>
+                <a:latin typeface="Poppins Bold" panose="02000000000000000000" pitchFamily="2" charset="77"/>
+                <a:ea typeface="Roboto" charset="0"/>
+                <a:cs typeface="Poppins Bold" panose="02000000000000000000" pitchFamily="2" charset="77"/>
+                <a:sym typeface="Bebas Neue" charset="0"/>
+              </a:rPr>
+              <a:t> 632</a:t>
             </a:r>
             <a:endParaRPr lang="en-US" sz="8000" b="1" spc="300" dirty="0">
               <a:solidFill>
@@ -2588,45 +2880,6 @@
           </a:p>
         </p:txBody>
       </p:sp>
-      <p:pic>
-        <p:nvPicPr>
-          <p:cNvPr id="6" name="Graphique 5" descr="Liste">
-            <a:extLst>
-              <a:ext uri="{FF2B5EF4-FFF2-40B4-BE49-F238E27FC236}">
-                <a16:creationId xmlns:a16="http://schemas.microsoft.com/office/drawing/2014/main" id="{E138761E-2871-49CF-B3BE-0296CE8BDEB9}"/>
-              </a:ext>
-            </a:extLst>
-          </p:cNvPr>
-          <p:cNvPicPr>
-            <a:picLocks noChangeAspect="1"/>
-          </p:cNvPicPr>
-          <p:nvPr/>
-        </p:nvPicPr>
-        <p:blipFill>
-          <a:blip r:embed="rId2">
-            <a:extLst>
-              <a:ext uri="{28A0092B-C50C-407E-A947-70E740481C1C}">
-                <a14:useLocalDpi xmlns:a14="http://schemas.microsoft.com/office/drawing/2010/main" val="0"/>
-              </a:ext>
-              <a:ext uri="{96DAC541-7B7A-43D3-8B79-37D633B846F1}">
-                <asvg:svgBlip xmlns:asvg="http://schemas.microsoft.com/office/drawing/2016/SVG/main" r:embed="rId3"/>
-              </a:ext>
-            </a:extLst>
-          </a:blip>
-          <a:stretch>
-            <a:fillRect/>
-          </a:stretch>
-        </p:blipFill>
-        <p:spPr>
-          <a:xfrm>
-            <a:off x="15087701" y="3745094"/>
-            <a:ext cx="6502587" cy="6502587"/>
-          </a:xfrm>
-          <a:prstGeom prst="rect">
-            <a:avLst/>
-          </a:prstGeom>
-        </p:spPr>
-      </p:pic>
     </p:spTree>
     <p:extLst>
       <p:ext uri="{BB962C8B-B14F-4D97-AF65-F5344CB8AC3E}">
@@ -2645,6 +2898,13 @@
       <p:transition/>
     </mc:Fallback>
   </mc:AlternateContent>
+  <p:timing>
+    <p:tnLst>
+      <p:par>
+        <p:cTn id="1" dur="indefinite" restart="never" nodeType="tmRoot"/>
+      </p:par>
+    </p:tnLst>
+  </p:timing>
 </p:sld>
 </file>
 

--- a/Présentation - Powerpoint.pptx
+++ b/Présentation - Powerpoint.pptx
@@ -5,11 +5,12 @@
     <p:sldMasterId id="2147483966" r:id="rId1"/>
   </p:sldMasterIdLst>
   <p:notesMasterIdLst>
-    <p:notesMasterId r:id="rId4"/>
+    <p:notesMasterId r:id="rId5"/>
   </p:notesMasterIdLst>
   <p:sldIdLst>
     <p:sldId id="256" r:id="rId2"/>
     <p:sldId id="2572" r:id="rId3"/>
+    <p:sldId id="2573" r:id="rId4"/>
   </p:sldIdLst>
   <p:sldSz cx="24377650" cy="13716000"/>
   <p:notesSz cx="6858000" cy="9144000"/>
@@ -217,7 +218,7 @@
             <a:fld id="{EFC10EE1-B198-C942-8235-326C972CBB30}" type="datetimeFigureOut">
               <a:rPr lang="en-US" smtClean="0"/>
               <a:pPr/>
-              <a:t>4/28/2019</a:t>
+              <a:t>4/29/2019</a:t>
             </a:fld>
             <a:endParaRPr lang="en-US" dirty="0"/>
           </a:p>
@@ -1649,7 +1650,7 @@
         <p:spPr>
           <a:xfrm>
             <a:off x="17317725" y="7997869"/>
-            <a:ext cx="7181289" cy="2308324"/>
+            <a:ext cx="6888937" cy="2308324"/>
           </a:xfrm>
           <a:prstGeom prst="rect">
             <a:avLst/>
@@ -2614,14 +2615,14 @@
           </a:ln>
           <a:extLst>
             <a:ext uri="{909E8E84-426E-40dd-AFC4-6F175D3DCCD1}">
-              <a14:hiddenFill xmlns:a14="http://schemas.microsoft.com/office/drawing/2010/main" xmlns="">
+              <a14:hiddenFill xmlns="" xmlns:a14="http://schemas.microsoft.com/office/drawing/2010/main">
                 <a:solidFill>
                   <a:srgbClr val="FFFFFF"/>
                 </a:solidFill>
               </a14:hiddenFill>
             </a:ext>
             <a:ext uri="{91240B29-F687-4f45-9708-019B960494DF}">
-              <a14:hiddenLine xmlns:a14="http://schemas.microsoft.com/office/drawing/2010/main" xmlns="" w="12700">
+              <a14:hiddenLine xmlns="" xmlns:a14="http://schemas.microsoft.com/office/drawing/2010/main" w="12700">
                 <a:solidFill>
                   <a:schemeClr val="tx1"/>
                 </a:solidFill>
@@ -2890,12 +2891,4040 @@
   <p:clrMapOvr>
     <a:masterClrMapping/>
   </p:clrMapOvr>
-  <mc:AlternateContent xmlns:mc="http://schemas.openxmlformats.org/markup-compatibility/2006" xmlns:p14="http://schemas.microsoft.com/office/powerpoint/2010/main">
-    <mc:Choice Requires="p14">
-      <p:transition p14:dur="0"/>
+  <mc:AlternateContent xmlns:mc="http://schemas.openxmlformats.org/markup-compatibility/2006">
+    <mc:Choice xmlns:p14="http://schemas.microsoft.com/office/powerpoint/2010/main" Requires="p14">
+      <p:transition spd="slow" p14:dur="3400">
+        <p14:reveal/>
+      </p:transition>
     </mc:Choice>
-    <mc:Fallback xmlns="">
-      <p:transition/>
+    <mc:Fallback>
+      <p:transition spd="slow">
+        <p:fade/>
+      </p:transition>
+    </mc:Fallback>
+  </mc:AlternateContent>
+  <p:timing>
+    <p:tnLst>
+      <p:par>
+        <p:cTn id="1" dur="indefinite" restart="never" nodeType="tmRoot"/>
+      </p:par>
+    </p:tnLst>
+  </p:timing>
+</p:sld>
+</file>
+
+<file path=ppt/slides/slide3.xml><?xml version="1.0" encoding="utf-8"?>
+<p:sld xmlns:a="http://schemas.openxmlformats.org/drawingml/2006/main" xmlns:r="http://schemas.openxmlformats.org/officeDocument/2006/relationships" xmlns:p="http://schemas.openxmlformats.org/presentationml/2006/main">
+  <p:cSld>
+    <p:spTree>
+      <p:nvGrpSpPr>
+        <p:cNvPr id="1" name=""/>
+        <p:cNvGrpSpPr/>
+        <p:nvPr/>
+      </p:nvGrpSpPr>
+      <p:grpSpPr>
+        <a:xfrm>
+          <a:off x="0" y="0"/>
+          <a:ext cx="0" cy="0"/>
+          <a:chOff x="0" y="0"/>
+          <a:chExt cx="0" cy="0"/>
+        </a:xfrm>
+      </p:grpSpPr>
+      <p:sp>
+        <p:nvSpPr>
+          <p:cNvPr id="2" name="Pentagone 1"/>
+          <p:cNvSpPr/>
+          <p:nvPr/>
+        </p:nvSpPr>
+        <p:spPr>
+          <a:xfrm rot="5400000">
+            <a:off x="5707550" y="6666728"/>
+            <a:ext cx="12911390" cy="578598"/>
+          </a:xfrm>
+          <a:prstGeom prst="homePlate">
+            <a:avLst/>
+          </a:prstGeom>
+        </p:spPr>
+        <p:style>
+          <a:lnRef idx="2">
+            <a:schemeClr val="accent1">
+              <a:shade val="50000"/>
+            </a:schemeClr>
+          </a:lnRef>
+          <a:fillRef idx="1">
+            <a:schemeClr val="accent1"/>
+          </a:fillRef>
+          <a:effectRef idx="0">
+            <a:schemeClr val="accent1"/>
+          </a:effectRef>
+          <a:fontRef idx="minor">
+            <a:schemeClr val="lt1"/>
+          </a:fontRef>
+        </p:style>
+        <p:txBody>
+          <a:bodyPr rtlCol="0" anchor="ctr"/>
+          <a:lstStyle/>
+          <a:p>
+            <a:pPr algn="ctr"/>
+            <a:endParaRPr lang="fr-FR"/>
+          </a:p>
+        </p:txBody>
+      </p:sp>
+      <p:sp>
+        <p:nvSpPr>
+          <p:cNvPr id="3" name="ZoneTexte 2"/>
+          <p:cNvSpPr txBox="1"/>
+          <p:nvPr/>
+        </p:nvSpPr>
+        <p:spPr>
+          <a:xfrm>
+            <a:off x="3933647" y="500332"/>
+            <a:ext cx="3157268" cy="646331"/>
+          </a:xfrm>
+          <a:prstGeom prst="rect">
+            <a:avLst/>
+          </a:prstGeom>
+          <a:noFill/>
+        </p:spPr>
+        <p:txBody>
+          <a:bodyPr wrap="square" rtlCol="0">
+            <a:spAutoFit/>
+          </a:bodyPr>
+          <a:lstStyle/>
+          <a:p>
+            <a:r>
+              <a:rPr lang="fr-FR" b="1" u="sng" dirty="0" smtClean="0">
+                <a:latin typeface="Poppins Bold"/>
+              </a:rPr>
+              <a:t>Compression</a:t>
+            </a:r>
+          </a:p>
+        </p:txBody>
+      </p:sp>
+      <p:sp>
+        <p:nvSpPr>
+          <p:cNvPr id="4" name="ZoneTexte 3"/>
+          <p:cNvSpPr txBox="1"/>
+          <p:nvPr/>
+        </p:nvSpPr>
+        <p:spPr>
+          <a:xfrm>
+            <a:off x="16715114" y="500331"/>
+            <a:ext cx="3781245" cy="646331"/>
+          </a:xfrm>
+          <a:prstGeom prst="rect">
+            <a:avLst/>
+          </a:prstGeom>
+          <a:noFill/>
+        </p:spPr>
+        <p:txBody>
+          <a:bodyPr wrap="square" rtlCol="0">
+            <a:spAutoFit/>
+          </a:bodyPr>
+          <a:lstStyle/>
+          <a:p>
+            <a:r>
+              <a:rPr lang="fr-FR" b="1" u="sng" dirty="0" smtClean="0">
+                <a:latin typeface="Poppins Bold"/>
+              </a:rPr>
+              <a:t>Décompression</a:t>
+            </a:r>
+          </a:p>
+        </p:txBody>
+      </p:sp>
+      <p:sp>
+        <p:nvSpPr>
+          <p:cNvPr id="5" name="Rectangle 4"/>
+          <p:cNvSpPr/>
+          <p:nvPr/>
+        </p:nvSpPr>
+        <p:spPr>
+          <a:xfrm>
+            <a:off x="529892" y="8559258"/>
+            <a:ext cx="1141144" cy="1141144"/>
+          </a:xfrm>
+          <a:prstGeom prst="rect">
+            <a:avLst/>
+          </a:prstGeom>
+          <a:solidFill>
+            <a:schemeClr val="accent4"/>
+          </a:solidFill>
+          <a:ln>
+            <a:noFill/>
+          </a:ln>
+        </p:spPr>
+        <p:style>
+          <a:lnRef idx="2">
+            <a:schemeClr val="accent1">
+              <a:shade val="50000"/>
+            </a:schemeClr>
+          </a:lnRef>
+          <a:fillRef idx="1">
+            <a:schemeClr val="accent1"/>
+          </a:fillRef>
+          <a:effectRef idx="0">
+            <a:schemeClr val="accent1"/>
+          </a:effectRef>
+          <a:fontRef idx="minor">
+            <a:schemeClr val="lt1"/>
+          </a:fontRef>
+        </p:style>
+        <p:txBody>
+          <a:bodyPr rtlCol="0" anchor="ctr"/>
+          <a:lstStyle/>
+          <a:p>
+            <a:pPr algn="ctr"/>
+            <a:endParaRPr lang="en-US"/>
+          </a:p>
+        </p:txBody>
+      </p:sp>
+      <p:sp>
+        <p:nvSpPr>
+          <p:cNvPr id="6" name="Rectangle 5"/>
+          <p:cNvSpPr/>
+          <p:nvPr/>
+        </p:nvSpPr>
+        <p:spPr>
+          <a:xfrm>
+            <a:off x="529892" y="7072069"/>
+            <a:ext cx="1141144" cy="1141144"/>
+          </a:xfrm>
+          <a:prstGeom prst="rect">
+            <a:avLst/>
+          </a:prstGeom>
+          <a:solidFill>
+            <a:schemeClr val="accent2"/>
+          </a:solidFill>
+          <a:ln>
+            <a:noFill/>
+          </a:ln>
+        </p:spPr>
+        <p:style>
+          <a:lnRef idx="2">
+            <a:schemeClr val="accent1">
+              <a:shade val="50000"/>
+            </a:schemeClr>
+          </a:lnRef>
+          <a:fillRef idx="1">
+            <a:schemeClr val="accent1"/>
+          </a:fillRef>
+          <a:effectRef idx="0">
+            <a:schemeClr val="accent1"/>
+          </a:effectRef>
+          <a:fontRef idx="minor">
+            <a:schemeClr val="lt1"/>
+          </a:fontRef>
+        </p:style>
+        <p:txBody>
+          <a:bodyPr rtlCol="0" anchor="ctr"/>
+          <a:lstStyle/>
+          <a:p>
+            <a:pPr algn="ctr"/>
+            <a:endParaRPr lang="en-US"/>
+          </a:p>
+        </p:txBody>
+      </p:sp>
+      <p:sp>
+        <p:nvSpPr>
+          <p:cNvPr id="7" name="Rectangle 6"/>
+          <p:cNvSpPr/>
+          <p:nvPr/>
+        </p:nvSpPr>
+        <p:spPr>
+          <a:xfrm>
+            <a:off x="545696" y="4303707"/>
+            <a:ext cx="1141144" cy="1141144"/>
+          </a:xfrm>
+          <a:prstGeom prst="rect">
+            <a:avLst/>
+          </a:prstGeom>
+          <a:solidFill>
+            <a:schemeClr val="accent5"/>
+          </a:solidFill>
+          <a:ln>
+            <a:noFill/>
+          </a:ln>
+        </p:spPr>
+        <p:style>
+          <a:lnRef idx="2">
+            <a:schemeClr val="accent1">
+              <a:shade val="50000"/>
+            </a:schemeClr>
+          </a:lnRef>
+          <a:fillRef idx="1">
+            <a:schemeClr val="accent1"/>
+          </a:fillRef>
+          <a:effectRef idx="0">
+            <a:schemeClr val="accent1"/>
+          </a:effectRef>
+          <a:fontRef idx="minor">
+            <a:schemeClr val="lt1"/>
+          </a:fontRef>
+        </p:style>
+        <p:txBody>
+          <a:bodyPr rtlCol="0" anchor="ctr"/>
+          <a:lstStyle/>
+          <a:p>
+            <a:pPr algn="ctr"/>
+            <a:endParaRPr lang="en-US"/>
+          </a:p>
+        </p:txBody>
+      </p:sp>
+      <p:sp>
+        <p:nvSpPr>
+          <p:cNvPr id="8" name="Rectangle 7"/>
+          <p:cNvSpPr/>
+          <p:nvPr/>
+        </p:nvSpPr>
+        <p:spPr>
+          <a:xfrm>
+            <a:off x="545696" y="2729684"/>
+            <a:ext cx="1141144" cy="1141144"/>
+          </a:xfrm>
+          <a:prstGeom prst="rect">
+            <a:avLst/>
+          </a:prstGeom>
+          <a:solidFill>
+            <a:schemeClr val="accent3"/>
+          </a:solidFill>
+          <a:ln>
+            <a:noFill/>
+          </a:ln>
+        </p:spPr>
+        <p:style>
+          <a:lnRef idx="2">
+            <a:schemeClr val="accent1">
+              <a:shade val="50000"/>
+            </a:schemeClr>
+          </a:lnRef>
+          <a:fillRef idx="1">
+            <a:schemeClr val="accent1"/>
+          </a:fillRef>
+          <a:effectRef idx="0">
+            <a:schemeClr val="accent1"/>
+          </a:effectRef>
+          <a:fontRef idx="minor">
+            <a:schemeClr val="lt1"/>
+          </a:fontRef>
+        </p:style>
+        <p:txBody>
+          <a:bodyPr rtlCol="0" anchor="ctr"/>
+          <a:lstStyle/>
+          <a:p>
+            <a:pPr algn="ctr"/>
+            <a:endParaRPr lang="en-US"/>
+          </a:p>
+        </p:txBody>
+      </p:sp>
+      <p:sp>
+        <p:nvSpPr>
+          <p:cNvPr id="9" name="Rectangle 8"/>
+          <p:cNvSpPr/>
+          <p:nvPr/>
+        </p:nvSpPr>
+        <p:spPr>
+          <a:xfrm>
+            <a:off x="545696" y="1171604"/>
+            <a:ext cx="1141144" cy="1141144"/>
+          </a:xfrm>
+          <a:prstGeom prst="rect">
+            <a:avLst/>
+          </a:prstGeom>
+          <a:ln>
+            <a:noFill/>
+          </a:ln>
+        </p:spPr>
+        <p:style>
+          <a:lnRef idx="2">
+            <a:schemeClr val="accent1">
+              <a:shade val="50000"/>
+            </a:schemeClr>
+          </a:lnRef>
+          <a:fillRef idx="1">
+            <a:schemeClr val="accent1"/>
+          </a:fillRef>
+          <a:effectRef idx="0">
+            <a:schemeClr val="accent1"/>
+          </a:effectRef>
+          <a:fontRef idx="minor">
+            <a:schemeClr val="lt1"/>
+          </a:fontRef>
+        </p:style>
+        <p:txBody>
+          <a:bodyPr rtlCol="0" anchor="ctr"/>
+          <a:lstStyle/>
+          <a:p>
+            <a:pPr algn="ctr"/>
+            <a:endParaRPr lang="en-US"/>
+          </a:p>
+        </p:txBody>
+      </p:sp>
+      <p:sp>
+        <p:nvSpPr>
+          <p:cNvPr id="10" name="ZoneTexte 9">
+            <a:extLst>
+              <a:ext uri="{FF2B5EF4-FFF2-40B4-BE49-F238E27FC236}">
+                <a16:creationId xmlns:a16="http://schemas.microsoft.com/office/drawing/2014/main" id="{651F2532-01D2-4FBC-85C2-B3D12D1EAC5E}"/>
+              </a:ext>
+            </a:extLst>
+          </p:cNvPr>
+          <p:cNvSpPr txBox="1"/>
+          <p:nvPr/>
+        </p:nvSpPr>
+        <p:spPr>
+          <a:xfrm>
+            <a:off x="837792" y="1409801"/>
+            <a:ext cx="555548" cy="646331"/>
+          </a:xfrm>
+          <a:prstGeom prst="rect">
+            <a:avLst/>
+          </a:prstGeom>
+          <a:noFill/>
+        </p:spPr>
+        <p:txBody>
+          <a:bodyPr wrap="square" rtlCol="0">
+            <a:spAutoFit/>
+          </a:bodyPr>
+          <a:lstStyle/>
+          <a:p>
+            <a:pPr algn="ctr"/>
+            <a:r>
+              <a:rPr lang="en-GB" b="1" dirty="0">
+                <a:solidFill>
+                  <a:schemeClr val="bg1"/>
+                </a:solidFill>
+                <a:latin typeface="Poppins Bold" panose="02000000000000000000"/>
+              </a:rPr>
+              <a:t>1</a:t>
+            </a:r>
+          </a:p>
+        </p:txBody>
+      </p:sp>
+      <p:sp>
+        <p:nvSpPr>
+          <p:cNvPr id="11" name="ZoneTexte 10">
+            <a:extLst>
+              <a:ext uri="{FF2B5EF4-FFF2-40B4-BE49-F238E27FC236}">
+                <a16:creationId xmlns:a16="http://schemas.microsoft.com/office/drawing/2014/main" id="{D7CECE7E-280A-4B54-BB47-D1A53A4D7CAD}"/>
+              </a:ext>
+            </a:extLst>
+          </p:cNvPr>
+          <p:cNvSpPr txBox="1"/>
+          <p:nvPr/>
+        </p:nvSpPr>
+        <p:spPr>
+          <a:xfrm>
+            <a:off x="852169" y="2959673"/>
+            <a:ext cx="555548" cy="646331"/>
+          </a:xfrm>
+          <a:prstGeom prst="rect">
+            <a:avLst/>
+          </a:prstGeom>
+          <a:noFill/>
+        </p:spPr>
+        <p:txBody>
+          <a:bodyPr wrap="square" rtlCol="0">
+            <a:spAutoFit/>
+          </a:bodyPr>
+          <a:lstStyle/>
+          <a:p>
+            <a:pPr algn="ctr"/>
+            <a:r>
+              <a:rPr lang="en-GB" b="1" dirty="0">
+                <a:solidFill>
+                  <a:schemeClr val="bg1"/>
+                </a:solidFill>
+                <a:latin typeface="Poppins Bold" panose="02000000000000000000"/>
+              </a:rPr>
+              <a:t>2</a:t>
+            </a:r>
+          </a:p>
+        </p:txBody>
+      </p:sp>
+      <p:sp>
+        <p:nvSpPr>
+          <p:cNvPr id="12" name="ZoneTexte 11">
+            <a:extLst>
+              <a:ext uri="{FF2B5EF4-FFF2-40B4-BE49-F238E27FC236}">
+                <a16:creationId xmlns:a16="http://schemas.microsoft.com/office/drawing/2014/main" id="{CD642024-8AC6-49A5-9655-212E5111F8C3}"/>
+              </a:ext>
+            </a:extLst>
+          </p:cNvPr>
+          <p:cNvSpPr txBox="1"/>
+          <p:nvPr/>
+        </p:nvSpPr>
+        <p:spPr>
+          <a:xfrm>
+            <a:off x="834915" y="4581436"/>
+            <a:ext cx="555548" cy="646331"/>
+          </a:xfrm>
+          <a:prstGeom prst="rect">
+            <a:avLst/>
+          </a:prstGeom>
+          <a:noFill/>
+        </p:spPr>
+        <p:txBody>
+          <a:bodyPr wrap="square" rtlCol="0">
+            <a:spAutoFit/>
+          </a:bodyPr>
+          <a:lstStyle/>
+          <a:p>
+            <a:pPr algn="ctr"/>
+            <a:r>
+              <a:rPr lang="en-GB" b="1" dirty="0">
+                <a:solidFill>
+                  <a:schemeClr val="bg1"/>
+                </a:solidFill>
+                <a:latin typeface="Poppins Bold" panose="02000000000000000000"/>
+              </a:rPr>
+              <a:t>3</a:t>
+            </a:r>
+          </a:p>
+        </p:txBody>
+      </p:sp>
+      <p:sp>
+        <p:nvSpPr>
+          <p:cNvPr id="13" name="ZoneTexte 12">
+            <a:extLst>
+              <a:ext uri="{FF2B5EF4-FFF2-40B4-BE49-F238E27FC236}">
+                <a16:creationId xmlns:a16="http://schemas.microsoft.com/office/drawing/2014/main" id="{5AC7D2DC-15BD-4081-84F2-3785FE59DC6C}"/>
+              </a:ext>
+            </a:extLst>
+          </p:cNvPr>
+          <p:cNvSpPr txBox="1"/>
+          <p:nvPr/>
+        </p:nvSpPr>
+        <p:spPr>
+          <a:xfrm>
+            <a:off x="832040" y="8805505"/>
+            <a:ext cx="555548" cy="646331"/>
+          </a:xfrm>
+          <a:prstGeom prst="rect">
+            <a:avLst/>
+          </a:prstGeom>
+          <a:noFill/>
+        </p:spPr>
+        <p:txBody>
+          <a:bodyPr wrap="square" rtlCol="0">
+            <a:spAutoFit/>
+          </a:bodyPr>
+          <a:lstStyle/>
+          <a:p>
+            <a:pPr algn="ctr"/>
+            <a:r>
+              <a:rPr lang="en-GB" b="1" dirty="0">
+                <a:solidFill>
+                  <a:schemeClr val="bg1"/>
+                </a:solidFill>
+                <a:latin typeface="Poppins Bold" panose="02000000000000000000"/>
+              </a:rPr>
+              <a:t>5</a:t>
+            </a:r>
+          </a:p>
+        </p:txBody>
+      </p:sp>
+      <p:sp>
+        <p:nvSpPr>
+          <p:cNvPr id="14" name="ZoneTexte 13">
+            <a:extLst>
+              <a:ext uri="{FF2B5EF4-FFF2-40B4-BE49-F238E27FC236}">
+                <a16:creationId xmlns:a16="http://schemas.microsoft.com/office/drawing/2014/main" id="{E78B6AD7-150A-42E3-8C69-7773159629D9}"/>
+              </a:ext>
+            </a:extLst>
+          </p:cNvPr>
+          <p:cNvSpPr txBox="1"/>
+          <p:nvPr/>
+        </p:nvSpPr>
+        <p:spPr>
+          <a:xfrm>
+            <a:off x="829167" y="7301634"/>
+            <a:ext cx="555548" cy="646331"/>
+          </a:xfrm>
+          <a:prstGeom prst="rect">
+            <a:avLst/>
+          </a:prstGeom>
+          <a:noFill/>
+        </p:spPr>
+        <p:txBody>
+          <a:bodyPr wrap="square" rtlCol="0">
+            <a:spAutoFit/>
+          </a:bodyPr>
+          <a:lstStyle/>
+          <a:p>
+            <a:pPr algn="ctr"/>
+            <a:r>
+              <a:rPr lang="en-GB" b="1" dirty="0">
+                <a:solidFill>
+                  <a:schemeClr val="bg1"/>
+                </a:solidFill>
+                <a:latin typeface="Poppins Bold" panose="02000000000000000000"/>
+              </a:rPr>
+              <a:t>4</a:t>
+            </a:r>
+          </a:p>
+        </p:txBody>
+      </p:sp>
+      <p:sp>
+        <p:nvSpPr>
+          <p:cNvPr id="15" name="TextBox 70"/>
+          <p:cNvSpPr txBox="1"/>
+          <p:nvPr/>
+        </p:nvSpPr>
+        <p:spPr>
+          <a:xfrm>
+            <a:off x="1778069" y="1195309"/>
+            <a:ext cx="6673815" cy="523220"/>
+          </a:xfrm>
+          <a:prstGeom prst="rect">
+            <a:avLst/>
+          </a:prstGeom>
+          <a:noFill/>
+        </p:spPr>
+        <p:txBody>
+          <a:bodyPr wrap="none" rtlCol="0">
+            <a:spAutoFit/>
+          </a:bodyPr>
+          <a:lstStyle/>
+          <a:p>
+            <a:r>
+              <a:rPr lang="en-US" sz="2800" b="1" dirty="0">
+                <a:solidFill>
+                  <a:schemeClr val="tx2"/>
+                </a:solidFill>
+                <a:latin typeface="Poppins Bold" panose="02000000000000000000" pitchFamily="2" charset="77"/>
+                <a:ea typeface="Roboto" charset="0"/>
+                <a:cs typeface="Poppins Bold" panose="02000000000000000000" pitchFamily="2" charset="77"/>
+              </a:rPr>
+              <a:t>public void </a:t>
+            </a:r>
+            <a:r>
+              <a:rPr lang="en-US" sz="2800" b="1" dirty="0" err="1">
+                <a:solidFill>
+                  <a:schemeClr val="tx2"/>
+                </a:solidFill>
+                <a:latin typeface="Poppins Bold" panose="02000000000000000000" pitchFamily="2" charset="77"/>
+                <a:ea typeface="Roboto" charset="0"/>
+                <a:cs typeface="Poppins Bold" panose="02000000000000000000" pitchFamily="2" charset="77"/>
+              </a:rPr>
+              <a:t>textFileToArray</a:t>
+            </a:r>
+            <a:r>
+              <a:rPr lang="en-US" sz="2800" b="1" dirty="0">
+                <a:solidFill>
+                  <a:schemeClr val="tx2"/>
+                </a:solidFill>
+                <a:latin typeface="Poppins Bold" panose="02000000000000000000" pitchFamily="2" charset="77"/>
+                <a:ea typeface="Roboto" charset="0"/>
+                <a:cs typeface="Poppins Bold" panose="02000000000000000000" pitchFamily="2" charset="77"/>
+              </a:rPr>
+              <a:t>(String </a:t>
+            </a:r>
+            <a:r>
+              <a:rPr lang="en-US" sz="2800" b="1" dirty="0" err="1">
+                <a:solidFill>
+                  <a:schemeClr val="tx2"/>
+                </a:solidFill>
+                <a:latin typeface="Poppins Bold" panose="02000000000000000000" pitchFamily="2" charset="77"/>
+                <a:ea typeface="Roboto" charset="0"/>
+                <a:cs typeface="Poppins Bold" panose="02000000000000000000" pitchFamily="2" charset="77"/>
+              </a:rPr>
+              <a:t>url</a:t>
+            </a:r>
+            <a:r>
+              <a:rPr lang="en-US" sz="2800" b="1" dirty="0">
+                <a:solidFill>
+                  <a:schemeClr val="tx2"/>
+                </a:solidFill>
+                <a:latin typeface="Poppins Bold" panose="02000000000000000000" pitchFamily="2" charset="77"/>
+                <a:ea typeface="Roboto" charset="0"/>
+                <a:cs typeface="Poppins Bold" panose="02000000000000000000" pitchFamily="2" charset="77"/>
+              </a:rPr>
+              <a:t>)</a:t>
+            </a:r>
+            <a:endParaRPr lang="en-US" sz="2800" b="1" dirty="0">
+              <a:solidFill>
+                <a:schemeClr val="tx2"/>
+              </a:solidFill>
+              <a:latin typeface="Poppins Bold" panose="02000000000000000000" pitchFamily="2" charset="77"/>
+              <a:ea typeface="Roboto" charset="0"/>
+              <a:cs typeface="Poppins Bold" panose="02000000000000000000" pitchFamily="2" charset="77"/>
+            </a:endParaRPr>
+          </a:p>
+        </p:txBody>
+      </p:sp>
+      <p:sp>
+        <p:nvSpPr>
+          <p:cNvPr id="16" name="Rectangle 15"/>
+          <p:cNvSpPr/>
+          <p:nvPr/>
+        </p:nvSpPr>
+        <p:spPr>
+          <a:xfrm>
+            <a:off x="527403" y="11937314"/>
+            <a:ext cx="1141144" cy="1141144"/>
+          </a:xfrm>
+          <a:prstGeom prst="rect">
+            <a:avLst/>
+          </a:prstGeom>
+          <a:solidFill>
+            <a:srgbClr val="041B31"/>
+          </a:solidFill>
+          <a:ln>
+            <a:noFill/>
+          </a:ln>
+        </p:spPr>
+        <p:style>
+          <a:lnRef idx="2">
+            <a:schemeClr val="accent1">
+              <a:shade val="50000"/>
+            </a:schemeClr>
+          </a:lnRef>
+          <a:fillRef idx="1">
+            <a:schemeClr val="accent1"/>
+          </a:fillRef>
+          <a:effectRef idx="0">
+            <a:schemeClr val="accent1"/>
+          </a:effectRef>
+          <a:fontRef idx="minor">
+            <a:schemeClr val="lt1"/>
+          </a:fontRef>
+        </p:style>
+        <p:txBody>
+          <a:bodyPr rtlCol="0" anchor="ctr"/>
+          <a:lstStyle/>
+          <a:p>
+            <a:pPr algn="ctr"/>
+            <a:endParaRPr lang="en-US"/>
+          </a:p>
+        </p:txBody>
+      </p:sp>
+      <p:sp>
+        <p:nvSpPr>
+          <p:cNvPr id="17" name="Rectangle 16"/>
+          <p:cNvSpPr/>
+          <p:nvPr/>
+        </p:nvSpPr>
+        <p:spPr>
+          <a:xfrm>
+            <a:off x="527403" y="10001551"/>
+            <a:ext cx="1141144" cy="1141144"/>
+          </a:xfrm>
+          <a:prstGeom prst="rect">
+            <a:avLst/>
+          </a:prstGeom>
+          <a:solidFill>
+            <a:srgbClr val="FF5F90"/>
+          </a:solidFill>
+          <a:ln>
+            <a:noFill/>
+          </a:ln>
+        </p:spPr>
+        <p:style>
+          <a:lnRef idx="2">
+            <a:schemeClr val="accent1">
+              <a:shade val="50000"/>
+            </a:schemeClr>
+          </a:lnRef>
+          <a:fillRef idx="1">
+            <a:schemeClr val="accent1"/>
+          </a:fillRef>
+          <a:effectRef idx="0">
+            <a:schemeClr val="accent1"/>
+          </a:effectRef>
+          <a:fontRef idx="minor">
+            <a:schemeClr val="lt1"/>
+          </a:fontRef>
+        </p:style>
+        <p:txBody>
+          <a:bodyPr rtlCol="0" anchor="ctr"/>
+          <a:lstStyle/>
+          <a:p>
+            <a:pPr algn="ctr"/>
+            <a:endParaRPr lang="en-US"/>
+          </a:p>
+        </p:txBody>
+      </p:sp>
+      <p:sp>
+        <p:nvSpPr>
+          <p:cNvPr id="18" name="ZoneTexte 17">
+            <a:extLst>
+              <a:ext uri="{FF2B5EF4-FFF2-40B4-BE49-F238E27FC236}">
+                <a16:creationId xmlns:a16="http://schemas.microsoft.com/office/drawing/2014/main" id="{5AC7D2DC-15BD-4081-84F2-3785FE59DC6C}"/>
+              </a:ext>
+            </a:extLst>
+          </p:cNvPr>
+          <p:cNvSpPr txBox="1"/>
+          <p:nvPr/>
+        </p:nvSpPr>
+        <p:spPr>
+          <a:xfrm>
+            <a:off x="829551" y="12183561"/>
+            <a:ext cx="555548" cy="646331"/>
+          </a:xfrm>
+          <a:prstGeom prst="rect">
+            <a:avLst/>
+          </a:prstGeom>
+          <a:noFill/>
+        </p:spPr>
+        <p:txBody>
+          <a:bodyPr wrap="square" rtlCol="0">
+            <a:spAutoFit/>
+          </a:bodyPr>
+          <a:lstStyle/>
+          <a:p>
+            <a:pPr algn="ctr"/>
+            <a:r>
+              <a:rPr lang="en-GB" b="1" dirty="0" smtClean="0">
+                <a:solidFill>
+                  <a:schemeClr val="bg1"/>
+                </a:solidFill>
+                <a:latin typeface="Poppins Bold" panose="02000000000000000000"/>
+              </a:rPr>
+              <a:t>7</a:t>
+            </a:r>
+            <a:endParaRPr lang="en-GB" b="1" dirty="0">
+              <a:solidFill>
+                <a:schemeClr val="bg1"/>
+              </a:solidFill>
+              <a:latin typeface="Poppins Bold" panose="02000000000000000000"/>
+            </a:endParaRPr>
+          </a:p>
+        </p:txBody>
+      </p:sp>
+      <p:sp>
+        <p:nvSpPr>
+          <p:cNvPr id="19" name="ZoneTexte 18">
+            <a:extLst>
+              <a:ext uri="{FF2B5EF4-FFF2-40B4-BE49-F238E27FC236}">
+                <a16:creationId xmlns:a16="http://schemas.microsoft.com/office/drawing/2014/main" id="{E78B6AD7-150A-42E3-8C69-7773159629D9}"/>
+              </a:ext>
+            </a:extLst>
+          </p:cNvPr>
+          <p:cNvSpPr txBox="1"/>
+          <p:nvPr/>
+        </p:nvSpPr>
+        <p:spPr>
+          <a:xfrm>
+            <a:off x="826678" y="10351887"/>
+            <a:ext cx="555548" cy="646331"/>
+          </a:xfrm>
+          <a:prstGeom prst="rect">
+            <a:avLst/>
+          </a:prstGeom>
+          <a:noFill/>
+        </p:spPr>
+        <p:txBody>
+          <a:bodyPr wrap="square" rtlCol="0">
+            <a:spAutoFit/>
+          </a:bodyPr>
+          <a:lstStyle/>
+          <a:p>
+            <a:pPr algn="ctr"/>
+            <a:r>
+              <a:rPr lang="en-GB" b="1" dirty="0">
+                <a:solidFill>
+                  <a:schemeClr val="bg1"/>
+                </a:solidFill>
+                <a:latin typeface="Poppins Bold" panose="02000000000000000000"/>
+              </a:rPr>
+              <a:t>6</a:t>
+            </a:r>
+            <a:endParaRPr lang="en-GB" b="1" dirty="0">
+              <a:solidFill>
+                <a:schemeClr val="bg1"/>
+              </a:solidFill>
+              <a:latin typeface="Poppins Bold" panose="02000000000000000000"/>
+            </a:endParaRPr>
+          </a:p>
+        </p:txBody>
+      </p:sp>
+      <p:sp>
+        <p:nvSpPr>
+          <p:cNvPr id="20" name="ZoneTexte 19"/>
+          <p:cNvSpPr txBox="1"/>
+          <p:nvPr/>
+        </p:nvSpPr>
+        <p:spPr>
+          <a:xfrm>
+            <a:off x="1778068" y="1693820"/>
+            <a:ext cx="8467465" cy="1015663"/>
+          </a:xfrm>
+          <a:prstGeom prst="rect">
+            <a:avLst/>
+          </a:prstGeom>
+          <a:noFill/>
+        </p:spPr>
+        <p:txBody>
+          <a:bodyPr wrap="square" rtlCol="0">
+            <a:spAutoFit/>
+          </a:bodyPr>
+          <a:lstStyle/>
+          <a:p>
+            <a:pPr algn="just"/>
+            <a:r>
+              <a:rPr lang="en-US" sz="2000" dirty="0" smtClean="0">
+                <a:solidFill>
+                  <a:schemeClr val="bg1">
+                    <a:lumMod val="50000"/>
+                  </a:schemeClr>
+                </a:solidFill>
+                <a:latin typeface="Poppins"/>
+              </a:rPr>
+              <a:t>Read </a:t>
+            </a:r>
+            <a:r>
+              <a:rPr lang="en-US" sz="2000" dirty="0">
+                <a:solidFill>
+                  <a:schemeClr val="bg1">
+                    <a:lumMod val="50000"/>
+                  </a:schemeClr>
+                </a:solidFill>
+                <a:latin typeface="Poppins"/>
+              </a:rPr>
+              <a:t>the text, count the characters and place the frequencies into an </a:t>
+            </a:r>
+            <a:r>
+              <a:rPr lang="en-US" sz="2000" dirty="0" smtClean="0">
+                <a:solidFill>
+                  <a:schemeClr val="bg1">
+                    <a:lumMod val="50000"/>
+                  </a:schemeClr>
+                </a:solidFill>
+                <a:latin typeface="Poppins"/>
+              </a:rPr>
+              <a:t>array of </a:t>
+            </a:r>
+            <a:r>
+              <a:rPr lang="en-US" sz="2000" dirty="0">
+                <a:solidFill>
+                  <a:schemeClr val="bg1">
+                    <a:lumMod val="50000"/>
+                  </a:schemeClr>
+                </a:solidFill>
+                <a:latin typeface="Poppins"/>
+              </a:rPr>
+              <a:t>255 integers. Increments the character's ASCII code every time we find </a:t>
+            </a:r>
+            <a:r>
+              <a:rPr lang="en-US" sz="2000" dirty="0" smtClean="0">
+                <a:solidFill>
+                  <a:schemeClr val="bg1">
+                    <a:lumMod val="50000"/>
+                  </a:schemeClr>
+                </a:solidFill>
+                <a:latin typeface="Poppins"/>
+              </a:rPr>
+              <a:t>it. Also </a:t>
+            </a:r>
+            <a:r>
+              <a:rPr lang="en-US" sz="2000" dirty="0">
+                <a:solidFill>
+                  <a:schemeClr val="bg1">
+                    <a:lumMod val="50000"/>
+                  </a:schemeClr>
+                </a:solidFill>
+                <a:latin typeface="Poppins"/>
+              </a:rPr>
+              <a:t>create a frequencies file based on the array</a:t>
+            </a:r>
+            <a:endParaRPr lang="fr-FR" sz="2000" dirty="0">
+              <a:solidFill>
+                <a:schemeClr val="bg1">
+                  <a:lumMod val="50000"/>
+                </a:schemeClr>
+              </a:solidFill>
+              <a:latin typeface="Poppins"/>
+            </a:endParaRPr>
+          </a:p>
+        </p:txBody>
+      </p:sp>
+      <p:sp>
+        <p:nvSpPr>
+          <p:cNvPr id="21" name="TextBox 70"/>
+          <p:cNvSpPr txBox="1"/>
+          <p:nvPr/>
+        </p:nvSpPr>
+        <p:spPr>
+          <a:xfrm>
+            <a:off x="1723434" y="2693429"/>
+            <a:ext cx="7889852" cy="523220"/>
+          </a:xfrm>
+          <a:prstGeom prst="rect">
+            <a:avLst/>
+          </a:prstGeom>
+          <a:noFill/>
+        </p:spPr>
+        <p:txBody>
+          <a:bodyPr wrap="none" rtlCol="0">
+            <a:spAutoFit/>
+          </a:bodyPr>
+          <a:lstStyle/>
+          <a:p>
+            <a:r>
+              <a:rPr lang="en-US" sz="2800" b="1" dirty="0">
+                <a:solidFill>
+                  <a:schemeClr val="tx2"/>
+                </a:solidFill>
+                <a:latin typeface="Poppins Bold" panose="02000000000000000000" pitchFamily="2" charset="77"/>
+                <a:ea typeface="Roboto" charset="0"/>
+                <a:cs typeface="Poppins Bold" panose="02000000000000000000" pitchFamily="2" charset="77"/>
+              </a:rPr>
+              <a:t>private </a:t>
+            </a:r>
+            <a:r>
+              <a:rPr lang="en-US" sz="2800" b="1" dirty="0" err="1">
+                <a:solidFill>
+                  <a:schemeClr val="tx2"/>
+                </a:solidFill>
+                <a:latin typeface="Poppins Bold" panose="02000000000000000000" pitchFamily="2" charset="77"/>
+                <a:ea typeface="Roboto" charset="0"/>
+                <a:cs typeface="Poppins Bold" panose="02000000000000000000" pitchFamily="2" charset="77"/>
+              </a:rPr>
+              <a:t>ArrayList</a:t>
+            </a:r>
+            <a:r>
+              <a:rPr lang="en-US" sz="2800" b="1" dirty="0">
+                <a:solidFill>
+                  <a:schemeClr val="tx2"/>
+                </a:solidFill>
+                <a:latin typeface="Poppins Bold" panose="02000000000000000000" pitchFamily="2" charset="77"/>
+                <a:ea typeface="Roboto" charset="0"/>
+                <a:cs typeface="Poppins Bold" panose="02000000000000000000" pitchFamily="2" charset="77"/>
+              </a:rPr>
+              <a:t>&lt;Node&gt; </a:t>
+            </a:r>
+            <a:r>
+              <a:rPr lang="en-US" sz="2800" b="1" dirty="0" err="1">
+                <a:solidFill>
+                  <a:schemeClr val="tx2"/>
+                </a:solidFill>
+                <a:latin typeface="Poppins Bold" panose="02000000000000000000" pitchFamily="2" charset="77"/>
+                <a:ea typeface="Roboto" charset="0"/>
+                <a:cs typeface="Poppins Bold" panose="02000000000000000000" pitchFamily="2" charset="77"/>
+              </a:rPr>
+              <a:t>fillNodes</a:t>
+            </a:r>
+            <a:r>
+              <a:rPr lang="en-US" sz="2800" b="1" dirty="0">
+                <a:solidFill>
+                  <a:schemeClr val="tx2"/>
+                </a:solidFill>
+                <a:latin typeface="Poppins Bold" panose="02000000000000000000" pitchFamily="2" charset="77"/>
+                <a:ea typeface="Roboto" charset="0"/>
+                <a:cs typeface="Poppins Bold" panose="02000000000000000000" pitchFamily="2" charset="77"/>
+              </a:rPr>
+              <a:t>(</a:t>
+            </a:r>
+            <a:r>
+              <a:rPr lang="en-US" sz="2800" b="1" dirty="0" err="1">
+                <a:solidFill>
+                  <a:schemeClr val="tx2"/>
+                </a:solidFill>
+                <a:latin typeface="Poppins Bold" panose="02000000000000000000" pitchFamily="2" charset="77"/>
+                <a:ea typeface="Roboto" charset="0"/>
+                <a:cs typeface="Poppins Bold" panose="02000000000000000000" pitchFamily="2" charset="77"/>
+              </a:rPr>
+              <a:t>int</a:t>
+            </a:r>
+            <a:r>
+              <a:rPr lang="en-US" sz="2800" b="1" dirty="0">
+                <a:solidFill>
+                  <a:schemeClr val="tx2"/>
+                </a:solidFill>
+                <a:latin typeface="Poppins Bold" panose="02000000000000000000" pitchFamily="2" charset="77"/>
+                <a:ea typeface="Roboto" charset="0"/>
+                <a:cs typeface="Poppins Bold" panose="02000000000000000000" pitchFamily="2" charset="77"/>
+              </a:rPr>
+              <a:t>[] </a:t>
+            </a:r>
+            <a:r>
+              <a:rPr lang="en-US" sz="2800" b="1" dirty="0" err="1">
+                <a:solidFill>
+                  <a:schemeClr val="tx2"/>
+                </a:solidFill>
+                <a:latin typeface="Poppins Bold" panose="02000000000000000000" pitchFamily="2" charset="77"/>
+                <a:ea typeface="Roboto" charset="0"/>
+                <a:cs typeface="Poppins Bold" panose="02000000000000000000" pitchFamily="2" charset="77"/>
+              </a:rPr>
+              <a:t>freq</a:t>
+            </a:r>
+            <a:r>
+              <a:rPr lang="en-US" sz="2800" b="1" dirty="0">
+                <a:solidFill>
+                  <a:schemeClr val="tx2"/>
+                </a:solidFill>
+                <a:latin typeface="Poppins Bold" panose="02000000000000000000" pitchFamily="2" charset="77"/>
+                <a:ea typeface="Roboto" charset="0"/>
+                <a:cs typeface="Poppins Bold" panose="02000000000000000000" pitchFamily="2" charset="77"/>
+              </a:rPr>
+              <a:t>)</a:t>
+            </a:r>
+            <a:endParaRPr lang="en-US" sz="2800" b="1" dirty="0">
+              <a:solidFill>
+                <a:schemeClr val="tx2"/>
+              </a:solidFill>
+              <a:latin typeface="Poppins Bold" panose="02000000000000000000" pitchFamily="2" charset="77"/>
+              <a:ea typeface="Roboto" charset="0"/>
+              <a:cs typeface="Poppins Bold" panose="02000000000000000000" pitchFamily="2" charset="77"/>
+            </a:endParaRPr>
+          </a:p>
+        </p:txBody>
+      </p:sp>
+      <p:sp>
+        <p:nvSpPr>
+          <p:cNvPr id="22" name="ZoneTexte 21"/>
+          <p:cNvSpPr txBox="1"/>
+          <p:nvPr/>
+        </p:nvSpPr>
+        <p:spPr>
+          <a:xfrm>
+            <a:off x="1723433" y="3191940"/>
+            <a:ext cx="8522100" cy="1015663"/>
+          </a:xfrm>
+          <a:prstGeom prst="rect">
+            <a:avLst/>
+          </a:prstGeom>
+          <a:noFill/>
+        </p:spPr>
+        <p:txBody>
+          <a:bodyPr wrap="square" rtlCol="0">
+            <a:spAutoFit/>
+          </a:bodyPr>
+          <a:lstStyle/>
+          <a:p>
+            <a:pPr algn="just"/>
+            <a:r>
+              <a:rPr lang="en-US" sz="2000" dirty="0" smtClean="0">
+                <a:solidFill>
+                  <a:schemeClr val="bg1">
+                    <a:lumMod val="50000"/>
+                  </a:schemeClr>
+                </a:solidFill>
+                <a:latin typeface="Poppins"/>
+              </a:rPr>
+              <a:t>Create </a:t>
+            </a:r>
+            <a:r>
+              <a:rPr lang="en-US" sz="2000" dirty="0">
+                <a:solidFill>
+                  <a:schemeClr val="bg1">
+                    <a:lumMod val="50000"/>
+                  </a:schemeClr>
+                </a:solidFill>
+                <a:latin typeface="Poppins"/>
+              </a:rPr>
+              <a:t>an array of independent nodes containing a code from 0 to 254 and a frequency</a:t>
+            </a:r>
+            <a:r>
+              <a:rPr lang="en-US" sz="2000" dirty="0" smtClean="0">
+                <a:solidFill>
+                  <a:schemeClr val="bg1">
+                    <a:lumMod val="50000"/>
+                  </a:schemeClr>
+                </a:solidFill>
+                <a:latin typeface="Poppins"/>
+              </a:rPr>
+              <a:t>. Order </a:t>
+            </a:r>
+            <a:r>
+              <a:rPr lang="en-US" sz="2000" dirty="0">
+                <a:solidFill>
+                  <a:schemeClr val="bg1">
+                    <a:lumMod val="50000"/>
+                  </a:schemeClr>
+                </a:solidFill>
+                <a:latin typeface="Poppins"/>
+              </a:rPr>
+              <a:t>them in a specific way : find the minimum of frequencies and the minimum </a:t>
+            </a:r>
+            <a:r>
+              <a:rPr lang="en-US" sz="2000" dirty="0" smtClean="0">
+                <a:solidFill>
+                  <a:schemeClr val="bg1">
+                    <a:lumMod val="50000"/>
+                  </a:schemeClr>
+                </a:solidFill>
+                <a:latin typeface="Poppins"/>
+              </a:rPr>
+              <a:t>comparing ASCII </a:t>
+            </a:r>
+            <a:r>
+              <a:rPr lang="en-US" sz="2000" dirty="0">
+                <a:solidFill>
+                  <a:schemeClr val="bg1">
+                    <a:lumMod val="50000"/>
+                  </a:schemeClr>
+                </a:solidFill>
+                <a:latin typeface="Poppins"/>
+              </a:rPr>
+              <a:t>code</a:t>
+            </a:r>
+            <a:endParaRPr lang="fr-FR" sz="2000" dirty="0">
+              <a:solidFill>
+                <a:schemeClr val="bg1">
+                  <a:lumMod val="50000"/>
+                </a:schemeClr>
+              </a:solidFill>
+              <a:latin typeface="Poppins"/>
+            </a:endParaRPr>
+          </a:p>
+        </p:txBody>
+      </p:sp>
+      <p:sp>
+        <p:nvSpPr>
+          <p:cNvPr id="23" name="TextBox 70"/>
+          <p:cNvSpPr txBox="1"/>
+          <p:nvPr/>
+        </p:nvSpPr>
+        <p:spPr>
+          <a:xfrm>
+            <a:off x="1737810" y="4208802"/>
+            <a:ext cx="8431924" cy="523220"/>
+          </a:xfrm>
+          <a:prstGeom prst="rect">
+            <a:avLst/>
+          </a:prstGeom>
+          <a:noFill/>
+        </p:spPr>
+        <p:txBody>
+          <a:bodyPr wrap="none" rtlCol="0">
+            <a:spAutoFit/>
+          </a:bodyPr>
+          <a:lstStyle/>
+          <a:p>
+            <a:r>
+              <a:rPr lang="en-US" sz="2800" b="1" dirty="0">
+                <a:solidFill>
+                  <a:schemeClr val="tx2"/>
+                </a:solidFill>
+                <a:latin typeface="Poppins Bold" panose="02000000000000000000" pitchFamily="2" charset="77"/>
+                <a:ea typeface="Roboto" charset="0"/>
+                <a:cs typeface="Poppins Bold" panose="02000000000000000000" pitchFamily="2" charset="77"/>
+              </a:rPr>
+              <a:t>private Node </a:t>
+            </a:r>
+            <a:r>
+              <a:rPr lang="en-US" sz="2800" b="1" dirty="0" err="1">
+                <a:solidFill>
+                  <a:schemeClr val="tx2"/>
+                </a:solidFill>
+                <a:latin typeface="Poppins Bold" panose="02000000000000000000" pitchFamily="2" charset="77"/>
+                <a:ea typeface="Roboto" charset="0"/>
+                <a:cs typeface="Poppins Bold" panose="02000000000000000000" pitchFamily="2" charset="77"/>
+              </a:rPr>
+              <a:t>buildTree</a:t>
+            </a:r>
+            <a:r>
+              <a:rPr lang="en-US" sz="2800" b="1" dirty="0">
+                <a:solidFill>
+                  <a:schemeClr val="tx2"/>
+                </a:solidFill>
+                <a:latin typeface="Poppins Bold" panose="02000000000000000000" pitchFamily="2" charset="77"/>
+                <a:ea typeface="Roboto" charset="0"/>
+                <a:cs typeface="Poppins Bold" panose="02000000000000000000" pitchFamily="2" charset="77"/>
+              </a:rPr>
+              <a:t>(</a:t>
+            </a:r>
+            <a:r>
+              <a:rPr lang="en-US" sz="2800" b="1" dirty="0" err="1">
+                <a:solidFill>
+                  <a:schemeClr val="tx2"/>
+                </a:solidFill>
+                <a:latin typeface="Poppins Bold" panose="02000000000000000000" pitchFamily="2" charset="77"/>
+                <a:ea typeface="Roboto" charset="0"/>
+                <a:cs typeface="Poppins Bold" panose="02000000000000000000" pitchFamily="2" charset="77"/>
+              </a:rPr>
+              <a:t>ArrayList</a:t>
+            </a:r>
+            <a:r>
+              <a:rPr lang="en-US" sz="2800" b="1" dirty="0">
+                <a:solidFill>
+                  <a:schemeClr val="tx2"/>
+                </a:solidFill>
+                <a:latin typeface="Poppins Bold" panose="02000000000000000000" pitchFamily="2" charset="77"/>
+                <a:ea typeface="Roboto" charset="0"/>
+                <a:cs typeface="Poppins Bold" panose="02000000000000000000" pitchFamily="2" charset="77"/>
+              </a:rPr>
+              <a:t>&lt;Node&gt; nodes)</a:t>
+            </a:r>
+            <a:endParaRPr lang="en-US" sz="2800" b="1" dirty="0">
+              <a:solidFill>
+                <a:schemeClr val="tx2"/>
+              </a:solidFill>
+              <a:latin typeface="Poppins Bold" panose="02000000000000000000" pitchFamily="2" charset="77"/>
+              <a:ea typeface="Roboto" charset="0"/>
+              <a:cs typeface="Poppins Bold" panose="02000000000000000000" pitchFamily="2" charset="77"/>
+            </a:endParaRPr>
+          </a:p>
+        </p:txBody>
+      </p:sp>
+      <p:sp>
+        <p:nvSpPr>
+          <p:cNvPr id="24" name="ZoneTexte 23"/>
+          <p:cNvSpPr txBox="1"/>
+          <p:nvPr/>
+        </p:nvSpPr>
+        <p:spPr>
+          <a:xfrm>
+            <a:off x="1737809" y="4707313"/>
+            <a:ext cx="8507723" cy="2246769"/>
+          </a:xfrm>
+          <a:prstGeom prst="rect">
+            <a:avLst/>
+          </a:prstGeom>
+          <a:noFill/>
+        </p:spPr>
+        <p:txBody>
+          <a:bodyPr wrap="square" rtlCol="0">
+            <a:spAutoFit/>
+          </a:bodyPr>
+          <a:lstStyle/>
+          <a:p>
+            <a:pPr algn="just"/>
+            <a:r>
+              <a:rPr lang="en-US" sz="2000" dirty="0" smtClean="0">
+                <a:solidFill>
+                  <a:schemeClr val="bg1">
+                    <a:lumMod val="50000"/>
+                  </a:schemeClr>
+                </a:solidFill>
+                <a:latin typeface="Poppins"/>
+              </a:rPr>
+              <a:t>Create </a:t>
+            </a:r>
+            <a:r>
+              <a:rPr lang="en-US" sz="2000" dirty="0">
+                <a:solidFill>
+                  <a:schemeClr val="bg1">
+                    <a:lumMod val="50000"/>
+                  </a:schemeClr>
+                </a:solidFill>
+                <a:latin typeface="Poppins"/>
+              </a:rPr>
+              <a:t>a tree from the </a:t>
+            </a:r>
+            <a:r>
+              <a:rPr lang="en-US" sz="2000" dirty="0" err="1">
+                <a:solidFill>
+                  <a:schemeClr val="bg1">
+                    <a:lumMod val="50000"/>
+                  </a:schemeClr>
+                </a:solidFill>
+                <a:latin typeface="Poppins"/>
+              </a:rPr>
+              <a:t>ArrayList</a:t>
+            </a:r>
+            <a:r>
+              <a:rPr lang="en-US" sz="2000" dirty="0">
+                <a:solidFill>
+                  <a:schemeClr val="bg1">
+                    <a:lumMod val="50000"/>
+                  </a:schemeClr>
+                </a:solidFill>
+                <a:latin typeface="Poppins"/>
+              </a:rPr>
+              <a:t> of Nodes we previously </a:t>
+            </a:r>
+            <a:r>
+              <a:rPr lang="en-US" sz="2000" dirty="0" smtClean="0">
+                <a:solidFill>
+                  <a:schemeClr val="bg1">
+                    <a:lumMod val="50000"/>
+                  </a:schemeClr>
+                </a:solidFill>
+                <a:latin typeface="Poppins"/>
+              </a:rPr>
+              <a:t>created. Work </a:t>
+            </a:r>
+            <a:r>
+              <a:rPr lang="en-US" sz="2000" dirty="0">
+                <a:solidFill>
+                  <a:schemeClr val="bg1">
+                    <a:lumMod val="50000"/>
+                  </a:schemeClr>
+                </a:solidFill>
+                <a:latin typeface="Poppins"/>
+              </a:rPr>
+              <a:t>on a clone of the </a:t>
+            </a:r>
+            <a:r>
+              <a:rPr lang="en-US" sz="2000" dirty="0" err="1">
+                <a:solidFill>
+                  <a:schemeClr val="bg1">
+                    <a:lumMod val="50000"/>
+                  </a:schemeClr>
+                </a:solidFill>
+                <a:latin typeface="Poppins"/>
+              </a:rPr>
+              <a:t>ArrayList</a:t>
+            </a:r>
+            <a:r>
+              <a:rPr lang="en-US" sz="2000" dirty="0">
+                <a:solidFill>
+                  <a:schemeClr val="bg1">
+                    <a:lumMod val="50000"/>
+                  </a:schemeClr>
+                </a:solidFill>
+                <a:latin typeface="Poppins"/>
+              </a:rPr>
+              <a:t> because as we advance in the </a:t>
+            </a:r>
+            <a:r>
+              <a:rPr lang="en-US" sz="2000" dirty="0" smtClean="0">
+                <a:solidFill>
+                  <a:schemeClr val="bg1">
+                    <a:lumMod val="50000"/>
+                  </a:schemeClr>
+                </a:solidFill>
+                <a:latin typeface="Poppins"/>
+              </a:rPr>
+              <a:t>algorithm we'll </a:t>
+            </a:r>
+            <a:r>
+              <a:rPr lang="en-US" sz="2000" dirty="0">
+                <a:solidFill>
+                  <a:schemeClr val="bg1">
+                    <a:lumMod val="50000"/>
+                  </a:schemeClr>
+                </a:solidFill>
+                <a:latin typeface="Poppins"/>
+              </a:rPr>
+              <a:t>remove each node of the array so we won't have </a:t>
+            </a:r>
+            <a:r>
+              <a:rPr lang="en-US" sz="2000" dirty="0" smtClean="0">
+                <a:solidFill>
+                  <a:schemeClr val="bg1">
+                    <a:lumMod val="50000"/>
+                  </a:schemeClr>
+                </a:solidFill>
+                <a:latin typeface="Poppins"/>
+              </a:rPr>
+              <a:t>duplicate. We </a:t>
+            </a:r>
+            <a:r>
+              <a:rPr lang="en-US" sz="2000" dirty="0">
+                <a:solidFill>
+                  <a:schemeClr val="bg1">
+                    <a:lumMod val="50000"/>
+                  </a:schemeClr>
+                </a:solidFill>
+                <a:latin typeface="Poppins"/>
+              </a:rPr>
+              <a:t>search for the two minimum nodes, and when found, we create the father </a:t>
+            </a:r>
+            <a:r>
+              <a:rPr lang="en-US" sz="2000" dirty="0" smtClean="0">
+                <a:solidFill>
+                  <a:schemeClr val="bg1">
+                    <a:lumMod val="50000"/>
+                  </a:schemeClr>
+                </a:solidFill>
+                <a:latin typeface="Poppins"/>
+              </a:rPr>
+              <a:t>of them</a:t>
+            </a:r>
+            <a:r>
+              <a:rPr lang="en-US" sz="2000" dirty="0">
+                <a:solidFill>
+                  <a:schemeClr val="bg1">
+                    <a:lumMod val="50000"/>
+                  </a:schemeClr>
+                </a:solidFill>
+                <a:latin typeface="Poppins"/>
+              </a:rPr>
+              <a:t>, which will have the sum of the frequencies of the 2 previous node as </a:t>
+            </a:r>
+            <a:r>
+              <a:rPr lang="en-US" sz="2000" dirty="0" smtClean="0">
+                <a:solidFill>
+                  <a:schemeClr val="bg1">
+                    <a:lumMod val="50000"/>
+                  </a:schemeClr>
+                </a:solidFill>
+                <a:latin typeface="Poppins"/>
+              </a:rPr>
+              <a:t>its frequency</a:t>
+            </a:r>
+            <a:r>
+              <a:rPr lang="en-US" sz="2000" dirty="0">
+                <a:solidFill>
+                  <a:schemeClr val="bg1">
+                    <a:lumMod val="50000"/>
+                  </a:schemeClr>
+                </a:solidFill>
+                <a:latin typeface="Poppins"/>
+              </a:rPr>
+              <a:t>, and the two others will be deleted, until only one node is left, the root</a:t>
+            </a:r>
+            <a:endParaRPr lang="fr-FR" sz="2000" dirty="0">
+              <a:solidFill>
+                <a:schemeClr val="bg1">
+                  <a:lumMod val="50000"/>
+                </a:schemeClr>
+              </a:solidFill>
+              <a:latin typeface="Poppins"/>
+            </a:endParaRPr>
+          </a:p>
+        </p:txBody>
+      </p:sp>
+      <p:sp>
+        <p:nvSpPr>
+          <p:cNvPr id="25" name="TextBox 70"/>
+          <p:cNvSpPr txBox="1"/>
+          <p:nvPr/>
+        </p:nvSpPr>
+        <p:spPr>
+          <a:xfrm>
+            <a:off x="1734933" y="6966390"/>
+            <a:ext cx="8510600" cy="523220"/>
+          </a:xfrm>
+          <a:prstGeom prst="rect">
+            <a:avLst/>
+          </a:prstGeom>
+          <a:noFill/>
+        </p:spPr>
+        <p:txBody>
+          <a:bodyPr wrap="none" rtlCol="0">
+            <a:spAutoFit/>
+          </a:bodyPr>
+          <a:lstStyle/>
+          <a:p>
+            <a:r>
+              <a:rPr lang="en-US" sz="2800" b="1" dirty="0">
+                <a:solidFill>
+                  <a:schemeClr val="tx2"/>
+                </a:solidFill>
+                <a:latin typeface="Poppins Bold" panose="02000000000000000000" pitchFamily="2" charset="77"/>
+                <a:ea typeface="Roboto" charset="0"/>
+                <a:cs typeface="Poppins Bold" panose="02000000000000000000" pitchFamily="2" charset="77"/>
+              </a:rPr>
+              <a:t>private void </a:t>
+            </a:r>
+            <a:r>
+              <a:rPr lang="en-US" sz="2800" b="1" dirty="0" err="1">
+                <a:solidFill>
+                  <a:schemeClr val="tx2"/>
+                </a:solidFill>
+                <a:latin typeface="Poppins Bold" panose="02000000000000000000" pitchFamily="2" charset="77"/>
+                <a:ea typeface="Roboto" charset="0"/>
+                <a:cs typeface="Poppins Bold" panose="02000000000000000000" pitchFamily="2" charset="77"/>
+              </a:rPr>
+              <a:t>dfSearch</a:t>
+            </a:r>
+            <a:r>
+              <a:rPr lang="en-US" sz="2800" b="1" dirty="0">
+                <a:solidFill>
+                  <a:schemeClr val="tx2"/>
+                </a:solidFill>
+                <a:latin typeface="Poppins Bold" panose="02000000000000000000" pitchFamily="2" charset="77"/>
+                <a:ea typeface="Roboto" charset="0"/>
+                <a:cs typeface="Poppins Bold" panose="02000000000000000000" pitchFamily="2" charset="77"/>
+              </a:rPr>
+              <a:t>(Node root, String </a:t>
+            </a:r>
+            <a:r>
+              <a:rPr lang="en-US" sz="2800" b="1" dirty="0" err="1">
+                <a:solidFill>
+                  <a:schemeClr val="tx2"/>
+                </a:solidFill>
+                <a:latin typeface="Poppins Bold" panose="02000000000000000000" pitchFamily="2" charset="77"/>
+                <a:ea typeface="Roboto" charset="0"/>
+                <a:cs typeface="Poppins Bold" panose="02000000000000000000" pitchFamily="2" charset="77"/>
+              </a:rPr>
+              <a:t>codeBin</a:t>
+            </a:r>
+            <a:r>
+              <a:rPr lang="en-US" sz="2800" b="1" dirty="0">
+                <a:solidFill>
+                  <a:schemeClr val="tx2"/>
+                </a:solidFill>
+                <a:latin typeface="Poppins Bold" panose="02000000000000000000" pitchFamily="2" charset="77"/>
+                <a:ea typeface="Roboto" charset="0"/>
+                <a:cs typeface="Poppins Bold" panose="02000000000000000000" pitchFamily="2" charset="77"/>
+              </a:rPr>
+              <a:t>)</a:t>
+            </a:r>
+            <a:endParaRPr lang="en-US" sz="2800" b="1" dirty="0">
+              <a:solidFill>
+                <a:schemeClr val="tx2"/>
+              </a:solidFill>
+              <a:latin typeface="Poppins Bold" panose="02000000000000000000" pitchFamily="2" charset="77"/>
+              <a:ea typeface="Roboto" charset="0"/>
+              <a:cs typeface="Poppins Bold" panose="02000000000000000000" pitchFamily="2" charset="77"/>
+            </a:endParaRPr>
+          </a:p>
+        </p:txBody>
+      </p:sp>
+      <p:sp>
+        <p:nvSpPr>
+          <p:cNvPr id="26" name="ZoneTexte 25"/>
+          <p:cNvSpPr txBox="1"/>
+          <p:nvPr/>
+        </p:nvSpPr>
+        <p:spPr>
+          <a:xfrm>
+            <a:off x="1734932" y="7464901"/>
+            <a:ext cx="8434799" cy="1015663"/>
+          </a:xfrm>
+          <a:prstGeom prst="rect">
+            <a:avLst/>
+          </a:prstGeom>
+          <a:noFill/>
+        </p:spPr>
+        <p:txBody>
+          <a:bodyPr wrap="square" rtlCol="0">
+            <a:spAutoFit/>
+          </a:bodyPr>
+          <a:lstStyle/>
+          <a:p>
+            <a:pPr algn="just"/>
+            <a:r>
+              <a:rPr lang="en-US" sz="2000" dirty="0" smtClean="0">
+                <a:solidFill>
+                  <a:schemeClr val="bg1">
+                    <a:lumMod val="50000"/>
+                  </a:schemeClr>
+                </a:solidFill>
+                <a:latin typeface="Poppins"/>
+              </a:rPr>
+              <a:t>Depth </a:t>
+            </a:r>
+            <a:r>
+              <a:rPr lang="en-US" sz="2000" dirty="0">
+                <a:solidFill>
+                  <a:schemeClr val="bg1">
+                    <a:lumMod val="50000"/>
+                  </a:schemeClr>
+                </a:solidFill>
+                <a:latin typeface="Poppins"/>
+              </a:rPr>
+              <a:t>first search through the tree to fill the binary code of the leaves of the </a:t>
+            </a:r>
+            <a:r>
+              <a:rPr lang="en-US" sz="2000" dirty="0" smtClean="0">
+                <a:solidFill>
+                  <a:schemeClr val="bg1">
+                    <a:lumMod val="50000"/>
+                  </a:schemeClr>
+                </a:solidFill>
+                <a:latin typeface="Poppins"/>
+              </a:rPr>
+              <a:t>tree. The </a:t>
+            </a:r>
+            <a:r>
+              <a:rPr lang="en-US" sz="2000" dirty="0">
+                <a:solidFill>
+                  <a:schemeClr val="bg1">
+                    <a:lumMod val="50000"/>
+                  </a:schemeClr>
+                </a:solidFill>
+                <a:latin typeface="Poppins"/>
+              </a:rPr>
+              <a:t>left son will have the code 0 and the right son, 1. Recursive method.</a:t>
+            </a:r>
+            <a:endParaRPr lang="fr-FR" sz="2000" dirty="0">
+              <a:solidFill>
+                <a:schemeClr val="bg1">
+                  <a:lumMod val="50000"/>
+                </a:schemeClr>
+              </a:solidFill>
+              <a:latin typeface="Poppins"/>
+            </a:endParaRPr>
+          </a:p>
+        </p:txBody>
+      </p:sp>
+      <p:sp>
+        <p:nvSpPr>
+          <p:cNvPr id="27" name="TextBox 70"/>
+          <p:cNvSpPr txBox="1"/>
+          <p:nvPr/>
+        </p:nvSpPr>
+        <p:spPr>
+          <a:xfrm>
+            <a:off x="1732058" y="8412744"/>
+            <a:ext cx="4980466" cy="523220"/>
+          </a:xfrm>
+          <a:prstGeom prst="rect">
+            <a:avLst/>
+          </a:prstGeom>
+          <a:noFill/>
+        </p:spPr>
+        <p:txBody>
+          <a:bodyPr wrap="none" rtlCol="0">
+            <a:spAutoFit/>
+          </a:bodyPr>
+          <a:lstStyle/>
+          <a:p>
+            <a:r>
+              <a:rPr lang="en-US" sz="2800" b="1" dirty="0">
+                <a:solidFill>
+                  <a:schemeClr val="tx2"/>
+                </a:solidFill>
+                <a:latin typeface="Poppins Bold" panose="02000000000000000000" pitchFamily="2" charset="77"/>
+                <a:ea typeface="Roboto" charset="0"/>
+                <a:cs typeface="Poppins Bold" panose="02000000000000000000" pitchFamily="2" charset="77"/>
+              </a:rPr>
+              <a:t>private void </a:t>
+            </a:r>
+            <a:r>
+              <a:rPr lang="en-US" sz="2800" b="1" dirty="0" err="1">
+                <a:solidFill>
+                  <a:schemeClr val="tx2"/>
+                </a:solidFill>
+                <a:latin typeface="Poppins Bold" panose="02000000000000000000" pitchFamily="2" charset="77"/>
+                <a:ea typeface="Roboto" charset="0"/>
+                <a:cs typeface="Poppins Bold" panose="02000000000000000000" pitchFamily="2" charset="77"/>
+              </a:rPr>
+              <a:t>createFreqFile</a:t>
+            </a:r>
+            <a:r>
+              <a:rPr lang="en-US" sz="2800" b="1" dirty="0">
+                <a:solidFill>
+                  <a:schemeClr val="tx2"/>
+                </a:solidFill>
+                <a:latin typeface="Poppins Bold" panose="02000000000000000000" pitchFamily="2" charset="77"/>
+                <a:ea typeface="Roboto" charset="0"/>
+                <a:cs typeface="Poppins Bold" panose="02000000000000000000" pitchFamily="2" charset="77"/>
+              </a:rPr>
+              <a:t>()</a:t>
+            </a:r>
+            <a:endParaRPr lang="en-US" sz="2800" b="1" dirty="0">
+              <a:solidFill>
+                <a:schemeClr val="tx2"/>
+              </a:solidFill>
+              <a:latin typeface="Poppins Bold" panose="02000000000000000000" pitchFamily="2" charset="77"/>
+              <a:ea typeface="Roboto" charset="0"/>
+              <a:cs typeface="Poppins Bold" panose="02000000000000000000" pitchFamily="2" charset="77"/>
+            </a:endParaRPr>
+          </a:p>
+        </p:txBody>
+      </p:sp>
+      <p:sp>
+        <p:nvSpPr>
+          <p:cNvPr id="28" name="ZoneTexte 27"/>
+          <p:cNvSpPr txBox="1"/>
+          <p:nvPr/>
+        </p:nvSpPr>
+        <p:spPr>
+          <a:xfrm>
+            <a:off x="1732057" y="8911255"/>
+            <a:ext cx="8437673" cy="707886"/>
+          </a:xfrm>
+          <a:prstGeom prst="rect">
+            <a:avLst/>
+          </a:prstGeom>
+          <a:noFill/>
+        </p:spPr>
+        <p:txBody>
+          <a:bodyPr wrap="square" rtlCol="0">
+            <a:spAutoFit/>
+          </a:bodyPr>
+          <a:lstStyle/>
+          <a:p>
+            <a:pPr algn="just"/>
+            <a:r>
+              <a:rPr lang="en-US" sz="2000" dirty="0" smtClean="0">
+                <a:solidFill>
+                  <a:schemeClr val="bg1">
+                    <a:lumMod val="50000"/>
+                  </a:schemeClr>
+                </a:solidFill>
+                <a:latin typeface="Poppins"/>
+              </a:rPr>
+              <a:t>Create </a:t>
+            </a:r>
+            <a:r>
+              <a:rPr lang="en-US" sz="2000" dirty="0">
+                <a:solidFill>
+                  <a:schemeClr val="bg1">
+                    <a:lumMod val="50000"/>
+                  </a:schemeClr>
+                </a:solidFill>
+                <a:latin typeface="Poppins"/>
+              </a:rPr>
+              <a:t>a file from the </a:t>
+            </a:r>
+            <a:r>
+              <a:rPr lang="en-US" sz="2000" dirty="0" err="1">
+                <a:solidFill>
+                  <a:schemeClr val="bg1">
+                    <a:lumMod val="50000"/>
+                  </a:schemeClr>
+                </a:solidFill>
+                <a:latin typeface="Poppins"/>
+              </a:rPr>
+              <a:t>freqFile</a:t>
+            </a:r>
+            <a:r>
+              <a:rPr lang="en-US" sz="2000" dirty="0">
+                <a:solidFill>
+                  <a:schemeClr val="bg1">
+                    <a:lumMod val="50000"/>
+                  </a:schemeClr>
+                </a:solidFill>
+                <a:latin typeface="Poppins"/>
+              </a:rPr>
+              <a:t> filled with the frequencies of each </a:t>
+            </a:r>
+            <a:r>
+              <a:rPr lang="en-US" sz="2000" dirty="0" smtClean="0">
+                <a:solidFill>
+                  <a:schemeClr val="bg1">
+                    <a:lumMod val="50000"/>
+                  </a:schemeClr>
+                </a:solidFill>
+                <a:latin typeface="Poppins"/>
+              </a:rPr>
+              <a:t>characters</a:t>
+            </a:r>
+            <a:endParaRPr lang="fr-FR" sz="2000" dirty="0">
+              <a:solidFill>
+                <a:schemeClr val="bg1">
+                  <a:lumMod val="50000"/>
+                </a:schemeClr>
+              </a:solidFill>
+              <a:latin typeface="Poppins"/>
+            </a:endParaRPr>
+          </a:p>
+        </p:txBody>
+      </p:sp>
+      <p:sp>
+        <p:nvSpPr>
+          <p:cNvPr id="29" name="TextBox 70"/>
+          <p:cNvSpPr txBox="1"/>
+          <p:nvPr/>
+        </p:nvSpPr>
+        <p:spPr>
+          <a:xfrm>
+            <a:off x="1729183" y="9841851"/>
+            <a:ext cx="9268178" cy="523220"/>
+          </a:xfrm>
+          <a:prstGeom prst="rect">
+            <a:avLst/>
+          </a:prstGeom>
+          <a:noFill/>
+        </p:spPr>
+        <p:txBody>
+          <a:bodyPr wrap="none" rtlCol="0">
+            <a:spAutoFit/>
+          </a:bodyPr>
+          <a:lstStyle/>
+          <a:p>
+            <a:r>
+              <a:rPr lang="en-US" sz="2800" b="1" dirty="0">
+                <a:solidFill>
+                  <a:schemeClr val="tx2"/>
+                </a:solidFill>
+                <a:latin typeface="Poppins Bold" panose="02000000000000000000" pitchFamily="2" charset="77"/>
+                <a:ea typeface="Roboto" charset="0"/>
+                <a:cs typeface="Poppins Bold" panose="02000000000000000000" pitchFamily="2" charset="77"/>
+              </a:rPr>
+              <a:t>public String </a:t>
+            </a:r>
+            <a:r>
+              <a:rPr lang="en-US" sz="2800" b="1" dirty="0" err="1">
+                <a:solidFill>
+                  <a:schemeClr val="tx2"/>
+                </a:solidFill>
+                <a:latin typeface="Poppins Bold" panose="02000000000000000000" pitchFamily="2" charset="77"/>
+                <a:ea typeface="Roboto" charset="0"/>
+                <a:cs typeface="Poppins Bold" panose="02000000000000000000" pitchFamily="2" charset="77"/>
+              </a:rPr>
+              <a:t>createBinCode</a:t>
+            </a:r>
+            <a:r>
+              <a:rPr lang="en-US" sz="2800" b="1" dirty="0">
+                <a:solidFill>
+                  <a:schemeClr val="tx2"/>
+                </a:solidFill>
+                <a:latin typeface="Poppins Bold" panose="02000000000000000000" pitchFamily="2" charset="77"/>
+                <a:ea typeface="Roboto" charset="0"/>
+                <a:cs typeface="Poppins Bold" panose="02000000000000000000" pitchFamily="2" charset="77"/>
+              </a:rPr>
+              <a:t>(</a:t>
+            </a:r>
+            <a:r>
+              <a:rPr lang="en-US" sz="2800" b="1" dirty="0" err="1">
+                <a:solidFill>
+                  <a:schemeClr val="tx2"/>
+                </a:solidFill>
+                <a:latin typeface="Poppins Bold" panose="02000000000000000000" pitchFamily="2" charset="77"/>
+                <a:ea typeface="Roboto" charset="0"/>
+                <a:cs typeface="Poppins Bold" panose="02000000000000000000" pitchFamily="2" charset="77"/>
+              </a:rPr>
+              <a:t>ArrayList</a:t>
+            </a:r>
+            <a:r>
+              <a:rPr lang="en-US" sz="2800" b="1" dirty="0">
+                <a:solidFill>
+                  <a:schemeClr val="tx2"/>
+                </a:solidFill>
+                <a:latin typeface="Poppins Bold" panose="02000000000000000000" pitchFamily="2" charset="77"/>
+                <a:ea typeface="Roboto" charset="0"/>
+                <a:cs typeface="Poppins Bold" panose="02000000000000000000" pitchFamily="2" charset="77"/>
+              </a:rPr>
+              <a:t>&lt;Node&gt; nodes)</a:t>
+            </a:r>
+            <a:endParaRPr lang="en-US" sz="2800" b="1" dirty="0">
+              <a:solidFill>
+                <a:schemeClr val="tx2"/>
+              </a:solidFill>
+              <a:latin typeface="Poppins Bold" panose="02000000000000000000" pitchFamily="2" charset="77"/>
+              <a:ea typeface="Roboto" charset="0"/>
+              <a:cs typeface="Poppins Bold" panose="02000000000000000000" pitchFamily="2" charset="77"/>
+            </a:endParaRPr>
+          </a:p>
+        </p:txBody>
+      </p:sp>
+      <p:sp>
+        <p:nvSpPr>
+          <p:cNvPr id="30" name="ZoneTexte 29"/>
+          <p:cNvSpPr txBox="1"/>
+          <p:nvPr/>
+        </p:nvSpPr>
+        <p:spPr>
+          <a:xfrm>
+            <a:off x="1729182" y="10340362"/>
+            <a:ext cx="8516351" cy="1323439"/>
+          </a:xfrm>
+          <a:prstGeom prst="rect">
+            <a:avLst/>
+          </a:prstGeom>
+          <a:noFill/>
+        </p:spPr>
+        <p:txBody>
+          <a:bodyPr wrap="square" rtlCol="0">
+            <a:spAutoFit/>
+          </a:bodyPr>
+          <a:lstStyle/>
+          <a:p>
+            <a:pPr algn="just"/>
+            <a:r>
+              <a:rPr lang="en-US" sz="2000" dirty="0" smtClean="0">
+                <a:solidFill>
+                  <a:schemeClr val="bg1">
+                    <a:lumMod val="50000"/>
+                  </a:schemeClr>
+                </a:solidFill>
+                <a:latin typeface="Poppins"/>
+              </a:rPr>
+              <a:t>Create </a:t>
+            </a:r>
+            <a:r>
+              <a:rPr lang="en-US" sz="2000" dirty="0">
+                <a:solidFill>
+                  <a:schemeClr val="bg1">
+                    <a:lumMod val="50000"/>
+                  </a:schemeClr>
+                </a:solidFill>
+                <a:latin typeface="Poppins"/>
+              </a:rPr>
+              <a:t>a binary chain. Every time we find a character in the text saved </a:t>
+            </a:r>
+            <a:r>
+              <a:rPr lang="en-US" sz="2000" dirty="0" smtClean="0">
+                <a:solidFill>
+                  <a:schemeClr val="bg1">
+                    <a:lumMod val="50000"/>
+                  </a:schemeClr>
+                </a:solidFill>
+                <a:latin typeface="Poppins"/>
+              </a:rPr>
+              <a:t>in the </a:t>
+            </a:r>
+            <a:r>
+              <a:rPr lang="en-US" sz="2000" dirty="0">
+                <a:solidFill>
+                  <a:schemeClr val="bg1">
+                    <a:lumMod val="50000"/>
+                  </a:schemeClr>
+                </a:solidFill>
+                <a:latin typeface="Poppins"/>
+              </a:rPr>
+              <a:t>variable @</a:t>
+            </a:r>
+            <a:r>
+              <a:rPr lang="en-US" sz="2000" dirty="0" err="1">
+                <a:solidFill>
+                  <a:schemeClr val="bg1">
+                    <a:lumMod val="50000"/>
+                  </a:schemeClr>
+                </a:solidFill>
+                <a:latin typeface="Poppins"/>
+              </a:rPr>
+              <a:t>fullText</a:t>
+            </a:r>
+            <a:r>
+              <a:rPr lang="en-US" sz="2000" dirty="0">
+                <a:solidFill>
+                  <a:schemeClr val="bg1">
+                    <a:lumMod val="50000"/>
+                  </a:schemeClr>
+                </a:solidFill>
+                <a:latin typeface="Poppins"/>
+              </a:rPr>
+              <a:t>, we look at the node related to this character </a:t>
+            </a:r>
+            <a:r>
+              <a:rPr lang="en-US" sz="2000" dirty="0" smtClean="0">
+                <a:solidFill>
+                  <a:schemeClr val="bg1">
+                    <a:lumMod val="50000"/>
+                  </a:schemeClr>
+                </a:solidFill>
+                <a:latin typeface="Poppins"/>
+              </a:rPr>
+              <a:t>and add </a:t>
+            </a:r>
+            <a:r>
+              <a:rPr lang="en-US" sz="2000" dirty="0">
+                <a:solidFill>
+                  <a:schemeClr val="bg1">
+                    <a:lumMod val="50000"/>
+                  </a:schemeClr>
+                </a:solidFill>
+                <a:latin typeface="Poppins"/>
+              </a:rPr>
+              <a:t>its </a:t>
+            </a:r>
+            <a:r>
+              <a:rPr lang="en-US" sz="2000" dirty="0" err="1">
+                <a:solidFill>
+                  <a:schemeClr val="bg1">
+                    <a:lumMod val="50000"/>
+                  </a:schemeClr>
+                </a:solidFill>
+                <a:latin typeface="Poppins"/>
+              </a:rPr>
+              <a:t>binCode</a:t>
+            </a:r>
+            <a:r>
+              <a:rPr lang="en-US" sz="2000" dirty="0">
+                <a:solidFill>
+                  <a:schemeClr val="bg1">
+                    <a:lumMod val="50000"/>
+                  </a:schemeClr>
+                </a:solidFill>
+                <a:latin typeface="Poppins"/>
+              </a:rPr>
+              <a:t> to the binary chain. We then normalize the binary chain </a:t>
+            </a:r>
+            <a:r>
+              <a:rPr lang="en-US" sz="2000" dirty="0" smtClean="0">
+                <a:solidFill>
+                  <a:schemeClr val="bg1">
+                    <a:lumMod val="50000"/>
+                  </a:schemeClr>
+                </a:solidFill>
+                <a:latin typeface="Poppins"/>
+              </a:rPr>
+              <a:t>so </a:t>
+            </a:r>
+            <a:r>
+              <a:rPr lang="en-US" sz="2000" dirty="0">
+                <a:solidFill>
+                  <a:schemeClr val="bg1">
+                    <a:lumMod val="50000"/>
+                  </a:schemeClr>
+                </a:solidFill>
+                <a:latin typeface="Poppins"/>
+              </a:rPr>
+              <a:t>the chain will be divisible by eight. </a:t>
+            </a:r>
+            <a:endParaRPr lang="fr-FR" sz="2000" dirty="0">
+              <a:solidFill>
+                <a:schemeClr val="bg1">
+                  <a:lumMod val="50000"/>
+                </a:schemeClr>
+              </a:solidFill>
+              <a:latin typeface="Poppins"/>
+            </a:endParaRPr>
+          </a:p>
+        </p:txBody>
+      </p:sp>
+      <p:sp>
+        <p:nvSpPr>
+          <p:cNvPr id="31" name="TextBox 70"/>
+          <p:cNvSpPr txBox="1"/>
+          <p:nvPr/>
+        </p:nvSpPr>
+        <p:spPr>
+          <a:xfrm>
+            <a:off x="1691802" y="11823056"/>
+            <a:ext cx="6771662" cy="523220"/>
+          </a:xfrm>
+          <a:prstGeom prst="rect">
+            <a:avLst/>
+          </a:prstGeom>
+          <a:noFill/>
+        </p:spPr>
+        <p:txBody>
+          <a:bodyPr wrap="none" rtlCol="0">
+            <a:spAutoFit/>
+          </a:bodyPr>
+          <a:lstStyle/>
+          <a:p>
+            <a:r>
+              <a:rPr lang="en-US" sz="2800" b="1" dirty="0">
+                <a:solidFill>
+                  <a:schemeClr val="tx2"/>
+                </a:solidFill>
+                <a:latin typeface="Poppins Bold" panose="02000000000000000000" pitchFamily="2" charset="77"/>
+                <a:ea typeface="Roboto" charset="0"/>
+                <a:cs typeface="Poppins Bold" panose="02000000000000000000" pitchFamily="2" charset="77"/>
+              </a:rPr>
+              <a:t>private void </a:t>
+            </a:r>
+            <a:r>
+              <a:rPr lang="en-US" sz="2800" b="1" dirty="0" err="1">
+                <a:solidFill>
+                  <a:schemeClr val="tx2"/>
+                </a:solidFill>
+                <a:latin typeface="Poppins Bold" panose="02000000000000000000" pitchFamily="2" charset="77"/>
+                <a:ea typeface="Roboto" charset="0"/>
+                <a:cs typeface="Poppins Bold" panose="02000000000000000000" pitchFamily="2" charset="77"/>
+              </a:rPr>
+              <a:t>bitToByte</a:t>
+            </a:r>
+            <a:r>
+              <a:rPr lang="en-US" sz="2800" b="1" dirty="0">
+                <a:solidFill>
+                  <a:schemeClr val="tx2"/>
+                </a:solidFill>
+                <a:latin typeface="Poppins Bold" panose="02000000000000000000" pitchFamily="2" charset="77"/>
+                <a:ea typeface="Roboto" charset="0"/>
+                <a:cs typeface="Poppins Bold" panose="02000000000000000000" pitchFamily="2" charset="77"/>
+              </a:rPr>
+              <a:t>(String </a:t>
+            </a:r>
+            <a:r>
+              <a:rPr lang="en-US" sz="2800" b="1" dirty="0" err="1">
+                <a:solidFill>
+                  <a:schemeClr val="tx2"/>
+                </a:solidFill>
+                <a:latin typeface="Poppins Bold" panose="02000000000000000000" pitchFamily="2" charset="77"/>
+                <a:ea typeface="Roboto" charset="0"/>
+                <a:cs typeface="Poppins Bold" panose="02000000000000000000" pitchFamily="2" charset="77"/>
+              </a:rPr>
+              <a:t>binCode</a:t>
+            </a:r>
+            <a:r>
+              <a:rPr lang="en-US" sz="2800" b="1" dirty="0">
+                <a:solidFill>
+                  <a:schemeClr val="tx2"/>
+                </a:solidFill>
+                <a:latin typeface="Poppins Bold" panose="02000000000000000000" pitchFamily="2" charset="77"/>
+                <a:ea typeface="Roboto" charset="0"/>
+                <a:cs typeface="Poppins Bold" panose="02000000000000000000" pitchFamily="2" charset="77"/>
+              </a:rPr>
+              <a:t>)</a:t>
+            </a:r>
+            <a:endParaRPr lang="en-US" sz="2800" b="1" dirty="0">
+              <a:solidFill>
+                <a:schemeClr val="tx2"/>
+              </a:solidFill>
+              <a:latin typeface="Poppins Bold" panose="02000000000000000000" pitchFamily="2" charset="77"/>
+              <a:ea typeface="Roboto" charset="0"/>
+              <a:cs typeface="Poppins Bold" panose="02000000000000000000" pitchFamily="2" charset="77"/>
+            </a:endParaRPr>
+          </a:p>
+        </p:txBody>
+      </p:sp>
+      <p:sp>
+        <p:nvSpPr>
+          <p:cNvPr id="32" name="ZoneTexte 31"/>
+          <p:cNvSpPr txBox="1"/>
+          <p:nvPr/>
+        </p:nvSpPr>
+        <p:spPr>
+          <a:xfrm>
+            <a:off x="1691801" y="12321567"/>
+            <a:ext cx="8553731" cy="707886"/>
+          </a:xfrm>
+          <a:prstGeom prst="rect">
+            <a:avLst/>
+          </a:prstGeom>
+          <a:noFill/>
+        </p:spPr>
+        <p:txBody>
+          <a:bodyPr wrap="square" rtlCol="0">
+            <a:spAutoFit/>
+          </a:bodyPr>
+          <a:lstStyle/>
+          <a:p>
+            <a:pPr algn="just"/>
+            <a:r>
+              <a:rPr lang="en-US" sz="2000" dirty="0" smtClean="0">
+                <a:solidFill>
+                  <a:schemeClr val="bg1">
+                    <a:lumMod val="50000"/>
+                  </a:schemeClr>
+                </a:solidFill>
+                <a:latin typeface="Poppins"/>
+              </a:rPr>
+              <a:t>Create </a:t>
+            </a:r>
+            <a:r>
+              <a:rPr lang="en-US" sz="2000" dirty="0">
+                <a:solidFill>
+                  <a:schemeClr val="bg1">
+                    <a:lumMod val="50000"/>
+                  </a:schemeClr>
+                </a:solidFill>
+                <a:latin typeface="Poppins"/>
+              </a:rPr>
+              <a:t>a string of characters for each byte on the binary chain passed in </a:t>
+            </a:r>
+            <a:r>
+              <a:rPr lang="en-US" sz="2000" dirty="0" smtClean="0">
+                <a:solidFill>
+                  <a:schemeClr val="bg1">
+                    <a:lumMod val="50000"/>
+                  </a:schemeClr>
+                </a:solidFill>
+                <a:latin typeface="Poppins"/>
+              </a:rPr>
+              <a:t>parameter and </a:t>
+            </a:r>
+            <a:r>
+              <a:rPr lang="en-US" sz="2000" dirty="0">
+                <a:solidFill>
+                  <a:schemeClr val="bg1">
+                    <a:lumMod val="50000"/>
+                  </a:schemeClr>
+                </a:solidFill>
+                <a:latin typeface="Poppins"/>
+              </a:rPr>
+              <a:t>put this bytes chain into a file named compressed.txt</a:t>
+            </a:r>
+            <a:endParaRPr lang="fr-FR" sz="2000" dirty="0">
+              <a:solidFill>
+                <a:schemeClr val="bg1">
+                  <a:lumMod val="50000"/>
+                </a:schemeClr>
+              </a:solidFill>
+              <a:latin typeface="Poppins"/>
+            </a:endParaRPr>
+          </a:p>
+        </p:txBody>
+      </p:sp>
+      <p:sp>
+        <p:nvSpPr>
+          <p:cNvPr id="33" name="Rectangle 32"/>
+          <p:cNvSpPr/>
+          <p:nvPr/>
+        </p:nvSpPr>
+        <p:spPr>
+          <a:xfrm>
+            <a:off x="13173464" y="8935941"/>
+            <a:ext cx="1141144" cy="1141144"/>
+          </a:xfrm>
+          <a:prstGeom prst="rect">
+            <a:avLst/>
+          </a:prstGeom>
+          <a:solidFill>
+            <a:schemeClr val="accent4"/>
+          </a:solidFill>
+          <a:ln>
+            <a:noFill/>
+          </a:ln>
+        </p:spPr>
+        <p:style>
+          <a:lnRef idx="2">
+            <a:schemeClr val="accent1">
+              <a:shade val="50000"/>
+            </a:schemeClr>
+          </a:lnRef>
+          <a:fillRef idx="1">
+            <a:schemeClr val="accent1"/>
+          </a:fillRef>
+          <a:effectRef idx="0">
+            <a:schemeClr val="accent1"/>
+          </a:effectRef>
+          <a:fontRef idx="minor">
+            <a:schemeClr val="lt1"/>
+          </a:fontRef>
+        </p:style>
+        <p:txBody>
+          <a:bodyPr rtlCol="0" anchor="ctr"/>
+          <a:lstStyle/>
+          <a:p>
+            <a:pPr algn="ctr"/>
+            <a:endParaRPr lang="en-US"/>
+          </a:p>
+        </p:txBody>
+      </p:sp>
+      <p:sp>
+        <p:nvSpPr>
+          <p:cNvPr id="34" name="Rectangle 33"/>
+          <p:cNvSpPr/>
+          <p:nvPr/>
+        </p:nvSpPr>
+        <p:spPr>
+          <a:xfrm>
+            <a:off x="13173464" y="5999519"/>
+            <a:ext cx="1141144" cy="1141144"/>
+          </a:xfrm>
+          <a:prstGeom prst="rect">
+            <a:avLst/>
+          </a:prstGeom>
+          <a:solidFill>
+            <a:schemeClr val="accent2"/>
+          </a:solidFill>
+          <a:ln>
+            <a:noFill/>
+          </a:ln>
+        </p:spPr>
+        <p:style>
+          <a:lnRef idx="2">
+            <a:schemeClr val="accent1">
+              <a:shade val="50000"/>
+            </a:schemeClr>
+          </a:lnRef>
+          <a:fillRef idx="1">
+            <a:schemeClr val="accent1"/>
+          </a:fillRef>
+          <a:effectRef idx="0">
+            <a:schemeClr val="accent1"/>
+          </a:effectRef>
+          <a:fontRef idx="minor">
+            <a:schemeClr val="lt1"/>
+          </a:fontRef>
+        </p:style>
+        <p:txBody>
+          <a:bodyPr rtlCol="0" anchor="ctr"/>
+          <a:lstStyle/>
+          <a:p>
+            <a:pPr algn="ctr"/>
+            <a:endParaRPr lang="en-US"/>
+          </a:p>
+        </p:txBody>
+      </p:sp>
+      <p:sp>
+        <p:nvSpPr>
+          <p:cNvPr id="35" name="Rectangle 34"/>
+          <p:cNvSpPr/>
+          <p:nvPr/>
+        </p:nvSpPr>
+        <p:spPr>
+          <a:xfrm>
+            <a:off x="13189268" y="4300831"/>
+            <a:ext cx="1141144" cy="1141144"/>
+          </a:xfrm>
+          <a:prstGeom prst="rect">
+            <a:avLst/>
+          </a:prstGeom>
+          <a:solidFill>
+            <a:schemeClr val="accent5"/>
+          </a:solidFill>
+          <a:ln>
+            <a:noFill/>
+          </a:ln>
+        </p:spPr>
+        <p:style>
+          <a:lnRef idx="2">
+            <a:schemeClr val="accent1">
+              <a:shade val="50000"/>
+            </a:schemeClr>
+          </a:lnRef>
+          <a:fillRef idx="1">
+            <a:schemeClr val="accent1"/>
+          </a:fillRef>
+          <a:effectRef idx="0">
+            <a:schemeClr val="accent1"/>
+          </a:effectRef>
+          <a:fontRef idx="minor">
+            <a:schemeClr val="lt1"/>
+          </a:fontRef>
+        </p:style>
+        <p:txBody>
+          <a:bodyPr rtlCol="0" anchor="ctr"/>
+          <a:lstStyle/>
+          <a:p>
+            <a:pPr algn="ctr"/>
+            <a:endParaRPr lang="en-US"/>
+          </a:p>
+        </p:txBody>
+      </p:sp>
+      <p:sp>
+        <p:nvSpPr>
+          <p:cNvPr id="36" name="Rectangle 35"/>
+          <p:cNvSpPr/>
+          <p:nvPr/>
+        </p:nvSpPr>
+        <p:spPr>
+          <a:xfrm>
+            <a:off x="13189268" y="2778566"/>
+            <a:ext cx="1141144" cy="1141144"/>
+          </a:xfrm>
+          <a:prstGeom prst="rect">
+            <a:avLst/>
+          </a:prstGeom>
+          <a:solidFill>
+            <a:schemeClr val="accent3"/>
+          </a:solidFill>
+          <a:ln>
+            <a:noFill/>
+          </a:ln>
+        </p:spPr>
+        <p:style>
+          <a:lnRef idx="2">
+            <a:schemeClr val="accent1">
+              <a:shade val="50000"/>
+            </a:schemeClr>
+          </a:lnRef>
+          <a:fillRef idx="1">
+            <a:schemeClr val="accent1"/>
+          </a:fillRef>
+          <a:effectRef idx="0">
+            <a:schemeClr val="accent1"/>
+          </a:effectRef>
+          <a:fontRef idx="minor">
+            <a:schemeClr val="lt1"/>
+          </a:fontRef>
+        </p:style>
+        <p:txBody>
+          <a:bodyPr rtlCol="0" anchor="ctr"/>
+          <a:lstStyle/>
+          <a:p>
+            <a:pPr algn="ctr"/>
+            <a:endParaRPr lang="en-US"/>
+          </a:p>
+        </p:txBody>
+      </p:sp>
+      <p:sp>
+        <p:nvSpPr>
+          <p:cNvPr id="37" name="Rectangle 36"/>
+          <p:cNvSpPr/>
+          <p:nvPr/>
+        </p:nvSpPr>
+        <p:spPr>
+          <a:xfrm>
+            <a:off x="13189268" y="1306751"/>
+            <a:ext cx="1141144" cy="1141144"/>
+          </a:xfrm>
+          <a:prstGeom prst="rect">
+            <a:avLst/>
+          </a:prstGeom>
+          <a:ln>
+            <a:noFill/>
+          </a:ln>
+        </p:spPr>
+        <p:style>
+          <a:lnRef idx="2">
+            <a:schemeClr val="accent1">
+              <a:shade val="50000"/>
+            </a:schemeClr>
+          </a:lnRef>
+          <a:fillRef idx="1">
+            <a:schemeClr val="accent1"/>
+          </a:fillRef>
+          <a:effectRef idx="0">
+            <a:schemeClr val="accent1"/>
+          </a:effectRef>
+          <a:fontRef idx="minor">
+            <a:schemeClr val="lt1"/>
+          </a:fontRef>
+        </p:style>
+        <p:txBody>
+          <a:bodyPr rtlCol="0" anchor="ctr"/>
+          <a:lstStyle/>
+          <a:p>
+            <a:pPr algn="ctr"/>
+            <a:endParaRPr lang="en-US"/>
+          </a:p>
+        </p:txBody>
+      </p:sp>
+      <p:sp>
+        <p:nvSpPr>
+          <p:cNvPr id="38" name="ZoneTexte 37">
+            <a:extLst>
+              <a:ext uri="{FF2B5EF4-FFF2-40B4-BE49-F238E27FC236}">
+                <a16:creationId xmlns:a16="http://schemas.microsoft.com/office/drawing/2014/main" id="{651F2532-01D2-4FBC-85C2-B3D12D1EAC5E}"/>
+              </a:ext>
+            </a:extLst>
+          </p:cNvPr>
+          <p:cNvSpPr txBox="1"/>
+          <p:nvPr/>
+        </p:nvSpPr>
+        <p:spPr>
+          <a:xfrm>
+            <a:off x="13481364" y="1544948"/>
+            <a:ext cx="555548" cy="646331"/>
+          </a:xfrm>
+          <a:prstGeom prst="rect">
+            <a:avLst/>
+          </a:prstGeom>
+          <a:noFill/>
+        </p:spPr>
+        <p:txBody>
+          <a:bodyPr wrap="square" rtlCol="0">
+            <a:spAutoFit/>
+          </a:bodyPr>
+          <a:lstStyle/>
+          <a:p>
+            <a:pPr algn="ctr"/>
+            <a:r>
+              <a:rPr lang="en-GB" b="1" dirty="0">
+                <a:solidFill>
+                  <a:schemeClr val="bg1"/>
+                </a:solidFill>
+                <a:latin typeface="Poppins Bold" panose="02000000000000000000"/>
+              </a:rPr>
+              <a:t>1</a:t>
+            </a:r>
+          </a:p>
+        </p:txBody>
+      </p:sp>
+      <p:sp>
+        <p:nvSpPr>
+          <p:cNvPr id="39" name="ZoneTexte 38">
+            <a:extLst>
+              <a:ext uri="{FF2B5EF4-FFF2-40B4-BE49-F238E27FC236}">
+                <a16:creationId xmlns:a16="http://schemas.microsoft.com/office/drawing/2014/main" id="{D7CECE7E-280A-4B54-BB47-D1A53A4D7CAD}"/>
+              </a:ext>
+            </a:extLst>
+          </p:cNvPr>
+          <p:cNvSpPr txBox="1"/>
+          <p:nvPr/>
+        </p:nvSpPr>
+        <p:spPr>
+          <a:xfrm>
+            <a:off x="13495741" y="3008555"/>
+            <a:ext cx="555548" cy="646331"/>
+          </a:xfrm>
+          <a:prstGeom prst="rect">
+            <a:avLst/>
+          </a:prstGeom>
+          <a:noFill/>
+        </p:spPr>
+        <p:txBody>
+          <a:bodyPr wrap="square" rtlCol="0">
+            <a:spAutoFit/>
+          </a:bodyPr>
+          <a:lstStyle/>
+          <a:p>
+            <a:pPr algn="ctr"/>
+            <a:r>
+              <a:rPr lang="en-GB" b="1" dirty="0">
+                <a:solidFill>
+                  <a:schemeClr val="bg1"/>
+                </a:solidFill>
+                <a:latin typeface="Poppins Bold" panose="02000000000000000000"/>
+              </a:rPr>
+              <a:t>2</a:t>
+            </a:r>
+          </a:p>
+        </p:txBody>
+      </p:sp>
+      <p:sp>
+        <p:nvSpPr>
+          <p:cNvPr id="40" name="ZoneTexte 39">
+            <a:extLst>
+              <a:ext uri="{FF2B5EF4-FFF2-40B4-BE49-F238E27FC236}">
+                <a16:creationId xmlns:a16="http://schemas.microsoft.com/office/drawing/2014/main" id="{CD642024-8AC6-49A5-9655-212E5111F8C3}"/>
+              </a:ext>
+            </a:extLst>
+          </p:cNvPr>
+          <p:cNvSpPr txBox="1"/>
+          <p:nvPr/>
+        </p:nvSpPr>
+        <p:spPr>
+          <a:xfrm>
+            <a:off x="13478487" y="4578560"/>
+            <a:ext cx="555548" cy="646331"/>
+          </a:xfrm>
+          <a:prstGeom prst="rect">
+            <a:avLst/>
+          </a:prstGeom>
+          <a:noFill/>
+        </p:spPr>
+        <p:txBody>
+          <a:bodyPr wrap="square" rtlCol="0">
+            <a:spAutoFit/>
+          </a:bodyPr>
+          <a:lstStyle/>
+          <a:p>
+            <a:pPr algn="ctr"/>
+            <a:r>
+              <a:rPr lang="en-GB" b="1" dirty="0">
+                <a:solidFill>
+                  <a:schemeClr val="bg1"/>
+                </a:solidFill>
+                <a:latin typeface="Poppins Bold" panose="02000000000000000000"/>
+              </a:rPr>
+              <a:t>3</a:t>
+            </a:r>
+          </a:p>
+        </p:txBody>
+      </p:sp>
+      <p:sp>
+        <p:nvSpPr>
+          <p:cNvPr id="41" name="ZoneTexte 40">
+            <a:extLst>
+              <a:ext uri="{FF2B5EF4-FFF2-40B4-BE49-F238E27FC236}">
+                <a16:creationId xmlns:a16="http://schemas.microsoft.com/office/drawing/2014/main" id="{5AC7D2DC-15BD-4081-84F2-3785FE59DC6C}"/>
+              </a:ext>
+            </a:extLst>
+          </p:cNvPr>
+          <p:cNvSpPr txBox="1"/>
+          <p:nvPr/>
+        </p:nvSpPr>
+        <p:spPr>
+          <a:xfrm>
+            <a:off x="13475612" y="9182188"/>
+            <a:ext cx="555548" cy="646331"/>
+          </a:xfrm>
+          <a:prstGeom prst="rect">
+            <a:avLst/>
+          </a:prstGeom>
+          <a:noFill/>
+        </p:spPr>
+        <p:txBody>
+          <a:bodyPr wrap="square" rtlCol="0">
+            <a:spAutoFit/>
+          </a:bodyPr>
+          <a:lstStyle/>
+          <a:p>
+            <a:pPr algn="ctr"/>
+            <a:r>
+              <a:rPr lang="en-GB" b="1" dirty="0">
+                <a:solidFill>
+                  <a:schemeClr val="bg1"/>
+                </a:solidFill>
+                <a:latin typeface="Poppins Bold" panose="02000000000000000000"/>
+              </a:rPr>
+              <a:t>5</a:t>
+            </a:r>
+          </a:p>
+        </p:txBody>
+      </p:sp>
+      <p:sp>
+        <p:nvSpPr>
+          <p:cNvPr id="42" name="ZoneTexte 41">
+            <a:extLst>
+              <a:ext uri="{FF2B5EF4-FFF2-40B4-BE49-F238E27FC236}">
+                <a16:creationId xmlns:a16="http://schemas.microsoft.com/office/drawing/2014/main" id="{E78B6AD7-150A-42E3-8C69-7773159629D9}"/>
+              </a:ext>
+            </a:extLst>
+          </p:cNvPr>
+          <p:cNvSpPr txBox="1"/>
+          <p:nvPr/>
+        </p:nvSpPr>
+        <p:spPr>
+          <a:xfrm>
+            <a:off x="13472739" y="6229084"/>
+            <a:ext cx="555548" cy="646331"/>
+          </a:xfrm>
+          <a:prstGeom prst="rect">
+            <a:avLst/>
+          </a:prstGeom>
+          <a:noFill/>
+        </p:spPr>
+        <p:txBody>
+          <a:bodyPr wrap="square" rtlCol="0">
+            <a:spAutoFit/>
+          </a:bodyPr>
+          <a:lstStyle/>
+          <a:p>
+            <a:pPr algn="ctr"/>
+            <a:r>
+              <a:rPr lang="en-GB" b="1" dirty="0">
+                <a:solidFill>
+                  <a:schemeClr val="bg1"/>
+                </a:solidFill>
+                <a:latin typeface="Poppins Bold" panose="02000000000000000000"/>
+              </a:rPr>
+              <a:t>4</a:t>
+            </a:r>
+          </a:p>
+        </p:txBody>
+      </p:sp>
+      <p:sp>
+        <p:nvSpPr>
+          <p:cNvPr id="43" name="TextBox 70"/>
+          <p:cNvSpPr txBox="1"/>
+          <p:nvPr/>
+        </p:nvSpPr>
+        <p:spPr>
+          <a:xfrm>
+            <a:off x="14421641" y="1330456"/>
+            <a:ext cx="6901441" cy="523220"/>
+          </a:xfrm>
+          <a:prstGeom prst="rect">
+            <a:avLst/>
+          </a:prstGeom>
+          <a:noFill/>
+        </p:spPr>
+        <p:txBody>
+          <a:bodyPr wrap="none" rtlCol="0">
+            <a:spAutoFit/>
+          </a:bodyPr>
+          <a:lstStyle/>
+          <a:p>
+            <a:r>
+              <a:rPr lang="en-US" sz="2800" b="1" dirty="0">
+                <a:solidFill>
+                  <a:schemeClr val="tx2"/>
+                </a:solidFill>
+                <a:latin typeface="Poppins Bold" panose="02000000000000000000" pitchFamily="2" charset="77"/>
+                <a:ea typeface="Roboto" charset="0"/>
+                <a:cs typeface="Poppins Bold" panose="02000000000000000000" pitchFamily="2" charset="77"/>
+              </a:rPr>
+              <a:t>public void </a:t>
+            </a:r>
+            <a:r>
+              <a:rPr lang="en-US" sz="2800" b="1" dirty="0" err="1">
+                <a:solidFill>
+                  <a:schemeClr val="tx2"/>
+                </a:solidFill>
+                <a:latin typeface="Poppins Bold" panose="02000000000000000000" pitchFamily="2" charset="77"/>
+                <a:ea typeface="Roboto" charset="0"/>
+                <a:cs typeface="Poppins Bold" panose="02000000000000000000" pitchFamily="2" charset="77"/>
+              </a:rPr>
+              <a:t>freqFileToArray</a:t>
+            </a:r>
+            <a:r>
+              <a:rPr lang="en-US" sz="2800" b="1" dirty="0">
+                <a:solidFill>
+                  <a:schemeClr val="tx2"/>
+                </a:solidFill>
+                <a:latin typeface="Poppins Bold" panose="02000000000000000000" pitchFamily="2" charset="77"/>
+                <a:ea typeface="Roboto" charset="0"/>
+                <a:cs typeface="Poppins Bold" panose="02000000000000000000" pitchFamily="2" charset="77"/>
+              </a:rPr>
+              <a:t>(String URL)</a:t>
+            </a:r>
+            <a:endParaRPr lang="en-US" sz="2800" b="1" dirty="0">
+              <a:solidFill>
+                <a:schemeClr val="tx2"/>
+              </a:solidFill>
+              <a:latin typeface="Poppins Bold" panose="02000000000000000000" pitchFamily="2" charset="77"/>
+              <a:ea typeface="Roboto" charset="0"/>
+              <a:cs typeface="Poppins Bold" panose="02000000000000000000" pitchFamily="2" charset="77"/>
+            </a:endParaRPr>
+          </a:p>
+        </p:txBody>
+      </p:sp>
+      <p:sp>
+        <p:nvSpPr>
+          <p:cNvPr id="45" name="Rectangle 44"/>
+          <p:cNvSpPr/>
+          <p:nvPr/>
+        </p:nvSpPr>
+        <p:spPr>
+          <a:xfrm>
+            <a:off x="13170975" y="10619782"/>
+            <a:ext cx="1141144" cy="1141144"/>
+          </a:xfrm>
+          <a:prstGeom prst="rect">
+            <a:avLst/>
+          </a:prstGeom>
+          <a:solidFill>
+            <a:srgbClr val="FF5F90"/>
+          </a:solidFill>
+          <a:ln>
+            <a:noFill/>
+          </a:ln>
+        </p:spPr>
+        <p:style>
+          <a:lnRef idx="2">
+            <a:schemeClr val="accent1">
+              <a:shade val="50000"/>
+            </a:schemeClr>
+          </a:lnRef>
+          <a:fillRef idx="1">
+            <a:schemeClr val="accent1"/>
+          </a:fillRef>
+          <a:effectRef idx="0">
+            <a:schemeClr val="accent1"/>
+          </a:effectRef>
+          <a:fontRef idx="minor">
+            <a:schemeClr val="lt1"/>
+          </a:fontRef>
+        </p:style>
+        <p:txBody>
+          <a:bodyPr rtlCol="0" anchor="ctr"/>
+          <a:lstStyle/>
+          <a:p>
+            <a:pPr algn="ctr"/>
+            <a:endParaRPr lang="en-US"/>
+          </a:p>
+        </p:txBody>
+      </p:sp>
+      <p:sp>
+        <p:nvSpPr>
+          <p:cNvPr id="47" name="ZoneTexte 46">
+            <a:extLst>
+              <a:ext uri="{FF2B5EF4-FFF2-40B4-BE49-F238E27FC236}">
+                <a16:creationId xmlns:a16="http://schemas.microsoft.com/office/drawing/2014/main" id="{E78B6AD7-150A-42E3-8C69-7773159629D9}"/>
+              </a:ext>
+            </a:extLst>
+          </p:cNvPr>
+          <p:cNvSpPr txBox="1"/>
+          <p:nvPr/>
+        </p:nvSpPr>
+        <p:spPr>
+          <a:xfrm>
+            <a:off x="13470250" y="10970118"/>
+            <a:ext cx="555548" cy="646331"/>
+          </a:xfrm>
+          <a:prstGeom prst="rect">
+            <a:avLst/>
+          </a:prstGeom>
+          <a:noFill/>
+        </p:spPr>
+        <p:txBody>
+          <a:bodyPr wrap="square" rtlCol="0">
+            <a:spAutoFit/>
+          </a:bodyPr>
+          <a:lstStyle/>
+          <a:p>
+            <a:pPr algn="ctr"/>
+            <a:r>
+              <a:rPr lang="en-GB" b="1" dirty="0">
+                <a:solidFill>
+                  <a:schemeClr val="bg1"/>
+                </a:solidFill>
+                <a:latin typeface="Poppins Bold" panose="02000000000000000000"/>
+              </a:rPr>
+              <a:t>6</a:t>
+            </a:r>
+            <a:endParaRPr lang="en-GB" b="1" dirty="0">
+              <a:solidFill>
+                <a:schemeClr val="bg1"/>
+              </a:solidFill>
+              <a:latin typeface="Poppins Bold" panose="02000000000000000000"/>
+            </a:endParaRPr>
+          </a:p>
+        </p:txBody>
+      </p:sp>
+      <p:sp>
+        <p:nvSpPr>
+          <p:cNvPr id="48" name="ZoneTexte 47"/>
+          <p:cNvSpPr txBox="1"/>
+          <p:nvPr/>
+        </p:nvSpPr>
+        <p:spPr>
+          <a:xfrm>
+            <a:off x="14421640" y="1828967"/>
+            <a:ext cx="8467465" cy="707886"/>
+          </a:xfrm>
+          <a:prstGeom prst="rect">
+            <a:avLst/>
+          </a:prstGeom>
+          <a:noFill/>
+        </p:spPr>
+        <p:txBody>
+          <a:bodyPr wrap="square" rtlCol="0">
+            <a:spAutoFit/>
+          </a:bodyPr>
+          <a:lstStyle/>
+          <a:p>
+            <a:pPr algn="just"/>
+            <a:r>
+              <a:rPr lang="en-US" sz="2000" dirty="0" smtClean="0">
+                <a:solidFill>
+                  <a:schemeClr val="bg1">
+                    <a:lumMod val="50000"/>
+                  </a:schemeClr>
+                </a:solidFill>
+                <a:latin typeface="Poppins"/>
+              </a:rPr>
+              <a:t>Read </a:t>
+            </a:r>
+            <a:r>
+              <a:rPr lang="en-US" sz="2000" dirty="0">
+                <a:solidFill>
+                  <a:schemeClr val="bg1">
+                    <a:lumMod val="50000"/>
+                  </a:schemeClr>
+                </a:solidFill>
+                <a:latin typeface="Poppins"/>
+              </a:rPr>
+              <a:t>the frequencies file and insert the data read into a 255 integer </a:t>
+            </a:r>
+            <a:r>
+              <a:rPr lang="en-US" sz="2000" dirty="0" smtClean="0">
+                <a:solidFill>
+                  <a:schemeClr val="bg1">
+                    <a:lumMod val="50000"/>
+                  </a:schemeClr>
+                </a:solidFill>
+                <a:latin typeface="Poppins"/>
+              </a:rPr>
+              <a:t>array </a:t>
+            </a:r>
+            <a:r>
+              <a:rPr lang="en-US" sz="2000" dirty="0">
+                <a:solidFill>
+                  <a:schemeClr val="bg1">
+                    <a:lumMod val="50000"/>
+                  </a:schemeClr>
+                </a:solidFill>
+                <a:latin typeface="Poppins"/>
+              </a:rPr>
+              <a:t>which represents characters from the text</a:t>
+            </a:r>
+            <a:endParaRPr lang="fr-FR" sz="2000" dirty="0">
+              <a:solidFill>
+                <a:schemeClr val="bg1">
+                  <a:lumMod val="50000"/>
+                </a:schemeClr>
+              </a:solidFill>
+              <a:latin typeface="Poppins"/>
+            </a:endParaRPr>
+          </a:p>
+        </p:txBody>
+      </p:sp>
+      <p:sp>
+        <p:nvSpPr>
+          <p:cNvPr id="49" name="TextBox 70"/>
+          <p:cNvSpPr txBox="1"/>
+          <p:nvPr/>
+        </p:nvSpPr>
+        <p:spPr>
+          <a:xfrm>
+            <a:off x="14367006" y="2742311"/>
+            <a:ext cx="8391464" cy="523220"/>
+          </a:xfrm>
+          <a:prstGeom prst="rect">
+            <a:avLst/>
+          </a:prstGeom>
+          <a:noFill/>
+        </p:spPr>
+        <p:txBody>
+          <a:bodyPr wrap="none" rtlCol="0">
+            <a:spAutoFit/>
+          </a:bodyPr>
+          <a:lstStyle/>
+          <a:p>
+            <a:r>
+              <a:rPr lang="en-US" sz="2800" b="1" dirty="0">
+                <a:solidFill>
+                  <a:schemeClr val="tx2"/>
+                </a:solidFill>
+                <a:latin typeface="Poppins Bold" panose="02000000000000000000" pitchFamily="2" charset="77"/>
+                <a:ea typeface="Roboto" charset="0"/>
+                <a:cs typeface="Poppins Bold" panose="02000000000000000000" pitchFamily="2" charset="77"/>
+              </a:rPr>
+              <a:t>public String </a:t>
+            </a:r>
+            <a:r>
+              <a:rPr lang="en-US" sz="2800" b="1" dirty="0" err="1">
+                <a:solidFill>
+                  <a:schemeClr val="tx2"/>
+                </a:solidFill>
+                <a:latin typeface="Poppins Bold" panose="02000000000000000000" pitchFamily="2" charset="77"/>
+                <a:ea typeface="Roboto" charset="0"/>
+                <a:cs typeface="Poppins Bold" panose="02000000000000000000" pitchFamily="2" charset="77"/>
+              </a:rPr>
+              <a:t>compressedToBinCode</a:t>
+            </a:r>
+            <a:r>
+              <a:rPr lang="en-US" sz="2800" b="1" dirty="0">
+                <a:solidFill>
+                  <a:schemeClr val="tx2"/>
+                </a:solidFill>
+                <a:latin typeface="Poppins Bold" panose="02000000000000000000" pitchFamily="2" charset="77"/>
+                <a:ea typeface="Roboto" charset="0"/>
+                <a:cs typeface="Poppins Bold" panose="02000000000000000000" pitchFamily="2" charset="77"/>
+              </a:rPr>
+              <a:t>(String URL)</a:t>
+            </a:r>
+            <a:endParaRPr lang="en-US" sz="2800" b="1" dirty="0">
+              <a:solidFill>
+                <a:schemeClr val="tx2"/>
+              </a:solidFill>
+              <a:latin typeface="Poppins Bold" panose="02000000000000000000" pitchFamily="2" charset="77"/>
+              <a:ea typeface="Roboto" charset="0"/>
+              <a:cs typeface="Poppins Bold" panose="02000000000000000000" pitchFamily="2" charset="77"/>
+            </a:endParaRPr>
+          </a:p>
+        </p:txBody>
+      </p:sp>
+      <p:sp>
+        <p:nvSpPr>
+          <p:cNvPr id="50" name="ZoneTexte 49"/>
+          <p:cNvSpPr txBox="1"/>
+          <p:nvPr/>
+        </p:nvSpPr>
+        <p:spPr>
+          <a:xfrm>
+            <a:off x="14367005" y="3240822"/>
+            <a:ext cx="8522100" cy="707886"/>
+          </a:xfrm>
+          <a:prstGeom prst="rect">
+            <a:avLst/>
+          </a:prstGeom>
+          <a:noFill/>
+        </p:spPr>
+        <p:txBody>
+          <a:bodyPr wrap="square" rtlCol="0">
+            <a:spAutoFit/>
+          </a:bodyPr>
+          <a:lstStyle/>
+          <a:p>
+            <a:pPr algn="just"/>
+            <a:r>
+              <a:rPr lang="en-US" sz="2000" dirty="0" smtClean="0">
+                <a:solidFill>
+                  <a:schemeClr val="bg1">
+                    <a:lumMod val="50000"/>
+                  </a:schemeClr>
+                </a:solidFill>
+                <a:latin typeface="Poppins"/>
+              </a:rPr>
+              <a:t>Read </a:t>
+            </a:r>
+            <a:r>
+              <a:rPr lang="en-US" sz="2000" dirty="0">
+                <a:solidFill>
+                  <a:schemeClr val="bg1">
+                    <a:lumMod val="50000"/>
+                  </a:schemeClr>
+                </a:solidFill>
+                <a:latin typeface="Poppins"/>
+              </a:rPr>
+              <a:t>every characters of the compressed file and convert </a:t>
+            </a:r>
+            <a:r>
+              <a:rPr lang="en-US" sz="2000" dirty="0" smtClean="0">
+                <a:solidFill>
+                  <a:schemeClr val="bg1">
+                    <a:lumMod val="50000"/>
+                  </a:schemeClr>
+                </a:solidFill>
+                <a:latin typeface="Poppins"/>
+              </a:rPr>
+              <a:t>them into </a:t>
+            </a:r>
+            <a:r>
+              <a:rPr lang="en-US" sz="2000" dirty="0">
+                <a:solidFill>
+                  <a:schemeClr val="bg1">
+                    <a:lumMod val="50000"/>
+                  </a:schemeClr>
+                </a:solidFill>
+                <a:latin typeface="Poppins"/>
+              </a:rPr>
+              <a:t>bytes, then add them to a Binary chain which is returned.</a:t>
+            </a:r>
+            <a:endParaRPr lang="fr-FR" sz="2000" dirty="0">
+              <a:solidFill>
+                <a:schemeClr val="bg1">
+                  <a:lumMod val="50000"/>
+                </a:schemeClr>
+              </a:solidFill>
+              <a:latin typeface="Poppins"/>
+            </a:endParaRPr>
+          </a:p>
+        </p:txBody>
+      </p:sp>
+      <p:sp>
+        <p:nvSpPr>
+          <p:cNvPr id="61" name="TextBox 70"/>
+          <p:cNvSpPr txBox="1"/>
+          <p:nvPr/>
+        </p:nvSpPr>
+        <p:spPr>
+          <a:xfrm>
+            <a:off x="14366863" y="4243302"/>
+            <a:ext cx="7889852" cy="523220"/>
+          </a:xfrm>
+          <a:prstGeom prst="rect">
+            <a:avLst/>
+          </a:prstGeom>
+          <a:noFill/>
+        </p:spPr>
+        <p:txBody>
+          <a:bodyPr wrap="none" rtlCol="0">
+            <a:spAutoFit/>
+          </a:bodyPr>
+          <a:lstStyle/>
+          <a:p>
+            <a:r>
+              <a:rPr lang="en-US" sz="2800" b="1" dirty="0">
+                <a:solidFill>
+                  <a:schemeClr val="tx2"/>
+                </a:solidFill>
+                <a:latin typeface="Poppins Bold" panose="02000000000000000000" pitchFamily="2" charset="77"/>
+                <a:ea typeface="Roboto" charset="0"/>
+                <a:cs typeface="Poppins Bold" panose="02000000000000000000" pitchFamily="2" charset="77"/>
+              </a:rPr>
+              <a:t>private </a:t>
+            </a:r>
+            <a:r>
+              <a:rPr lang="en-US" sz="2800" b="1" dirty="0" err="1">
+                <a:solidFill>
+                  <a:schemeClr val="tx2"/>
+                </a:solidFill>
+                <a:latin typeface="Poppins Bold" panose="02000000000000000000" pitchFamily="2" charset="77"/>
+                <a:ea typeface="Roboto" charset="0"/>
+                <a:cs typeface="Poppins Bold" panose="02000000000000000000" pitchFamily="2" charset="77"/>
+              </a:rPr>
+              <a:t>ArrayList</a:t>
+            </a:r>
+            <a:r>
+              <a:rPr lang="en-US" sz="2800" b="1" dirty="0">
+                <a:solidFill>
+                  <a:schemeClr val="tx2"/>
+                </a:solidFill>
+                <a:latin typeface="Poppins Bold" panose="02000000000000000000" pitchFamily="2" charset="77"/>
+                <a:ea typeface="Roboto" charset="0"/>
+                <a:cs typeface="Poppins Bold" panose="02000000000000000000" pitchFamily="2" charset="77"/>
+              </a:rPr>
+              <a:t>&lt;Node&gt; </a:t>
+            </a:r>
+            <a:r>
+              <a:rPr lang="en-US" sz="2800" b="1" dirty="0" err="1">
+                <a:solidFill>
+                  <a:schemeClr val="tx2"/>
+                </a:solidFill>
+                <a:latin typeface="Poppins Bold" panose="02000000000000000000" pitchFamily="2" charset="77"/>
+                <a:ea typeface="Roboto" charset="0"/>
+                <a:cs typeface="Poppins Bold" panose="02000000000000000000" pitchFamily="2" charset="77"/>
+              </a:rPr>
+              <a:t>fillNodes</a:t>
+            </a:r>
+            <a:r>
+              <a:rPr lang="en-US" sz="2800" b="1" dirty="0">
+                <a:solidFill>
+                  <a:schemeClr val="tx2"/>
+                </a:solidFill>
+                <a:latin typeface="Poppins Bold" panose="02000000000000000000" pitchFamily="2" charset="77"/>
+                <a:ea typeface="Roboto" charset="0"/>
+                <a:cs typeface="Poppins Bold" panose="02000000000000000000" pitchFamily="2" charset="77"/>
+              </a:rPr>
+              <a:t>(</a:t>
+            </a:r>
+            <a:r>
+              <a:rPr lang="en-US" sz="2800" b="1" dirty="0" err="1">
+                <a:solidFill>
+                  <a:schemeClr val="tx2"/>
+                </a:solidFill>
+                <a:latin typeface="Poppins Bold" panose="02000000000000000000" pitchFamily="2" charset="77"/>
+                <a:ea typeface="Roboto" charset="0"/>
+                <a:cs typeface="Poppins Bold" panose="02000000000000000000" pitchFamily="2" charset="77"/>
+              </a:rPr>
+              <a:t>int</a:t>
+            </a:r>
+            <a:r>
+              <a:rPr lang="en-US" sz="2800" b="1" dirty="0">
+                <a:solidFill>
+                  <a:schemeClr val="tx2"/>
+                </a:solidFill>
+                <a:latin typeface="Poppins Bold" panose="02000000000000000000" pitchFamily="2" charset="77"/>
+                <a:ea typeface="Roboto" charset="0"/>
+                <a:cs typeface="Poppins Bold" panose="02000000000000000000" pitchFamily="2" charset="77"/>
+              </a:rPr>
+              <a:t>[] </a:t>
+            </a:r>
+            <a:r>
+              <a:rPr lang="en-US" sz="2800" b="1" dirty="0" err="1">
+                <a:solidFill>
+                  <a:schemeClr val="tx2"/>
+                </a:solidFill>
+                <a:latin typeface="Poppins Bold" panose="02000000000000000000" pitchFamily="2" charset="77"/>
+                <a:ea typeface="Roboto" charset="0"/>
+                <a:cs typeface="Poppins Bold" panose="02000000000000000000" pitchFamily="2" charset="77"/>
+              </a:rPr>
+              <a:t>freq</a:t>
+            </a:r>
+            <a:r>
+              <a:rPr lang="en-US" sz="2800" b="1" dirty="0">
+                <a:solidFill>
+                  <a:schemeClr val="tx2"/>
+                </a:solidFill>
+                <a:latin typeface="Poppins Bold" panose="02000000000000000000" pitchFamily="2" charset="77"/>
+                <a:ea typeface="Roboto" charset="0"/>
+                <a:cs typeface="Poppins Bold" panose="02000000000000000000" pitchFamily="2" charset="77"/>
+              </a:rPr>
+              <a:t>)</a:t>
+            </a:r>
+            <a:endParaRPr lang="en-US" sz="2800" b="1" dirty="0">
+              <a:solidFill>
+                <a:schemeClr val="tx2"/>
+              </a:solidFill>
+              <a:latin typeface="Poppins Bold" panose="02000000000000000000" pitchFamily="2" charset="77"/>
+              <a:ea typeface="Roboto" charset="0"/>
+              <a:cs typeface="Poppins Bold" panose="02000000000000000000" pitchFamily="2" charset="77"/>
+            </a:endParaRPr>
+          </a:p>
+        </p:txBody>
+      </p:sp>
+      <p:sp>
+        <p:nvSpPr>
+          <p:cNvPr id="62" name="ZoneTexte 61"/>
+          <p:cNvSpPr txBox="1"/>
+          <p:nvPr/>
+        </p:nvSpPr>
+        <p:spPr>
+          <a:xfrm>
+            <a:off x="14366862" y="4741813"/>
+            <a:ext cx="8522100" cy="1015663"/>
+          </a:xfrm>
+          <a:prstGeom prst="rect">
+            <a:avLst/>
+          </a:prstGeom>
+          <a:noFill/>
+        </p:spPr>
+        <p:txBody>
+          <a:bodyPr wrap="square" rtlCol="0">
+            <a:spAutoFit/>
+          </a:bodyPr>
+          <a:lstStyle/>
+          <a:p>
+            <a:pPr algn="just"/>
+            <a:r>
+              <a:rPr lang="en-US" sz="2000" dirty="0" smtClean="0">
+                <a:solidFill>
+                  <a:schemeClr val="bg1">
+                    <a:lumMod val="50000"/>
+                  </a:schemeClr>
+                </a:solidFill>
+                <a:latin typeface="Poppins"/>
+              </a:rPr>
+              <a:t>Create </a:t>
+            </a:r>
+            <a:r>
+              <a:rPr lang="en-US" sz="2000" dirty="0">
+                <a:solidFill>
+                  <a:schemeClr val="bg1">
+                    <a:lumMod val="50000"/>
+                  </a:schemeClr>
+                </a:solidFill>
+                <a:latin typeface="Poppins"/>
+              </a:rPr>
+              <a:t>an array of independent nodes containing a code from 0 to 254 and a frequency</a:t>
+            </a:r>
+            <a:r>
+              <a:rPr lang="en-US" sz="2000" dirty="0" smtClean="0">
+                <a:solidFill>
+                  <a:schemeClr val="bg1">
+                    <a:lumMod val="50000"/>
+                  </a:schemeClr>
+                </a:solidFill>
+                <a:latin typeface="Poppins"/>
+              </a:rPr>
+              <a:t>. Order </a:t>
+            </a:r>
+            <a:r>
+              <a:rPr lang="en-US" sz="2000" dirty="0">
+                <a:solidFill>
+                  <a:schemeClr val="bg1">
+                    <a:lumMod val="50000"/>
+                  </a:schemeClr>
+                </a:solidFill>
+                <a:latin typeface="Poppins"/>
+              </a:rPr>
+              <a:t>them in a specific way : find the minimum of frequencies and the minimum </a:t>
+            </a:r>
+            <a:r>
+              <a:rPr lang="en-US" sz="2000" dirty="0" smtClean="0">
+                <a:solidFill>
+                  <a:schemeClr val="bg1">
+                    <a:lumMod val="50000"/>
+                  </a:schemeClr>
+                </a:solidFill>
+                <a:latin typeface="Poppins"/>
+              </a:rPr>
+              <a:t>comparing ASCII </a:t>
+            </a:r>
+            <a:r>
+              <a:rPr lang="en-US" sz="2000" dirty="0">
+                <a:solidFill>
+                  <a:schemeClr val="bg1">
+                    <a:lumMod val="50000"/>
+                  </a:schemeClr>
+                </a:solidFill>
+                <a:latin typeface="Poppins"/>
+              </a:rPr>
+              <a:t>code</a:t>
+            </a:r>
+            <a:endParaRPr lang="fr-FR" sz="2000" dirty="0">
+              <a:solidFill>
+                <a:schemeClr val="bg1">
+                  <a:lumMod val="50000"/>
+                </a:schemeClr>
+              </a:solidFill>
+              <a:latin typeface="Poppins"/>
+            </a:endParaRPr>
+          </a:p>
+        </p:txBody>
+      </p:sp>
+      <p:sp>
+        <p:nvSpPr>
+          <p:cNvPr id="63" name="TextBox 70"/>
+          <p:cNvSpPr txBox="1"/>
+          <p:nvPr/>
+        </p:nvSpPr>
+        <p:spPr>
+          <a:xfrm>
+            <a:off x="14381239" y="5913952"/>
+            <a:ext cx="8431924" cy="523220"/>
+          </a:xfrm>
+          <a:prstGeom prst="rect">
+            <a:avLst/>
+          </a:prstGeom>
+          <a:noFill/>
+        </p:spPr>
+        <p:txBody>
+          <a:bodyPr wrap="none" rtlCol="0">
+            <a:spAutoFit/>
+          </a:bodyPr>
+          <a:lstStyle/>
+          <a:p>
+            <a:r>
+              <a:rPr lang="en-US" sz="2800" b="1" dirty="0">
+                <a:solidFill>
+                  <a:schemeClr val="tx2"/>
+                </a:solidFill>
+                <a:latin typeface="Poppins Bold" panose="02000000000000000000" pitchFamily="2" charset="77"/>
+                <a:ea typeface="Roboto" charset="0"/>
+                <a:cs typeface="Poppins Bold" panose="02000000000000000000" pitchFamily="2" charset="77"/>
+              </a:rPr>
+              <a:t>private Node </a:t>
+            </a:r>
+            <a:r>
+              <a:rPr lang="en-US" sz="2800" b="1" dirty="0" err="1">
+                <a:solidFill>
+                  <a:schemeClr val="tx2"/>
+                </a:solidFill>
+                <a:latin typeface="Poppins Bold" panose="02000000000000000000" pitchFamily="2" charset="77"/>
+                <a:ea typeface="Roboto" charset="0"/>
+                <a:cs typeface="Poppins Bold" panose="02000000000000000000" pitchFamily="2" charset="77"/>
+              </a:rPr>
+              <a:t>buildTree</a:t>
+            </a:r>
+            <a:r>
+              <a:rPr lang="en-US" sz="2800" b="1" dirty="0">
+                <a:solidFill>
+                  <a:schemeClr val="tx2"/>
+                </a:solidFill>
+                <a:latin typeface="Poppins Bold" panose="02000000000000000000" pitchFamily="2" charset="77"/>
+                <a:ea typeface="Roboto" charset="0"/>
+                <a:cs typeface="Poppins Bold" panose="02000000000000000000" pitchFamily="2" charset="77"/>
+              </a:rPr>
+              <a:t>(</a:t>
+            </a:r>
+            <a:r>
+              <a:rPr lang="en-US" sz="2800" b="1" dirty="0" err="1">
+                <a:solidFill>
+                  <a:schemeClr val="tx2"/>
+                </a:solidFill>
+                <a:latin typeface="Poppins Bold" panose="02000000000000000000" pitchFamily="2" charset="77"/>
+                <a:ea typeface="Roboto" charset="0"/>
+                <a:cs typeface="Poppins Bold" panose="02000000000000000000" pitchFamily="2" charset="77"/>
+              </a:rPr>
+              <a:t>ArrayList</a:t>
+            </a:r>
+            <a:r>
+              <a:rPr lang="en-US" sz="2800" b="1" dirty="0">
+                <a:solidFill>
+                  <a:schemeClr val="tx2"/>
+                </a:solidFill>
+                <a:latin typeface="Poppins Bold" panose="02000000000000000000" pitchFamily="2" charset="77"/>
+                <a:ea typeface="Roboto" charset="0"/>
+                <a:cs typeface="Poppins Bold" panose="02000000000000000000" pitchFamily="2" charset="77"/>
+              </a:rPr>
+              <a:t>&lt;Node&gt; nodes)</a:t>
+            </a:r>
+            <a:endParaRPr lang="en-US" sz="2800" b="1" dirty="0">
+              <a:solidFill>
+                <a:schemeClr val="tx2"/>
+              </a:solidFill>
+              <a:latin typeface="Poppins Bold" panose="02000000000000000000" pitchFamily="2" charset="77"/>
+              <a:ea typeface="Roboto" charset="0"/>
+              <a:cs typeface="Poppins Bold" panose="02000000000000000000" pitchFamily="2" charset="77"/>
+            </a:endParaRPr>
+          </a:p>
+        </p:txBody>
+      </p:sp>
+      <p:sp>
+        <p:nvSpPr>
+          <p:cNvPr id="64" name="ZoneTexte 63"/>
+          <p:cNvSpPr txBox="1"/>
+          <p:nvPr/>
+        </p:nvSpPr>
+        <p:spPr>
+          <a:xfrm>
+            <a:off x="14381238" y="6412463"/>
+            <a:ext cx="8507723" cy="2246769"/>
+          </a:xfrm>
+          <a:prstGeom prst="rect">
+            <a:avLst/>
+          </a:prstGeom>
+          <a:noFill/>
+        </p:spPr>
+        <p:txBody>
+          <a:bodyPr wrap="square" rtlCol="0">
+            <a:spAutoFit/>
+          </a:bodyPr>
+          <a:lstStyle/>
+          <a:p>
+            <a:pPr algn="just"/>
+            <a:r>
+              <a:rPr lang="en-US" sz="2000" dirty="0" smtClean="0">
+                <a:solidFill>
+                  <a:schemeClr val="bg1">
+                    <a:lumMod val="50000"/>
+                  </a:schemeClr>
+                </a:solidFill>
+                <a:latin typeface="Poppins"/>
+              </a:rPr>
+              <a:t>Create </a:t>
+            </a:r>
+            <a:r>
+              <a:rPr lang="en-US" sz="2000" dirty="0">
+                <a:solidFill>
+                  <a:schemeClr val="bg1">
+                    <a:lumMod val="50000"/>
+                  </a:schemeClr>
+                </a:solidFill>
+                <a:latin typeface="Poppins"/>
+              </a:rPr>
+              <a:t>a tree from the </a:t>
+            </a:r>
+            <a:r>
+              <a:rPr lang="en-US" sz="2000" dirty="0" err="1">
+                <a:solidFill>
+                  <a:schemeClr val="bg1">
+                    <a:lumMod val="50000"/>
+                  </a:schemeClr>
+                </a:solidFill>
+                <a:latin typeface="Poppins"/>
+              </a:rPr>
+              <a:t>ArrayList</a:t>
+            </a:r>
+            <a:r>
+              <a:rPr lang="en-US" sz="2000" dirty="0">
+                <a:solidFill>
+                  <a:schemeClr val="bg1">
+                    <a:lumMod val="50000"/>
+                  </a:schemeClr>
+                </a:solidFill>
+                <a:latin typeface="Poppins"/>
+              </a:rPr>
+              <a:t> of Nodes we previously </a:t>
+            </a:r>
+            <a:r>
+              <a:rPr lang="en-US" sz="2000" dirty="0" smtClean="0">
+                <a:solidFill>
+                  <a:schemeClr val="bg1">
+                    <a:lumMod val="50000"/>
+                  </a:schemeClr>
+                </a:solidFill>
+                <a:latin typeface="Poppins"/>
+              </a:rPr>
+              <a:t>created. Work </a:t>
+            </a:r>
+            <a:r>
+              <a:rPr lang="en-US" sz="2000" dirty="0">
+                <a:solidFill>
+                  <a:schemeClr val="bg1">
+                    <a:lumMod val="50000"/>
+                  </a:schemeClr>
+                </a:solidFill>
+                <a:latin typeface="Poppins"/>
+              </a:rPr>
+              <a:t>on a clone of the </a:t>
+            </a:r>
+            <a:r>
+              <a:rPr lang="en-US" sz="2000" dirty="0" err="1">
+                <a:solidFill>
+                  <a:schemeClr val="bg1">
+                    <a:lumMod val="50000"/>
+                  </a:schemeClr>
+                </a:solidFill>
+                <a:latin typeface="Poppins"/>
+              </a:rPr>
+              <a:t>ArrayList</a:t>
+            </a:r>
+            <a:r>
+              <a:rPr lang="en-US" sz="2000" dirty="0">
+                <a:solidFill>
+                  <a:schemeClr val="bg1">
+                    <a:lumMod val="50000"/>
+                  </a:schemeClr>
+                </a:solidFill>
+                <a:latin typeface="Poppins"/>
+              </a:rPr>
+              <a:t> because as we advance in the </a:t>
+            </a:r>
+            <a:r>
+              <a:rPr lang="en-US" sz="2000" dirty="0" smtClean="0">
+                <a:solidFill>
+                  <a:schemeClr val="bg1">
+                    <a:lumMod val="50000"/>
+                  </a:schemeClr>
+                </a:solidFill>
+                <a:latin typeface="Poppins"/>
+              </a:rPr>
+              <a:t>algorithm we'll </a:t>
+            </a:r>
+            <a:r>
+              <a:rPr lang="en-US" sz="2000" dirty="0">
+                <a:solidFill>
+                  <a:schemeClr val="bg1">
+                    <a:lumMod val="50000"/>
+                  </a:schemeClr>
+                </a:solidFill>
+                <a:latin typeface="Poppins"/>
+              </a:rPr>
+              <a:t>remove each node of the array so we won't have </a:t>
+            </a:r>
+            <a:r>
+              <a:rPr lang="en-US" sz="2000" dirty="0" smtClean="0">
+                <a:solidFill>
+                  <a:schemeClr val="bg1">
+                    <a:lumMod val="50000"/>
+                  </a:schemeClr>
+                </a:solidFill>
+                <a:latin typeface="Poppins"/>
+              </a:rPr>
+              <a:t>duplicate. We </a:t>
+            </a:r>
+            <a:r>
+              <a:rPr lang="en-US" sz="2000" dirty="0">
+                <a:solidFill>
+                  <a:schemeClr val="bg1">
+                    <a:lumMod val="50000"/>
+                  </a:schemeClr>
+                </a:solidFill>
+                <a:latin typeface="Poppins"/>
+              </a:rPr>
+              <a:t>search for the two minimum nodes, and when found, we create the father </a:t>
+            </a:r>
+            <a:r>
+              <a:rPr lang="en-US" sz="2000" dirty="0" smtClean="0">
+                <a:solidFill>
+                  <a:schemeClr val="bg1">
+                    <a:lumMod val="50000"/>
+                  </a:schemeClr>
+                </a:solidFill>
+                <a:latin typeface="Poppins"/>
+              </a:rPr>
+              <a:t>of them</a:t>
+            </a:r>
+            <a:r>
+              <a:rPr lang="en-US" sz="2000" dirty="0">
+                <a:solidFill>
+                  <a:schemeClr val="bg1">
+                    <a:lumMod val="50000"/>
+                  </a:schemeClr>
+                </a:solidFill>
+                <a:latin typeface="Poppins"/>
+              </a:rPr>
+              <a:t>, which will have the sum of the frequencies of the 2 previous node as </a:t>
+            </a:r>
+            <a:r>
+              <a:rPr lang="en-US" sz="2000" dirty="0" smtClean="0">
+                <a:solidFill>
+                  <a:schemeClr val="bg1">
+                    <a:lumMod val="50000"/>
+                  </a:schemeClr>
+                </a:solidFill>
+                <a:latin typeface="Poppins"/>
+              </a:rPr>
+              <a:t>its frequency</a:t>
+            </a:r>
+            <a:r>
+              <a:rPr lang="en-US" sz="2000" dirty="0">
+                <a:solidFill>
+                  <a:schemeClr val="bg1">
+                    <a:lumMod val="50000"/>
+                  </a:schemeClr>
+                </a:solidFill>
+                <a:latin typeface="Poppins"/>
+              </a:rPr>
+              <a:t>, and the two others will be deleted, until only one node is left, the root</a:t>
+            </a:r>
+            <a:endParaRPr lang="fr-FR" sz="2000" dirty="0">
+              <a:solidFill>
+                <a:schemeClr val="bg1">
+                  <a:lumMod val="50000"/>
+                </a:schemeClr>
+              </a:solidFill>
+              <a:latin typeface="Poppins"/>
+            </a:endParaRPr>
+          </a:p>
+        </p:txBody>
+      </p:sp>
+      <p:sp>
+        <p:nvSpPr>
+          <p:cNvPr id="65" name="TextBox 70"/>
+          <p:cNvSpPr txBox="1"/>
+          <p:nvPr/>
+        </p:nvSpPr>
+        <p:spPr>
+          <a:xfrm>
+            <a:off x="14378362" y="8757799"/>
+            <a:ext cx="8510600" cy="523220"/>
+          </a:xfrm>
+          <a:prstGeom prst="rect">
+            <a:avLst/>
+          </a:prstGeom>
+          <a:noFill/>
+        </p:spPr>
+        <p:txBody>
+          <a:bodyPr wrap="none" rtlCol="0">
+            <a:spAutoFit/>
+          </a:bodyPr>
+          <a:lstStyle/>
+          <a:p>
+            <a:r>
+              <a:rPr lang="en-US" sz="2800" b="1" dirty="0">
+                <a:solidFill>
+                  <a:schemeClr val="tx2"/>
+                </a:solidFill>
+                <a:latin typeface="Poppins Bold" panose="02000000000000000000" pitchFamily="2" charset="77"/>
+                <a:ea typeface="Roboto" charset="0"/>
+                <a:cs typeface="Poppins Bold" panose="02000000000000000000" pitchFamily="2" charset="77"/>
+              </a:rPr>
+              <a:t>private void </a:t>
+            </a:r>
+            <a:r>
+              <a:rPr lang="en-US" sz="2800" b="1" dirty="0" err="1">
+                <a:solidFill>
+                  <a:schemeClr val="tx2"/>
+                </a:solidFill>
+                <a:latin typeface="Poppins Bold" panose="02000000000000000000" pitchFamily="2" charset="77"/>
+                <a:ea typeface="Roboto" charset="0"/>
+                <a:cs typeface="Poppins Bold" panose="02000000000000000000" pitchFamily="2" charset="77"/>
+              </a:rPr>
+              <a:t>dfSearch</a:t>
+            </a:r>
+            <a:r>
+              <a:rPr lang="en-US" sz="2800" b="1" dirty="0">
+                <a:solidFill>
+                  <a:schemeClr val="tx2"/>
+                </a:solidFill>
+                <a:latin typeface="Poppins Bold" panose="02000000000000000000" pitchFamily="2" charset="77"/>
+                <a:ea typeface="Roboto" charset="0"/>
+                <a:cs typeface="Poppins Bold" panose="02000000000000000000" pitchFamily="2" charset="77"/>
+              </a:rPr>
+              <a:t>(Node root, String </a:t>
+            </a:r>
+            <a:r>
+              <a:rPr lang="en-US" sz="2800" b="1" dirty="0" err="1">
+                <a:solidFill>
+                  <a:schemeClr val="tx2"/>
+                </a:solidFill>
+                <a:latin typeface="Poppins Bold" panose="02000000000000000000" pitchFamily="2" charset="77"/>
+                <a:ea typeface="Roboto" charset="0"/>
+                <a:cs typeface="Poppins Bold" panose="02000000000000000000" pitchFamily="2" charset="77"/>
+              </a:rPr>
+              <a:t>codeBin</a:t>
+            </a:r>
+            <a:r>
+              <a:rPr lang="en-US" sz="2800" b="1" dirty="0">
+                <a:solidFill>
+                  <a:schemeClr val="tx2"/>
+                </a:solidFill>
+                <a:latin typeface="Poppins Bold" panose="02000000000000000000" pitchFamily="2" charset="77"/>
+                <a:ea typeface="Roboto" charset="0"/>
+                <a:cs typeface="Poppins Bold" panose="02000000000000000000" pitchFamily="2" charset="77"/>
+              </a:rPr>
+              <a:t>)</a:t>
+            </a:r>
+            <a:endParaRPr lang="en-US" sz="2800" b="1" dirty="0">
+              <a:solidFill>
+                <a:schemeClr val="tx2"/>
+              </a:solidFill>
+              <a:latin typeface="Poppins Bold" panose="02000000000000000000" pitchFamily="2" charset="77"/>
+              <a:ea typeface="Roboto" charset="0"/>
+              <a:cs typeface="Poppins Bold" panose="02000000000000000000" pitchFamily="2" charset="77"/>
+            </a:endParaRPr>
+          </a:p>
+        </p:txBody>
+      </p:sp>
+      <p:sp>
+        <p:nvSpPr>
+          <p:cNvPr id="66" name="ZoneTexte 65"/>
+          <p:cNvSpPr txBox="1"/>
+          <p:nvPr/>
+        </p:nvSpPr>
+        <p:spPr>
+          <a:xfrm>
+            <a:off x="14378361" y="9256310"/>
+            <a:ext cx="8434799" cy="1015663"/>
+          </a:xfrm>
+          <a:prstGeom prst="rect">
+            <a:avLst/>
+          </a:prstGeom>
+          <a:noFill/>
+        </p:spPr>
+        <p:txBody>
+          <a:bodyPr wrap="square" rtlCol="0">
+            <a:spAutoFit/>
+          </a:bodyPr>
+          <a:lstStyle/>
+          <a:p>
+            <a:pPr algn="just"/>
+            <a:r>
+              <a:rPr lang="en-US" sz="2000" dirty="0" smtClean="0">
+                <a:solidFill>
+                  <a:schemeClr val="bg1">
+                    <a:lumMod val="50000"/>
+                  </a:schemeClr>
+                </a:solidFill>
+                <a:latin typeface="Poppins"/>
+              </a:rPr>
+              <a:t>Depth </a:t>
+            </a:r>
+            <a:r>
+              <a:rPr lang="en-US" sz="2000" dirty="0">
+                <a:solidFill>
+                  <a:schemeClr val="bg1">
+                    <a:lumMod val="50000"/>
+                  </a:schemeClr>
+                </a:solidFill>
+                <a:latin typeface="Poppins"/>
+              </a:rPr>
+              <a:t>first search through the tree to fill the binary code of the leaves of the </a:t>
+            </a:r>
+            <a:r>
+              <a:rPr lang="en-US" sz="2000" dirty="0" smtClean="0">
+                <a:solidFill>
+                  <a:schemeClr val="bg1">
+                    <a:lumMod val="50000"/>
+                  </a:schemeClr>
+                </a:solidFill>
+                <a:latin typeface="Poppins"/>
+              </a:rPr>
+              <a:t>tree. The </a:t>
+            </a:r>
+            <a:r>
+              <a:rPr lang="en-US" sz="2000" dirty="0">
+                <a:solidFill>
+                  <a:schemeClr val="bg1">
+                    <a:lumMod val="50000"/>
+                  </a:schemeClr>
+                </a:solidFill>
+                <a:latin typeface="Poppins"/>
+              </a:rPr>
+              <a:t>left son will have the code 0 and the right son, 1. Recursive method.</a:t>
+            </a:r>
+            <a:endParaRPr lang="fr-FR" sz="2000" dirty="0">
+              <a:solidFill>
+                <a:schemeClr val="bg1">
+                  <a:lumMod val="50000"/>
+                </a:schemeClr>
+              </a:solidFill>
+              <a:latin typeface="Poppins"/>
+            </a:endParaRPr>
+          </a:p>
+        </p:txBody>
+      </p:sp>
+      <p:sp>
+        <p:nvSpPr>
+          <p:cNvPr id="67" name="TextBox 70"/>
+          <p:cNvSpPr txBox="1"/>
+          <p:nvPr/>
+        </p:nvSpPr>
+        <p:spPr>
+          <a:xfrm>
+            <a:off x="14375486" y="10531971"/>
+            <a:ext cx="10142585" cy="477054"/>
+          </a:xfrm>
+          <a:prstGeom prst="rect">
+            <a:avLst/>
+          </a:prstGeom>
+          <a:noFill/>
+        </p:spPr>
+        <p:txBody>
+          <a:bodyPr wrap="none" rtlCol="0">
+            <a:spAutoFit/>
+          </a:bodyPr>
+          <a:lstStyle/>
+          <a:p>
+            <a:r>
+              <a:rPr lang="en-US" sz="2500" b="1" dirty="0">
+                <a:solidFill>
+                  <a:schemeClr val="tx2"/>
+                </a:solidFill>
+                <a:latin typeface="Poppins Bold" panose="02000000000000000000" pitchFamily="2" charset="77"/>
+                <a:ea typeface="Roboto" charset="0"/>
+                <a:cs typeface="Poppins Bold" panose="02000000000000000000" pitchFamily="2" charset="77"/>
+              </a:rPr>
+              <a:t>private void </a:t>
+            </a:r>
+            <a:r>
+              <a:rPr lang="en-US" sz="2500" b="1" dirty="0" err="1">
+                <a:solidFill>
+                  <a:schemeClr val="tx2"/>
+                </a:solidFill>
+                <a:latin typeface="Poppins Bold" panose="02000000000000000000" pitchFamily="2" charset="77"/>
+                <a:ea typeface="Roboto" charset="0"/>
+                <a:cs typeface="Poppins Bold" panose="02000000000000000000" pitchFamily="2" charset="77"/>
+              </a:rPr>
+              <a:t>reBuildText</a:t>
+            </a:r>
+            <a:r>
+              <a:rPr lang="en-US" sz="2500" b="1" dirty="0">
+                <a:solidFill>
+                  <a:schemeClr val="tx2"/>
+                </a:solidFill>
+                <a:latin typeface="Poppins Bold" panose="02000000000000000000" pitchFamily="2" charset="77"/>
+                <a:ea typeface="Roboto" charset="0"/>
+                <a:cs typeface="Poppins Bold" panose="02000000000000000000" pitchFamily="2" charset="77"/>
+              </a:rPr>
+              <a:t>(</a:t>
+            </a:r>
+            <a:r>
+              <a:rPr lang="en-US" sz="2500" b="1" dirty="0" err="1">
+                <a:solidFill>
+                  <a:schemeClr val="tx2"/>
+                </a:solidFill>
+                <a:latin typeface="Poppins Bold" panose="02000000000000000000" pitchFamily="2" charset="77"/>
+                <a:ea typeface="Roboto" charset="0"/>
+                <a:cs typeface="Poppins Bold" panose="02000000000000000000" pitchFamily="2" charset="77"/>
+              </a:rPr>
+              <a:t>ArrayList</a:t>
+            </a:r>
+            <a:r>
+              <a:rPr lang="en-US" sz="2500" b="1" dirty="0">
+                <a:solidFill>
+                  <a:schemeClr val="tx2"/>
+                </a:solidFill>
+                <a:latin typeface="Poppins Bold" panose="02000000000000000000" pitchFamily="2" charset="77"/>
+                <a:ea typeface="Roboto" charset="0"/>
+                <a:cs typeface="Poppins Bold" panose="02000000000000000000" pitchFamily="2" charset="77"/>
+              </a:rPr>
+              <a:t>&lt;Node&gt; nodes, String </a:t>
+            </a:r>
+            <a:r>
+              <a:rPr lang="en-US" sz="2500" b="1" dirty="0" err="1">
+                <a:solidFill>
+                  <a:schemeClr val="tx2"/>
+                </a:solidFill>
+                <a:latin typeface="Poppins Bold" panose="02000000000000000000" pitchFamily="2" charset="77"/>
+                <a:ea typeface="Roboto" charset="0"/>
+                <a:cs typeface="Poppins Bold" panose="02000000000000000000" pitchFamily="2" charset="77"/>
+              </a:rPr>
+              <a:t>binCode</a:t>
+            </a:r>
+            <a:r>
+              <a:rPr lang="en-US" sz="2500" b="1" dirty="0">
+                <a:solidFill>
+                  <a:schemeClr val="tx2"/>
+                </a:solidFill>
+                <a:latin typeface="Poppins Bold" panose="02000000000000000000" pitchFamily="2" charset="77"/>
+                <a:ea typeface="Roboto" charset="0"/>
+                <a:cs typeface="Poppins Bold" panose="02000000000000000000" pitchFamily="2" charset="77"/>
+              </a:rPr>
+              <a:t>)</a:t>
+            </a:r>
+            <a:endParaRPr lang="en-US" sz="2500" b="1" dirty="0">
+              <a:solidFill>
+                <a:schemeClr val="tx2"/>
+              </a:solidFill>
+              <a:latin typeface="Poppins Bold" panose="02000000000000000000" pitchFamily="2" charset="77"/>
+              <a:ea typeface="Roboto" charset="0"/>
+              <a:cs typeface="Poppins Bold" panose="02000000000000000000" pitchFamily="2" charset="77"/>
+            </a:endParaRPr>
+          </a:p>
+        </p:txBody>
+      </p:sp>
+      <p:sp>
+        <p:nvSpPr>
+          <p:cNvPr id="69" name="ZoneTexte 68"/>
+          <p:cNvSpPr txBox="1"/>
+          <p:nvPr/>
+        </p:nvSpPr>
+        <p:spPr>
+          <a:xfrm>
+            <a:off x="14367006" y="11031681"/>
+            <a:ext cx="8522099" cy="2246769"/>
+          </a:xfrm>
+          <a:prstGeom prst="rect">
+            <a:avLst/>
+          </a:prstGeom>
+          <a:noFill/>
+        </p:spPr>
+        <p:txBody>
+          <a:bodyPr wrap="square" rtlCol="0">
+            <a:spAutoFit/>
+          </a:bodyPr>
+          <a:lstStyle/>
+          <a:p>
+            <a:pPr algn="just"/>
+            <a:r>
+              <a:rPr lang="en-US" sz="2000" dirty="0">
+                <a:solidFill>
+                  <a:schemeClr val="bg1">
+                    <a:lumMod val="50000"/>
+                  </a:schemeClr>
+                </a:solidFill>
+                <a:latin typeface="Poppins"/>
+              </a:rPr>
+              <a:t>R</a:t>
+            </a:r>
+            <a:r>
+              <a:rPr lang="en-US" sz="2000" dirty="0" smtClean="0">
+                <a:solidFill>
+                  <a:schemeClr val="bg1">
+                    <a:lumMod val="50000"/>
+                  </a:schemeClr>
+                </a:solidFill>
+                <a:latin typeface="Poppins"/>
+              </a:rPr>
+              <a:t>ebuild </a:t>
+            </a:r>
+            <a:r>
+              <a:rPr lang="en-US" sz="2000" dirty="0">
+                <a:solidFill>
+                  <a:schemeClr val="bg1">
+                    <a:lumMod val="50000"/>
+                  </a:schemeClr>
+                </a:solidFill>
+                <a:latin typeface="Poppins"/>
+              </a:rPr>
+              <a:t>the text from the binary code and the nodes. While the binary chain </a:t>
+            </a:r>
+            <a:r>
+              <a:rPr lang="en-US" sz="2000" dirty="0" smtClean="0">
+                <a:solidFill>
+                  <a:schemeClr val="bg1">
+                    <a:lumMod val="50000"/>
+                  </a:schemeClr>
+                </a:solidFill>
+                <a:latin typeface="Poppins"/>
+              </a:rPr>
+              <a:t>isn't empty</a:t>
+            </a:r>
+            <a:r>
+              <a:rPr lang="en-US" sz="2000" dirty="0">
+                <a:solidFill>
+                  <a:schemeClr val="bg1">
+                    <a:lumMod val="50000"/>
+                  </a:schemeClr>
+                </a:solidFill>
+                <a:latin typeface="Poppins"/>
+              </a:rPr>
+              <a:t>, we iterate through every characters and test if their binary code fits </a:t>
+            </a:r>
+            <a:r>
+              <a:rPr lang="en-US" sz="2000" dirty="0" smtClean="0">
+                <a:solidFill>
+                  <a:schemeClr val="bg1">
+                    <a:lumMod val="50000"/>
+                  </a:schemeClr>
+                </a:solidFill>
+                <a:latin typeface="Poppins"/>
+              </a:rPr>
+              <a:t>with the </a:t>
+            </a:r>
+            <a:r>
+              <a:rPr lang="en-US" sz="2000" dirty="0">
+                <a:solidFill>
+                  <a:schemeClr val="bg1">
+                    <a:lumMod val="50000"/>
+                  </a:schemeClr>
+                </a:solidFill>
+                <a:latin typeface="Poppins"/>
+              </a:rPr>
+              <a:t>beginning of the full binary code. If so, we remove the character binary </a:t>
+            </a:r>
+            <a:r>
+              <a:rPr lang="en-US" sz="2000" dirty="0" smtClean="0">
+                <a:solidFill>
+                  <a:schemeClr val="bg1">
+                    <a:lumMod val="50000"/>
+                  </a:schemeClr>
+                </a:solidFill>
+                <a:latin typeface="Poppins"/>
+              </a:rPr>
+              <a:t>chain from </a:t>
+            </a:r>
+            <a:r>
+              <a:rPr lang="en-US" sz="2000" dirty="0">
+                <a:solidFill>
+                  <a:schemeClr val="bg1">
+                    <a:lumMod val="50000"/>
+                  </a:schemeClr>
+                </a:solidFill>
+                <a:latin typeface="Poppins"/>
+              </a:rPr>
+              <a:t>the full binary chain and we add the character itself to a variable that </a:t>
+            </a:r>
+            <a:r>
+              <a:rPr lang="en-US" sz="2000" dirty="0" smtClean="0">
+                <a:solidFill>
+                  <a:schemeClr val="bg1">
+                    <a:lumMod val="50000"/>
+                  </a:schemeClr>
+                </a:solidFill>
+                <a:latin typeface="Poppins"/>
+              </a:rPr>
+              <a:t>will </a:t>
+            </a:r>
+            <a:r>
+              <a:rPr lang="en-US" sz="2000" dirty="0">
+                <a:solidFill>
+                  <a:schemeClr val="bg1">
+                    <a:lumMod val="50000"/>
+                  </a:schemeClr>
+                </a:solidFill>
+                <a:latin typeface="Poppins"/>
+              </a:rPr>
+              <a:t>be the full text. Also, since we're removing useless 0s at the end of the text</a:t>
+            </a:r>
+            <a:r>
+              <a:rPr lang="en-US" sz="2000" dirty="0" smtClean="0">
+                <a:solidFill>
+                  <a:schemeClr val="bg1">
+                    <a:lumMod val="50000"/>
+                  </a:schemeClr>
+                </a:solidFill>
+                <a:latin typeface="Poppins"/>
+              </a:rPr>
+              <a:t>. Create </a:t>
+            </a:r>
+            <a:r>
+              <a:rPr lang="en-US" sz="2000" dirty="0">
+                <a:solidFill>
+                  <a:schemeClr val="bg1">
+                    <a:lumMod val="50000"/>
+                  </a:schemeClr>
+                </a:solidFill>
+                <a:latin typeface="Poppins"/>
+              </a:rPr>
+              <a:t>a file with the full decoded text at Data/Decompressed.txt</a:t>
+            </a:r>
+            <a:endParaRPr lang="fr-FR" sz="2000" dirty="0">
+              <a:solidFill>
+                <a:schemeClr val="bg1">
+                  <a:lumMod val="50000"/>
+                </a:schemeClr>
+              </a:solidFill>
+              <a:latin typeface="Poppins"/>
+            </a:endParaRPr>
+          </a:p>
+        </p:txBody>
+      </p:sp>
+    </p:spTree>
+    <p:extLst>
+      <p:ext uri="{BB962C8B-B14F-4D97-AF65-F5344CB8AC3E}">
+        <p14:creationId xmlns:p14="http://schemas.microsoft.com/office/powerpoint/2010/main" val="1288324241"/>
+      </p:ext>
+    </p:extLst>
+  </p:cSld>
+  <p:clrMapOvr>
+    <a:masterClrMapping/>
+  </p:clrMapOvr>
+  <mc:AlternateContent xmlns:mc="http://schemas.openxmlformats.org/markup-compatibility/2006">
+    <mc:Choice xmlns:p14="http://schemas.microsoft.com/office/powerpoint/2010/main" Requires="p14">
+      <p:transition spd="med" p14:dur="700">
+        <p:fade/>
+      </p:transition>
+    </mc:Choice>
+    <mc:Fallback>
+      <p:transition spd="med">
+        <p:fade/>
+      </p:transition>
     </mc:Fallback>
   </mc:AlternateContent>
   <p:timing>

--- a/Présentation - Powerpoint.pptx
+++ b/Présentation - Powerpoint.pptx
@@ -5,12 +5,13 @@
     <p:sldMasterId id="2147483966" r:id="rId1"/>
   </p:sldMasterIdLst>
   <p:notesMasterIdLst>
-    <p:notesMasterId r:id="rId5"/>
+    <p:notesMasterId r:id="rId6"/>
   </p:notesMasterIdLst>
   <p:sldIdLst>
     <p:sldId id="256" r:id="rId2"/>
     <p:sldId id="2572" r:id="rId3"/>
     <p:sldId id="2573" r:id="rId4"/>
+    <p:sldId id="2574" r:id="rId5"/>
   </p:sldIdLst>
   <p:sldSz cx="24377650" cy="13716000"/>
   <p:notesSz cx="6858000" cy="9144000"/>
@@ -2615,14 +2616,14 @@
           </a:ln>
           <a:extLst>
             <a:ext uri="{909E8E84-426E-40dd-AFC4-6F175D3DCCD1}">
-              <a14:hiddenFill xmlns="" xmlns:a14="http://schemas.microsoft.com/office/drawing/2010/main">
+              <a14:hiddenFill xmlns:a14="http://schemas.microsoft.com/office/drawing/2010/main" xmlns="">
                 <a:solidFill>
                   <a:srgbClr val="FFFFFF"/>
                 </a:solidFill>
               </a14:hiddenFill>
             </a:ext>
             <a:ext uri="{91240B29-F687-4f45-9708-019B960494DF}">
-              <a14:hiddenLine xmlns="" xmlns:a14="http://schemas.microsoft.com/office/drawing/2010/main" w="12700">
+              <a14:hiddenLine xmlns:a14="http://schemas.microsoft.com/office/drawing/2010/main" xmlns="" w="12700">
                 <a:solidFill>
                   <a:schemeClr val="tx1"/>
                 </a:solidFill>
@@ -2891,13 +2892,13 @@
   <p:clrMapOvr>
     <a:masterClrMapping/>
   </p:clrMapOvr>
-  <mc:AlternateContent xmlns:mc="http://schemas.openxmlformats.org/markup-compatibility/2006">
-    <mc:Choice xmlns:p14="http://schemas.microsoft.com/office/powerpoint/2010/main" Requires="p14">
+  <mc:AlternateContent xmlns:mc="http://schemas.openxmlformats.org/markup-compatibility/2006" xmlns:p14="http://schemas.microsoft.com/office/powerpoint/2010/main">
+    <mc:Choice Requires="p14">
       <p:transition spd="slow" p14:dur="3400">
         <p14:reveal/>
       </p:transition>
     </mc:Choice>
-    <mc:Fallback>
+    <mc:Fallback xmlns="">
       <p:transition spd="slow">
         <p:fade/>
       </p:transition>
@@ -3541,14 +3542,6 @@
               </a:rPr>
               <a:t>)</a:t>
             </a:r>
-            <a:endParaRPr lang="en-US" sz="2800" b="1" dirty="0">
-              <a:solidFill>
-                <a:schemeClr val="tx2"/>
-              </a:solidFill>
-              <a:latin typeface="Poppins Bold" panose="02000000000000000000" pitchFamily="2" charset="77"/>
-              <a:ea typeface="Roboto" charset="0"/>
-              <a:cs typeface="Poppins Bold" panose="02000000000000000000" pitchFamily="2" charset="77"/>
-            </a:endParaRPr>
           </a:p>
         </p:txBody>
       </p:sp>
@@ -3729,12 +3722,6 @@
               </a:rPr>
               <a:t>6</a:t>
             </a:r>
-            <a:endParaRPr lang="en-GB" b="1" dirty="0">
-              <a:solidFill>
-                <a:schemeClr val="bg1"/>
-              </a:solidFill>
-              <a:latin typeface="Poppins Bold" panose="02000000000000000000"/>
-            </a:endParaRPr>
           </a:p>
         </p:txBody>
       </p:sp>
@@ -3959,14 +3946,6 @@
               </a:rPr>
               <a:t>)</a:t>
             </a:r>
-            <a:endParaRPr lang="en-US" sz="2800" b="1" dirty="0">
-              <a:solidFill>
-                <a:schemeClr val="tx2"/>
-              </a:solidFill>
-              <a:latin typeface="Poppins Bold" panose="02000000000000000000" pitchFamily="2" charset="77"/>
-              <a:ea typeface="Roboto" charset="0"/>
-              <a:cs typeface="Poppins Bold" panose="02000000000000000000" pitchFamily="2" charset="77"/>
-            </a:endParaRPr>
           </a:p>
         </p:txBody>
       </p:sp>
@@ -4147,14 +4126,6 @@
               </a:rPr>
               <a:t>&lt;Node&gt; nodes)</a:t>
             </a:r>
-            <a:endParaRPr lang="en-US" sz="2800" b="1" dirty="0">
-              <a:solidFill>
-                <a:schemeClr val="tx2"/>
-              </a:solidFill>
-              <a:latin typeface="Poppins Bold" panose="02000000000000000000" pitchFamily="2" charset="77"/>
-              <a:ea typeface="Roboto" charset="0"/>
-              <a:cs typeface="Poppins Bold" panose="02000000000000000000" pitchFamily="2" charset="77"/>
-            </a:endParaRPr>
           </a:p>
         </p:txBody>
       </p:sp>
@@ -4445,14 +4416,6 @@
               </a:rPr>
               <a:t>)</a:t>
             </a:r>
-            <a:endParaRPr lang="en-US" sz="2800" b="1" dirty="0">
-              <a:solidFill>
-                <a:schemeClr val="tx2"/>
-              </a:solidFill>
-              <a:latin typeface="Poppins Bold" panose="02000000000000000000" pitchFamily="2" charset="77"/>
-              <a:ea typeface="Roboto" charset="0"/>
-              <a:cs typeface="Poppins Bold" panose="02000000000000000000" pitchFamily="2" charset="77"/>
-            </a:endParaRPr>
           </a:p>
         </p:txBody>
       </p:sp>
@@ -4589,14 +4552,6 @@
               </a:rPr>
               <a:t>()</a:t>
             </a:r>
-            <a:endParaRPr lang="en-US" sz="2800" b="1" dirty="0">
-              <a:solidFill>
-                <a:schemeClr val="tx2"/>
-              </a:solidFill>
-              <a:latin typeface="Poppins Bold" panose="02000000000000000000" pitchFamily="2" charset="77"/>
-              <a:ea typeface="Roboto" charset="0"/>
-              <a:cs typeface="Poppins Bold" panose="02000000000000000000" pitchFamily="2" charset="77"/>
-            </a:endParaRPr>
           </a:p>
         </p:txBody>
       </p:sp>
@@ -4766,14 +4721,6 @@
               </a:rPr>
               <a:t>&lt;Node&gt; nodes)</a:t>
             </a:r>
-            <a:endParaRPr lang="en-US" sz="2800" b="1" dirty="0">
-              <a:solidFill>
-                <a:schemeClr val="tx2"/>
-              </a:solidFill>
-              <a:latin typeface="Poppins Bold" panose="02000000000000000000" pitchFamily="2" charset="77"/>
-              <a:ea typeface="Roboto" charset="0"/>
-              <a:cs typeface="Poppins Bold" panose="02000000000000000000" pitchFamily="2" charset="77"/>
-            </a:endParaRPr>
           </a:p>
         </p:txBody>
       </p:sp>
@@ -5020,14 +4967,6 @@
               </a:rPr>
               <a:t>)</a:t>
             </a:r>
-            <a:endParaRPr lang="en-US" sz="2800" b="1" dirty="0">
-              <a:solidFill>
-                <a:schemeClr val="tx2"/>
-              </a:solidFill>
-              <a:latin typeface="Poppins Bold" panose="02000000000000000000" pitchFamily="2" charset="77"/>
-              <a:ea typeface="Roboto" charset="0"/>
-              <a:cs typeface="Poppins Bold" panose="02000000000000000000" pitchFamily="2" charset="77"/>
-            </a:endParaRPr>
           </a:p>
         </p:txBody>
       </p:sp>
@@ -5596,14 +5535,6 @@
               </a:rPr>
               <a:t>(String URL)</a:t>
             </a:r>
-            <a:endParaRPr lang="en-US" sz="2800" b="1" dirty="0">
-              <a:solidFill>
-                <a:schemeClr val="tx2"/>
-              </a:solidFill>
-              <a:latin typeface="Poppins Bold" panose="02000000000000000000" pitchFamily="2" charset="77"/>
-              <a:ea typeface="Roboto" charset="0"/>
-              <a:cs typeface="Poppins Bold" panose="02000000000000000000" pitchFamily="2" charset="77"/>
-            </a:endParaRPr>
           </a:p>
         </p:txBody>
       </p:sp>
@@ -5691,12 +5622,6 @@
               </a:rPr>
               <a:t>6</a:t>
             </a:r>
-            <a:endParaRPr lang="en-GB" b="1" dirty="0">
-              <a:solidFill>
-                <a:schemeClr val="bg1"/>
-              </a:solidFill>
-              <a:latin typeface="Poppins Bold" panose="02000000000000000000"/>
-            </a:endParaRPr>
           </a:p>
         </p:txBody>
       </p:sp>
@@ -5833,14 +5758,6 @@
               </a:rPr>
               <a:t>(String URL)</a:t>
             </a:r>
-            <a:endParaRPr lang="en-US" sz="2800" b="1" dirty="0">
-              <a:solidFill>
-                <a:schemeClr val="tx2"/>
-              </a:solidFill>
-              <a:latin typeface="Poppins Bold" panose="02000000000000000000" pitchFamily="2" charset="77"/>
-              <a:ea typeface="Roboto" charset="0"/>
-              <a:cs typeface="Poppins Bold" panose="02000000000000000000" pitchFamily="2" charset="77"/>
-            </a:endParaRPr>
           </a:p>
         </p:txBody>
       </p:sp>
@@ -6043,14 +5960,6 @@
               </a:rPr>
               <a:t>)</a:t>
             </a:r>
-            <a:endParaRPr lang="en-US" sz="2800" b="1" dirty="0">
-              <a:solidFill>
-                <a:schemeClr val="tx2"/>
-              </a:solidFill>
-              <a:latin typeface="Poppins Bold" panose="02000000000000000000" pitchFamily="2" charset="77"/>
-              <a:ea typeface="Roboto" charset="0"/>
-              <a:cs typeface="Poppins Bold" panose="02000000000000000000" pitchFamily="2" charset="77"/>
-            </a:endParaRPr>
           </a:p>
         </p:txBody>
       </p:sp>
@@ -6231,14 +6140,6 @@
               </a:rPr>
               <a:t>&lt;Node&gt; nodes)</a:t>
             </a:r>
-            <a:endParaRPr lang="en-US" sz="2800" b="1" dirty="0">
-              <a:solidFill>
-                <a:schemeClr val="tx2"/>
-              </a:solidFill>
-              <a:latin typeface="Poppins Bold" panose="02000000000000000000" pitchFamily="2" charset="77"/>
-              <a:ea typeface="Roboto" charset="0"/>
-              <a:cs typeface="Poppins Bold" panose="02000000000000000000" pitchFamily="2" charset="77"/>
-            </a:endParaRPr>
           </a:p>
         </p:txBody>
       </p:sp>
@@ -6529,14 +6430,6 @@
               </a:rPr>
               <a:t>)</a:t>
             </a:r>
-            <a:endParaRPr lang="en-US" sz="2800" b="1" dirty="0">
-              <a:solidFill>
-                <a:schemeClr val="tx2"/>
-              </a:solidFill>
-              <a:latin typeface="Poppins Bold" panose="02000000000000000000" pitchFamily="2" charset="77"/>
-              <a:ea typeface="Roboto" charset="0"/>
-              <a:cs typeface="Poppins Bold" panose="02000000000000000000" pitchFamily="2" charset="77"/>
-            </a:endParaRPr>
           </a:p>
         </p:txBody>
       </p:sp>
@@ -6717,14 +6610,6 @@
               </a:rPr>
               <a:t>)</a:t>
             </a:r>
-            <a:endParaRPr lang="en-US" sz="2500" b="1" dirty="0">
-              <a:solidFill>
-                <a:schemeClr val="tx2"/>
-              </a:solidFill>
-              <a:latin typeface="Poppins Bold" panose="02000000000000000000" pitchFamily="2" charset="77"/>
-              <a:ea typeface="Roboto" charset="0"/>
-              <a:cs typeface="Poppins Bold" panose="02000000000000000000" pitchFamily="2" charset="77"/>
-            </a:endParaRPr>
           </a:p>
         </p:txBody>
       </p:sp>
@@ -6915,13 +6800,13 @@
   <p:clrMapOvr>
     <a:masterClrMapping/>
   </p:clrMapOvr>
-  <mc:AlternateContent xmlns:mc="http://schemas.openxmlformats.org/markup-compatibility/2006">
-    <mc:Choice xmlns:p14="http://schemas.microsoft.com/office/powerpoint/2010/main" Requires="p14">
+  <mc:AlternateContent xmlns:mc="http://schemas.openxmlformats.org/markup-compatibility/2006" xmlns:p14="http://schemas.microsoft.com/office/powerpoint/2010/main">
+    <mc:Choice Requires="p14">
       <p:transition spd="med" p14:dur="700">
         <p:fade/>
       </p:transition>
     </mc:Choice>
-    <mc:Fallback>
+    <mc:Fallback xmlns="">
       <p:transition spd="med">
         <p:fade/>
       </p:transition>
@@ -6934,6 +6819,103 @@
       </p:par>
     </p:tnLst>
   </p:timing>
+</p:sld>
+</file>
+
+<file path=ppt/slides/slide4.xml><?xml version="1.0" encoding="utf-8"?>
+<p:sld xmlns:a="http://schemas.openxmlformats.org/drawingml/2006/main" xmlns:r="http://schemas.openxmlformats.org/officeDocument/2006/relationships" xmlns:p="http://schemas.openxmlformats.org/presentationml/2006/main">
+  <p:cSld>
+    <p:spTree>
+      <p:nvGrpSpPr>
+        <p:cNvPr id="1" name=""/>
+        <p:cNvGrpSpPr/>
+        <p:nvPr/>
+      </p:nvGrpSpPr>
+      <p:grpSpPr>
+        <a:xfrm>
+          <a:off x="0" y="0"/>
+          <a:ext cx="0" cy="0"/>
+          <a:chOff x="0" y="0"/>
+          <a:chExt cx="0" cy="0"/>
+        </a:xfrm>
+      </p:grpSpPr>
+      <p:sp>
+        <p:nvSpPr>
+          <p:cNvPr id="2" name="ZoneTexte 1"/>
+          <p:cNvSpPr txBox="1"/>
+          <p:nvPr/>
+        </p:nvSpPr>
+        <p:spPr>
+          <a:xfrm>
+            <a:off x="1673524" y="862642"/>
+            <a:ext cx="15130733" cy="2554545"/>
+          </a:xfrm>
+          <a:prstGeom prst="rect">
+            <a:avLst/>
+          </a:prstGeom>
+          <a:noFill/>
+        </p:spPr>
+        <p:txBody>
+          <a:bodyPr wrap="square" rtlCol="0">
+            <a:spAutoFit/>
+          </a:bodyPr>
+          <a:lstStyle/>
+          <a:p>
+            <a:r>
+              <a:rPr lang="fr-FR" sz="8000" dirty="0" smtClean="0"/>
+              <a:t>C’est moi qui ai trouvé ISO-8859-1, voilà !</a:t>
+            </a:r>
+            <a:endParaRPr lang="fr-FR" sz="8000" dirty="0"/>
+          </a:p>
+        </p:txBody>
+      </p:sp>
+      <p:sp>
+        <p:nvSpPr>
+          <p:cNvPr id="3" name="ZoneTexte 2"/>
+          <p:cNvSpPr txBox="1"/>
+          <p:nvPr/>
+        </p:nvSpPr>
+        <p:spPr>
+          <a:xfrm>
+            <a:off x="16114143" y="8177842"/>
+            <a:ext cx="1777042" cy="369332"/>
+          </a:xfrm>
+          <a:prstGeom prst="rect">
+            <a:avLst/>
+          </a:prstGeom>
+          <a:noFill/>
+        </p:spPr>
+        <p:txBody>
+          <a:bodyPr wrap="square" rtlCol="0">
+            <a:spAutoFit/>
+          </a:bodyPr>
+          <a:lstStyle/>
+          <a:p>
+            <a:r>
+              <a:rPr lang="fr-FR" sz="1800" dirty="0" smtClean="0"/>
+              <a:t>Merci </a:t>
+            </a:r>
+            <a:r>
+              <a:rPr lang="fr-FR" sz="1800" dirty="0" smtClean="0">
+                <a:sym typeface="Wingdings" panose="05000000000000000000" pitchFamily="2" charset="2"/>
+              </a:rPr>
+              <a:t></a:t>
+            </a:r>
+            <a:endParaRPr lang="fr-FR" sz="1800" dirty="0"/>
+          </a:p>
+        </p:txBody>
+      </p:sp>
+    </p:spTree>
+    <p:extLst>
+      <p:ext uri="{BB962C8B-B14F-4D97-AF65-F5344CB8AC3E}">
+        <p14:creationId xmlns:p14="http://schemas.microsoft.com/office/powerpoint/2010/main" val="1634024390"/>
+      </p:ext>
+    </p:extLst>
+  </p:cSld>
+  <p:clrMapOvr>
+    <a:masterClrMapping/>
+  </p:clrMapOvr>
+  <p:transition/>
 </p:sld>
 </file>
 
